--- a/Docs/PLANTILLA PARA PRESENTACION DEL PROYECTO (FORMATO) (2).pptx
+++ b/Docs/PLANTILLA PARA PRESENTACION DEL PROYECTO (FORMATO) (2).pptx
@@ -5,13 +5,23 @@
     <p:sldMasterId id="2147483648" r:id="rId1"/>
   </p:sldMasterIdLst>
   <p:notesMasterIdLst>
-    <p:notesMasterId r:id="rId6"/>
+    <p:notesMasterId r:id="rId16"/>
   </p:notesMasterIdLst>
   <p:sldIdLst>
     <p:sldId id="256" r:id="rId2"/>
     <p:sldId id="257" r:id="rId3"/>
-    <p:sldId id="258" r:id="rId4"/>
-    <p:sldId id="259" r:id="rId5"/>
+    <p:sldId id="260" r:id="rId4"/>
+    <p:sldId id="261" r:id="rId5"/>
+    <p:sldId id="262" r:id="rId6"/>
+    <p:sldId id="263" r:id="rId7"/>
+    <p:sldId id="264" r:id="rId8"/>
+    <p:sldId id="265" r:id="rId9"/>
+    <p:sldId id="268" r:id="rId10"/>
+    <p:sldId id="269" r:id="rId11"/>
+    <p:sldId id="266" r:id="rId12"/>
+    <p:sldId id="267" r:id="rId13"/>
+    <p:sldId id="270" r:id="rId14"/>
+    <p:sldId id="259" r:id="rId15"/>
   </p:sldIdLst>
   <p:sldSz cx="9902825" cy="6858000"/>
   <p:notesSz cx="6858000" cy="9144000"/>
@@ -1517,6 +1527,907 @@
 </p:notes>
 </file>
 
+<file path=ppt/notesSlides/notesSlide10.xml><?xml version="1.0" encoding="utf-8"?>
+<p:notes xmlns:a="http://schemas.openxmlformats.org/drawingml/2006/main" xmlns:r="http://schemas.openxmlformats.org/officeDocument/2006/relationships" xmlns:p="http://schemas.openxmlformats.org/presentationml/2006/main" showMasterSp="0" showMasterPhAnim="0">
+  <p:cSld>
+    <p:spTree>
+      <p:nvGrpSpPr>
+        <p:cNvPr id="1" name="">
+          <a:extLst>
+            <a:ext uri="{FF2B5EF4-FFF2-40B4-BE49-F238E27FC236}">
+              <a16:creationId xmlns:a16="http://schemas.microsoft.com/office/drawing/2014/main" id="{C82D018D-FD26-38A4-06AD-D14DCFECAC98}"/>
+            </a:ext>
+          </a:extLst>
+        </p:cNvPr>
+        <p:cNvGrpSpPr/>
+        <p:nvPr/>
+      </p:nvGrpSpPr>
+      <p:grpSpPr bwMode="auto">
+        <a:xfrm>
+          <a:off x="0" y="0"/>
+          <a:ext cx="0" cy="0"/>
+          <a:chOff x="0" y="0"/>
+          <a:chExt cx="0" cy="0"/>
+        </a:xfrm>
+      </p:grpSpPr>
+      <p:sp>
+        <p:nvSpPr>
+          <p:cNvPr id="547893981" name="Google Shape;64;p3:notes">
+            <a:extLst>
+              <a:ext uri="{FF2B5EF4-FFF2-40B4-BE49-F238E27FC236}">
+                <a16:creationId xmlns:a16="http://schemas.microsoft.com/office/drawing/2014/main" id="{72618B52-EFA8-0780-E3E3-27F0D25B41EE}"/>
+              </a:ext>
+            </a:extLst>
+          </p:cNvPr>
+          <p:cNvSpPr>
+            <a:spLocks noGrp="1" noRot="1" noChangeAspect="1"/>
+          </p:cNvSpPr>
+          <p:nvPr>
+            <p:ph type="sldImg" idx="2"/>
+          </p:nvPr>
+        </p:nvSpPr>
+        <p:spPr bwMode="auto">
+          <a:xfrm>
+            <a:off x="1200150" y="1143000"/>
+            <a:ext cx="4457700" cy="3086100"/>
+          </a:xfrm>
+          <a:custGeom>
+            <a:avLst/>
+            <a:gdLst/>
+            <a:ahLst/>
+            <a:cxnLst/>
+            <a:rect l="l" t="t" r="r" b="b"/>
+            <a:pathLst>
+              <a:path w="120000" h="120000" extrusionOk="0">
+                <a:moveTo>
+                  <a:pt x="0" y="0"/>
+                </a:moveTo>
+                <a:lnTo>
+                  <a:pt x="120000" y="0"/>
+                </a:lnTo>
+                <a:lnTo>
+                  <a:pt x="120000" y="120000"/>
+                </a:lnTo>
+                <a:lnTo>
+                  <a:pt x="0" y="120000"/>
+                </a:lnTo>
+                <a:close/>
+              </a:path>
+            </a:pathLst>
+          </a:custGeom>
+          <a:noFill/>
+          <a:ln w="12700" cap="flat" cmpd="sng">
+            <a:solidFill>
+              <a:srgbClr val="000000"/>
+            </a:solidFill>
+            <a:prstDash val="solid"/>
+            <a:round/>
+            <a:headEnd type="none" w="sm" len="sm"/>
+            <a:tailEnd type="none" w="sm" len="sm"/>
+          </a:ln>
+        </p:spPr>
+      </p:sp>
+      <p:sp>
+        <p:nvSpPr>
+          <p:cNvPr id="179978195" name="Google Shape;65;p3:notes">
+            <a:extLst>
+              <a:ext uri="{FF2B5EF4-FFF2-40B4-BE49-F238E27FC236}">
+                <a16:creationId xmlns:a16="http://schemas.microsoft.com/office/drawing/2014/main" id="{9A08934E-449F-384F-6EB6-776CD43F3A96}"/>
+              </a:ext>
+            </a:extLst>
+          </p:cNvPr>
+          <p:cNvSpPr txBox="1">
+            <a:spLocks noGrp="1"/>
+          </p:cNvSpPr>
+          <p:nvPr>
+            <p:ph type="body" idx="1"/>
+          </p:nvPr>
+        </p:nvSpPr>
+        <p:spPr bwMode="auto">
+          <a:xfrm>
+            <a:off x="685800" y="4400550"/>
+            <a:ext cx="5486400" cy="3600450"/>
+          </a:xfrm>
+          <a:prstGeom prst="rect">
+            <a:avLst/>
+          </a:prstGeom>
+          <a:noFill/>
+          <a:ln>
+            <a:noFill/>
+          </a:ln>
+        </p:spPr>
+        <p:txBody>
+          <a:bodyPr spcFirstLastPara="1" wrap="square" lIns="91424" tIns="45699" rIns="91424" bIns="45699" anchor="t" anchorCtr="0">
+            <a:noAutofit/>
+          </a:bodyPr>
+          <a:lstStyle/>
+          <a:p>
+            <a:pPr marL="0" lvl="0" indent="0" algn="l">
+              <a:spcBef>
+                <a:spcPts val="0"/>
+              </a:spcBef>
+              <a:spcAft>
+                <a:spcPts val="0"/>
+              </a:spcAft>
+              <a:buNone/>
+              <a:defRPr/>
+            </a:pPr>
+            <a:r>
+              <a:rPr lang="en-US"/>
+              <a:t>Note:</a:t>
+            </a:r>
+            <a:endParaRPr/>
+          </a:p>
+        </p:txBody>
+      </p:sp>
+      <p:sp>
+        <p:nvSpPr>
+          <p:cNvPr id="614285879" name="Google Shape;66;p3:notes">
+            <a:extLst>
+              <a:ext uri="{FF2B5EF4-FFF2-40B4-BE49-F238E27FC236}">
+                <a16:creationId xmlns:a16="http://schemas.microsoft.com/office/drawing/2014/main" id="{E05DD7AB-D03B-3B6D-74B9-01B7EA51AE49}"/>
+              </a:ext>
+            </a:extLst>
+          </p:cNvPr>
+          <p:cNvSpPr txBox="1">
+            <a:spLocks noGrp="1"/>
+          </p:cNvSpPr>
+          <p:nvPr>
+            <p:ph type="sldNum" idx="12"/>
+          </p:nvPr>
+        </p:nvSpPr>
+        <p:spPr bwMode="auto">
+          <a:xfrm>
+            <a:off x="3884612" y="8685212"/>
+            <a:ext cx="2971800" cy="458786"/>
+          </a:xfrm>
+          <a:prstGeom prst="rect">
+            <a:avLst/>
+          </a:prstGeom>
+          <a:noFill/>
+          <a:ln>
+            <a:noFill/>
+          </a:ln>
+        </p:spPr>
+        <p:txBody>
+          <a:bodyPr spcFirstLastPara="1" wrap="square" lIns="91424" tIns="45699" rIns="91424" bIns="45699" anchor="b" anchorCtr="0">
+            <a:noAutofit/>
+          </a:bodyPr>
+          <a:lstStyle/>
+          <a:p>
+            <a:pPr marL="0" lvl="0" indent="0" algn="r">
+              <a:spcBef>
+                <a:spcPts val="0"/>
+              </a:spcBef>
+              <a:spcAft>
+                <a:spcPts val="0"/>
+              </a:spcAft>
+              <a:buNone/>
+              <a:defRPr/>
+            </a:pPr>
+            <a:fld id="{5EC285DA-E2A8-1B19-48CD-189C456D7936}" type="slidenum">
+              <a:rPr lang="en-US"/>
+              <a:t>10</a:t>
+            </a:fld>
+            <a:endParaRPr/>
+          </a:p>
+        </p:txBody>
+      </p:sp>
+    </p:spTree>
+    <p:extLst>
+      <p:ext uri="{BB962C8B-B14F-4D97-AF65-F5344CB8AC3E}">
+        <p14:creationId xmlns:p14="http://schemas.microsoft.com/office/powerpoint/2010/main" val="245852617"/>
+      </p:ext>
+    </p:extLst>
+  </p:cSld>
+  <p:clrMapOvr>
+    <a:masterClrMapping/>
+  </p:clrMapOvr>
+</p:notes>
+</file>
+
+<file path=ppt/notesSlides/notesSlide11.xml><?xml version="1.0" encoding="utf-8"?>
+<p:notes xmlns:a="http://schemas.openxmlformats.org/drawingml/2006/main" xmlns:r="http://schemas.openxmlformats.org/officeDocument/2006/relationships" xmlns:p="http://schemas.openxmlformats.org/presentationml/2006/main" showMasterSp="0" showMasterPhAnim="0">
+  <p:cSld>
+    <p:spTree>
+      <p:nvGrpSpPr>
+        <p:cNvPr id="1" name="">
+          <a:extLst>
+            <a:ext uri="{FF2B5EF4-FFF2-40B4-BE49-F238E27FC236}">
+              <a16:creationId xmlns:a16="http://schemas.microsoft.com/office/drawing/2014/main" id="{158D2D9D-2BEF-1FDA-FBAC-2DF224BCA967}"/>
+            </a:ext>
+          </a:extLst>
+        </p:cNvPr>
+        <p:cNvGrpSpPr/>
+        <p:nvPr/>
+      </p:nvGrpSpPr>
+      <p:grpSpPr bwMode="auto">
+        <a:xfrm>
+          <a:off x="0" y="0"/>
+          <a:ext cx="0" cy="0"/>
+          <a:chOff x="0" y="0"/>
+          <a:chExt cx="0" cy="0"/>
+        </a:xfrm>
+      </p:grpSpPr>
+      <p:sp>
+        <p:nvSpPr>
+          <p:cNvPr id="547893981" name="Google Shape;64;p3:notes">
+            <a:extLst>
+              <a:ext uri="{FF2B5EF4-FFF2-40B4-BE49-F238E27FC236}">
+                <a16:creationId xmlns:a16="http://schemas.microsoft.com/office/drawing/2014/main" id="{6D2E9BEB-60C0-76C5-2EDC-F0EAF41E5AF4}"/>
+              </a:ext>
+            </a:extLst>
+          </p:cNvPr>
+          <p:cNvSpPr>
+            <a:spLocks noGrp="1" noRot="1" noChangeAspect="1"/>
+          </p:cNvSpPr>
+          <p:nvPr>
+            <p:ph type="sldImg" idx="2"/>
+          </p:nvPr>
+        </p:nvSpPr>
+        <p:spPr bwMode="auto">
+          <a:xfrm>
+            <a:off x="1200150" y="1143000"/>
+            <a:ext cx="4457700" cy="3086100"/>
+          </a:xfrm>
+          <a:custGeom>
+            <a:avLst/>
+            <a:gdLst/>
+            <a:ahLst/>
+            <a:cxnLst/>
+            <a:rect l="l" t="t" r="r" b="b"/>
+            <a:pathLst>
+              <a:path w="120000" h="120000" extrusionOk="0">
+                <a:moveTo>
+                  <a:pt x="0" y="0"/>
+                </a:moveTo>
+                <a:lnTo>
+                  <a:pt x="120000" y="0"/>
+                </a:lnTo>
+                <a:lnTo>
+                  <a:pt x="120000" y="120000"/>
+                </a:lnTo>
+                <a:lnTo>
+                  <a:pt x="0" y="120000"/>
+                </a:lnTo>
+                <a:close/>
+              </a:path>
+            </a:pathLst>
+          </a:custGeom>
+          <a:noFill/>
+          <a:ln w="12700" cap="flat" cmpd="sng">
+            <a:solidFill>
+              <a:srgbClr val="000000"/>
+            </a:solidFill>
+            <a:prstDash val="solid"/>
+            <a:round/>
+            <a:headEnd type="none" w="sm" len="sm"/>
+            <a:tailEnd type="none" w="sm" len="sm"/>
+          </a:ln>
+        </p:spPr>
+      </p:sp>
+      <p:sp>
+        <p:nvSpPr>
+          <p:cNvPr id="179978195" name="Google Shape;65;p3:notes">
+            <a:extLst>
+              <a:ext uri="{FF2B5EF4-FFF2-40B4-BE49-F238E27FC236}">
+                <a16:creationId xmlns:a16="http://schemas.microsoft.com/office/drawing/2014/main" id="{10B3C6EE-26F7-9C1E-27F0-805E4A4BE5A2}"/>
+              </a:ext>
+            </a:extLst>
+          </p:cNvPr>
+          <p:cNvSpPr txBox="1">
+            <a:spLocks noGrp="1"/>
+          </p:cNvSpPr>
+          <p:nvPr>
+            <p:ph type="body" idx="1"/>
+          </p:nvPr>
+        </p:nvSpPr>
+        <p:spPr bwMode="auto">
+          <a:xfrm>
+            <a:off x="685800" y="4400550"/>
+            <a:ext cx="5486400" cy="3600450"/>
+          </a:xfrm>
+          <a:prstGeom prst="rect">
+            <a:avLst/>
+          </a:prstGeom>
+          <a:noFill/>
+          <a:ln>
+            <a:noFill/>
+          </a:ln>
+        </p:spPr>
+        <p:txBody>
+          <a:bodyPr spcFirstLastPara="1" wrap="square" lIns="91424" tIns="45699" rIns="91424" bIns="45699" anchor="t" anchorCtr="0">
+            <a:noAutofit/>
+          </a:bodyPr>
+          <a:lstStyle/>
+          <a:p>
+            <a:pPr marL="0" lvl="0" indent="0" algn="l">
+              <a:spcBef>
+                <a:spcPts val="0"/>
+              </a:spcBef>
+              <a:spcAft>
+                <a:spcPts val="0"/>
+              </a:spcAft>
+              <a:buNone/>
+              <a:defRPr/>
+            </a:pPr>
+            <a:r>
+              <a:rPr lang="en-US"/>
+              <a:t>Note:</a:t>
+            </a:r>
+            <a:endParaRPr/>
+          </a:p>
+        </p:txBody>
+      </p:sp>
+      <p:sp>
+        <p:nvSpPr>
+          <p:cNvPr id="614285879" name="Google Shape;66;p3:notes">
+            <a:extLst>
+              <a:ext uri="{FF2B5EF4-FFF2-40B4-BE49-F238E27FC236}">
+                <a16:creationId xmlns:a16="http://schemas.microsoft.com/office/drawing/2014/main" id="{8E068455-89A2-2877-CCD6-BE072DCFB3D6}"/>
+              </a:ext>
+            </a:extLst>
+          </p:cNvPr>
+          <p:cNvSpPr txBox="1">
+            <a:spLocks noGrp="1"/>
+          </p:cNvSpPr>
+          <p:nvPr>
+            <p:ph type="sldNum" idx="12"/>
+          </p:nvPr>
+        </p:nvSpPr>
+        <p:spPr bwMode="auto">
+          <a:xfrm>
+            <a:off x="3884612" y="8685212"/>
+            <a:ext cx="2971800" cy="458786"/>
+          </a:xfrm>
+          <a:prstGeom prst="rect">
+            <a:avLst/>
+          </a:prstGeom>
+          <a:noFill/>
+          <a:ln>
+            <a:noFill/>
+          </a:ln>
+        </p:spPr>
+        <p:txBody>
+          <a:bodyPr spcFirstLastPara="1" wrap="square" lIns="91424" tIns="45699" rIns="91424" bIns="45699" anchor="b" anchorCtr="0">
+            <a:noAutofit/>
+          </a:bodyPr>
+          <a:lstStyle/>
+          <a:p>
+            <a:pPr marL="0" lvl="0" indent="0" algn="r">
+              <a:spcBef>
+                <a:spcPts val="0"/>
+              </a:spcBef>
+              <a:spcAft>
+                <a:spcPts val="0"/>
+              </a:spcAft>
+              <a:buNone/>
+              <a:defRPr/>
+            </a:pPr>
+            <a:fld id="{5EC285DA-E2A8-1B19-48CD-189C456D7936}" type="slidenum">
+              <a:rPr lang="en-US"/>
+              <a:t>11</a:t>
+            </a:fld>
+            <a:endParaRPr/>
+          </a:p>
+        </p:txBody>
+      </p:sp>
+    </p:spTree>
+    <p:extLst>
+      <p:ext uri="{BB962C8B-B14F-4D97-AF65-F5344CB8AC3E}">
+        <p14:creationId xmlns:p14="http://schemas.microsoft.com/office/powerpoint/2010/main" val="4284729780"/>
+      </p:ext>
+    </p:extLst>
+  </p:cSld>
+  <p:clrMapOvr>
+    <a:masterClrMapping/>
+  </p:clrMapOvr>
+</p:notes>
+</file>
+
+<file path=ppt/notesSlides/notesSlide12.xml><?xml version="1.0" encoding="utf-8"?>
+<p:notes xmlns:a="http://schemas.openxmlformats.org/drawingml/2006/main" xmlns:r="http://schemas.openxmlformats.org/officeDocument/2006/relationships" xmlns:p="http://schemas.openxmlformats.org/presentationml/2006/main" showMasterSp="0" showMasterPhAnim="0">
+  <p:cSld>
+    <p:spTree>
+      <p:nvGrpSpPr>
+        <p:cNvPr id="1" name="">
+          <a:extLst>
+            <a:ext uri="{FF2B5EF4-FFF2-40B4-BE49-F238E27FC236}">
+              <a16:creationId xmlns:a16="http://schemas.microsoft.com/office/drawing/2014/main" id="{D6012519-AF5C-3AB7-E79B-4F23E57EBB66}"/>
+            </a:ext>
+          </a:extLst>
+        </p:cNvPr>
+        <p:cNvGrpSpPr/>
+        <p:nvPr/>
+      </p:nvGrpSpPr>
+      <p:grpSpPr bwMode="auto">
+        <a:xfrm>
+          <a:off x="0" y="0"/>
+          <a:ext cx="0" cy="0"/>
+          <a:chOff x="0" y="0"/>
+          <a:chExt cx="0" cy="0"/>
+        </a:xfrm>
+      </p:grpSpPr>
+      <p:sp>
+        <p:nvSpPr>
+          <p:cNvPr id="547893981" name="Google Shape;64;p3:notes">
+            <a:extLst>
+              <a:ext uri="{FF2B5EF4-FFF2-40B4-BE49-F238E27FC236}">
+                <a16:creationId xmlns:a16="http://schemas.microsoft.com/office/drawing/2014/main" id="{645505C0-04E2-4E45-DBD0-1FFA9D2564FA}"/>
+              </a:ext>
+            </a:extLst>
+          </p:cNvPr>
+          <p:cNvSpPr>
+            <a:spLocks noGrp="1" noRot="1" noChangeAspect="1"/>
+          </p:cNvSpPr>
+          <p:nvPr>
+            <p:ph type="sldImg" idx="2"/>
+          </p:nvPr>
+        </p:nvSpPr>
+        <p:spPr bwMode="auto">
+          <a:xfrm>
+            <a:off x="1200150" y="1143000"/>
+            <a:ext cx="4457700" cy="3086100"/>
+          </a:xfrm>
+          <a:custGeom>
+            <a:avLst/>
+            <a:gdLst/>
+            <a:ahLst/>
+            <a:cxnLst/>
+            <a:rect l="l" t="t" r="r" b="b"/>
+            <a:pathLst>
+              <a:path w="120000" h="120000" extrusionOk="0">
+                <a:moveTo>
+                  <a:pt x="0" y="0"/>
+                </a:moveTo>
+                <a:lnTo>
+                  <a:pt x="120000" y="0"/>
+                </a:lnTo>
+                <a:lnTo>
+                  <a:pt x="120000" y="120000"/>
+                </a:lnTo>
+                <a:lnTo>
+                  <a:pt x="0" y="120000"/>
+                </a:lnTo>
+                <a:close/>
+              </a:path>
+            </a:pathLst>
+          </a:custGeom>
+          <a:noFill/>
+          <a:ln w="12700" cap="flat" cmpd="sng">
+            <a:solidFill>
+              <a:srgbClr val="000000"/>
+            </a:solidFill>
+            <a:prstDash val="solid"/>
+            <a:round/>
+            <a:headEnd type="none" w="sm" len="sm"/>
+            <a:tailEnd type="none" w="sm" len="sm"/>
+          </a:ln>
+        </p:spPr>
+      </p:sp>
+      <p:sp>
+        <p:nvSpPr>
+          <p:cNvPr id="179978195" name="Google Shape;65;p3:notes">
+            <a:extLst>
+              <a:ext uri="{FF2B5EF4-FFF2-40B4-BE49-F238E27FC236}">
+                <a16:creationId xmlns:a16="http://schemas.microsoft.com/office/drawing/2014/main" id="{1595D4D4-DF33-0265-28CB-E34027CABBDB}"/>
+              </a:ext>
+            </a:extLst>
+          </p:cNvPr>
+          <p:cNvSpPr txBox="1">
+            <a:spLocks noGrp="1"/>
+          </p:cNvSpPr>
+          <p:nvPr>
+            <p:ph type="body" idx="1"/>
+          </p:nvPr>
+        </p:nvSpPr>
+        <p:spPr bwMode="auto">
+          <a:xfrm>
+            <a:off x="685800" y="4400550"/>
+            <a:ext cx="5486400" cy="3600450"/>
+          </a:xfrm>
+          <a:prstGeom prst="rect">
+            <a:avLst/>
+          </a:prstGeom>
+          <a:noFill/>
+          <a:ln>
+            <a:noFill/>
+          </a:ln>
+        </p:spPr>
+        <p:txBody>
+          <a:bodyPr spcFirstLastPara="1" wrap="square" lIns="91424" tIns="45699" rIns="91424" bIns="45699" anchor="t" anchorCtr="0">
+            <a:noAutofit/>
+          </a:bodyPr>
+          <a:lstStyle/>
+          <a:p>
+            <a:pPr marL="0" lvl="0" indent="0" algn="l">
+              <a:spcBef>
+                <a:spcPts val="0"/>
+              </a:spcBef>
+              <a:spcAft>
+                <a:spcPts val="0"/>
+              </a:spcAft>
+              <a:buNone/>
+              <a:defRPr/>
+            </a:pPr>
+            <a:r>
+              <a:rPr lang="en-US"/>
+              <a:t>Note:</a:t>
+            </a:r>
+            <a:endParaRPr/>
+          </a:p>
+        </p:txBody>
+      </p:sp>
+      <p:sp>
+        <p:nvSpPr>
+          <p:cNvPr id="614285879" name="Google Shape;66;p3:notes">
+            <a:extLst>
+              <a:ext uri="{FF2B5EF4-FFF2-40B4-BE49-F238E27FC236}">
+                <a16:creationId xmlns:a16="http://schemas.microsoft.com/office/drawing/2014/main" id="{F121F6D8-C4A3-C1B4-5B4C-5F738A08194B}"/>
+              </a:ext>
+            </a:extLst>
+          </p:cNvPr>
+          <p:cNvSpPr txBox="1">
+            <a:spLocks noGrp="1"/>
+          </p:cNvSpPr>
+          <p:nvPr>
+            <p:ph type="sldNum" idx="12"/>
+          </p:nvPr>
+        </p:nvSpPr>
+        <p:spPr bwMode="auto">
+          <a:xfrm>
+            <a:off x="3884612" y="8685212"/>
+            <a:ext cx="2971800" cy="458786"/>
+          </a:xfrm>
+          <a:prstGeom prst="rect">
+            <a:avLst/>
+          </a:prstGeom>
+          <a:noFill/>
+          <a:ln>
+            <a:noFill/>
+          </a:ln>
+        </p:spPr>
+        <p:txBody>
+          <a:bodyPr spcFirstLastPara="1" wrap="square" lIns="91424" tIns="45699" rIns="91424" bIns="45699" anchor="b" anchorCtr="0">
+            <a:noAutofit/>
+          </a:bodyPr>
+          <a:lstStyle/>
+          <a:p>
+            <a:pPr marL="0" lvl="0" indent="0" algn="r">
+              <a:spcBef>
+                <a:spcPts val="0"/>
+              </a:spcBef>
+              <a:spcAft>
+                <a:spcPts val="0"/>
+              </a:spcAft>
+              <a:buNone/>
+              <a:defRPr/>
+            </a:pPr>
+            <a:fld id="{5EC285DA-E2A8-1B19-48CD-189C456D7936}" type="slidenum">
+              <a:rPr lang="en-US"/>
+              <a:t>12</a:t>
+            </a:fld>
+            <a:endParaRPr/>
+          </a:p>
+        </p:txBody>
+      </p:sp>
+    </p:spTree>
+    <p:extLst>
+      <p:ext uri="{BB962C8B-B14F-4D97-AF65-F5344CB8AC3E}">
+        <p14:creationId xmlns:p14="http://schemas.microsoft.com/office/powerpoint/2010/main" val="4025343362"/>
+      </p:ext>
+    </p:extLst>
+  </p:cSld>
+  <p:clrMapOvr>
+    <a:masterClrMapping/>
+  </p:clrMapOvr>
+</p:notes>
+</file>
+
+<file path=ppt/notesSlides/notesSlide13.xml><?xml version="1.0" encoding="utf-8"?>
+<p:notes xmlns:a="http://schemas.openxmlformats.org/drawingml/2006/main" xmlns:r="http://schemas.openxmlformats.org/officeDocument/2006/relationships" xmlns:p="http://schemas.openxmlformats.org/presentationml/2006/main" showMasterSp="0" showMasterPhAnim="0">
+  <p:cSld>
+    <p:spTree>
+      <p:nvGrpSpPr>
+        <p:cNvPr id="1" name="">
+          <a:extLst>
+            <a:ext uri="{FF2B5EF4-FFF2-40B4-BE49-F238E27FC236}">
+              <a16:creationId xmlns:a16="http://schemas.microsoft.com/office/drawing/2014/main" id="{BBF00ED1-7D37-70C4-305E-BEBF6D043678}"/>
+            </a:ext>
+          </a:extLst>
+        </p:cNvPr>
+        <p:cNvGrpSpPr/>
+        <p:nvPr/>
+      </p:nvGrpSpPr>
+      <p:grpSpPr bwMode="auto">
+        <a:xfrm>
+          <a:off x="0" y="0"/>
+          <a:ext cx="0" cy="0"/>
+          <a:chOff x="0" y="0"/>
+          <a:chExt cx="0" cy="0"/>
+        </a:xfrm>
+      </p:grpSpPr>
+      <p:sp>
+        <p:nvSpPr>
+          <p:cNvPr id="547893981" name="Google Shape;64;p3:notes">
+            <a:extLst>
+              <a:ext uri="{FF2B5EF4-FFF2-40B4-BE49-F238E27FC236}">
+                <a16:creationId xmlns:a16="http://schemas.microsoft.com/office/drawing/2014/main" id="{97F1D935-7891-E09F-C717-BEB7A63CB115}"/>
+              </a:ext>
+            </a:extLst>
+          </p:cNvPr>
+          <p:cNvSpPr>
+            <a:spLocks noGrp="1" noRot="1" noChangeAspect="1"/>
+          </p:cNvSpPr>
+          <p:nvPr>
+            <p:ph type="sldImg" idx="2"/>
+          </p:nvPr>
+        </p:nvSpPr>
+        <p:spPr bwMode="auto">
+          <a:xfrm>
+            <a:off x="1200150" y="1143000"/>
+            <a:ext cx="4457700" cy="3086100"/>
+          </a:xfrm>
+          <a:custGeom>
+            <a:avLst/>
+            <a:gdLst/>
+            <a:ahLst/>
+            <a:cxnLst/>
+            <a:rect l="l" t="t" r="r" b="b"/>
+            <a:pathLst>
+              <a:path w="120000" h="120000" extrusionOk="0">
+                <a:moveTo>
+                  <a:pt x="0" y="0"/>
+                </a:moveTo>
+                <a:lnTo>
+                  <a:pt x="120000" y="0"/>
+                </a:lnTo>
+                <a:lnTo>
+                  <a:pt x="120000" y="120000"/>
+                </a:lnTo>
+                <a:lnTo>
+                  <a:pt x="0" y="120000"/>
+                </a:lnTo>
+                <a:close/>
+              </a:path>
+            </a:pathLst>
+          </a:custGeom>
+          <a:noFill/>
+          <a:ln w="12700" cap="flat" cmpd="sng">
+            <a:solidFill>
+              <a:srgbClr val="000000"/>
+            </a:solidFill>
+            <a:prstDash val="solid"/>
+            <a:round/>
+            <a:headEnd type="none" w="sm" len="sm"/>
+            <a:tailEnd type="none" w="sm" len="sm"/>
+          </a:ln>
+        </p:spPr>
+      </p:sp>
+      <p:sp>
+        <p:nvSpPr>
+          <p:cNvPr id="179978195" name="Google Shape;65;p3:notes">
+            <a:extLst>
+              <a:ext uri="{FF2B5EF4-FFF2-40B4-BE49-F238E27FC236}">
+                <a16:creationId xmlns:a16="http://schemas.microsoft.com/office/drawing/2014/main" id="{88368470-2B6F-61FF-854F-B4B3791FE6DF}"/>
+              </a:ext>
+            </a:extLst>
+          </p:cNvPr>
+          <p:cNvSpPr txBox="1">
+            <a:spLocks noGrp="1"/>
+          </p:cNvSpPr>
+          <p:nvPr>
+            <p:ph type="body" idx="1"/>
+          </p:nvPr>
+        </p:nvSpPr>
+        <p:spPr bwMode="auto">
+          <a:xfrm>
+            <a:off x="685800" y="4400550"/>
+            <a:ext cx="5486400" cy="3600450"/>
+          </a:xfrm>
+          <a:prstGeom prst="rect">
+            <a:avLst/>
+          </a:prstGeom>
+          <a:noFill/>
+          <a:ln>
+            <a:noFill/>
+          </a:ln>
+        </p:spPr>
+        <p:txBody>
+          <a:bodyPr spcFirstLastPara="1" wrap="square" lIns="91424" tIns="45699" rIns="91424" bIns="45699" anchor="t" anchorCtr="0">
+            <a:noAutofit/>
+          </a:bodyPr>
+          <a:lstStyle/>
+          <a:p>
+            <a:pPr marL="0" lvl="0" indent="0" algn="l">
+              <a:spcBef>
+                <a:spcPts val="0"/>
+              </a:spcBef>
+              <a:spcAft>
+                <a:spcPts val="0"/>
+              </a:spcAft>
+              <a:buNone/>
+              <a:defRPr/>
+            </a:pPr>
+            <a:r>
+              <a:rPr lang="en-US"/>
+              <a:t>Note:</a:t>
+            </a:r>
+            <a:endParaRPr/>
+          </a:p>
+        </p:txBody>
+      </p:sp>
+      <p:sp>
+        <p:nvSpPr>
+          <p:cNvPr id="614285879" name="Google Shape;66;p3:notes">
+            <a:extLst>
+              <a:ext uri="{FF2B5EF4-FFF2-40B4-BE49-F238E27FC236}">
+                <a16:creationId xmlns:a16="http://schemas.microsoft.com/office/drawing/2014/main" id="{A4559653-20B8-4F42-7074-A270EEF95C00}"/>
+              </a:ext>
+            </a:extLst>
+          </p:cNvPr>
+          <p:cNvSpPr txBox="1">
+            <a:spLocks noGrp="1"/>
+          </p:cNvSpPr>
+          <p:nvPr>
+            <p:ph type="sldNum" idx="12"/>
+          </p:nvPr>
+        </p:nvSpPr>
+        <p:spPr bwMode="auto">
+          <a:xfrm>
+            <a:off x="3884612" y="8685212"/>
+            <a:ext cx="2971800" cy="458786"/>
+          </a:xfrm>
+          <a:prstGeom prst="rect">
+            <a:avLst/>
+          </a:prstGeom>
+          <a:noFill/>
+          <a:ln>
+            <a:noFill/>
+          </a:ln>
+        </p:spPr>
+        <p:txBody>
+          <a:bodyPr spcFirstLastPara="1" wrap="square" lIns="91424" tIns="45699" rIns="91424" bIns="45699" anchor="b" anchorCtr="0">
+            <a:noAutofit/>
+          </a:bodyPr>
+          <a:lstStyle/>
+          <a:p>
+            <a:pPr marL="0" lvl="0" indent="0" algn="r">
+              <a:spcBef>
+                <a:spcPts val="0"/>
+              </a:spcBef>
+              <a:spcAft>
+                <a:spcPts val="0"/>
+              </a:spcAft>
+              <a:buNone/>
+              <a:defRPr/>
+            </a:pPr>
+            <a:fld id="{5EC285DA-E2A8-1B19-48CD-189C456D7936}" type="slidenum">
+              <a:rPr lang="en-US"/>
+              <a:t>13</a:t>
+            </a:fld>
+            <a:endParaRPr/>
+          </a:p>
+        </p:txBody>
+      </p:sp>
+    </p:spTree>
+    <p:extLst>
+      <p:ext uri="{BB962C8B-B14F-4D97-AF65-F5344CB8AC3E}">
+        <p14:creationId xmlns:p14="http://schemas.microsoft.com/office/powerpoint/2010/main" val="2165112297"/>
+      </p:ext>
+    </p:extLst>
+  </p:cSld>
+  <p:clrMapOvr>
+    <a:masterClrMapping/>
+  </p:clrMapOvr>
+</p:notes>
+</file>
+
+<file path=ppt/notesSlides/notesSlide14.xml><?xml version="1.0" encoding="utf-8"?>
+<p:notes xmlns:a="http://schemas.openxmlformats.org/drawingml/2006/main" xmlns:r="http://schemas.openxmlformats.org/officeDocument/2006/relationships" xmlns:p="http://schemas.openxmlformats.org/presentationml/2006/main" showMasterSp="0" showMasterPhAnim="0">
+  <p:cSld>
+    <p:spTree>
+      <p:nvGrpSpPr>
+        <p:cNvPr id="1" name=""/>
+        <p:cNvGrpSpPr/>
+        <p:nvPr/>
+      </p:nvGrpSpPr>
+      <p:grpSpPr bwMode="auto">
+        <a:xfrm>
+          <a:off x="0" y="0"/>
+          <a:ext cx="0" cy="0"/>
+          <a:chOff x="0" y="0"/>
+          <a:chExt cx="0" cy="0"/>
+        </a:xfrm>
+      </p:grpSpPr>
+      <p:sp>
+        <p:nvSpPr>
+          <p:cNvPr id="90" name="Google Shape;90;p5:notes"/>
+          <p:cNvSpPr txBox="1">
+            <a:spLocks noGrp="1"/>
+          </p:cNvSpPr>
+          <p:nvPr>
+            <p:ph type="body" idx="1"/>
+          </p:nvPr>
+        </p:nvSpPr>
+        <p:spPr bwMode="auto">
+          <a:xfrm>
+            <a:off x="685800" y="4400550"/>
+            <a:ext cx="5486400" cy="3600450"/>
+          </a:xfrm>
+          <a:prstGeom prst="rect">
+            <a:avLst/>
+          </a:prstGeom>
+        </p:spPr>
+        <p:txBody>
+          <a:bodyPr spcFirstLastPara="1" wrap="square" lIns="91425" tIns="45700" rIns="91425" bIns="45700" anchor="t" anchorCtr="0">
+            <a:noAutofit/>
+          </a:bodyPr>
+          <a:lstStyle/>
+          <a:p>
+            <a:pPr marL="0" lvl="0" indent="0" algn="l">
+              <a:spcBef>
+                <a:spcPts val="0"/>
+              </a:spcBef>
+              <a:spcAft>
+                <a:spcPts val="0"/>
+              </a:spcAft>
+              <a:buNone/>
+              <a:defRPr/>
+            </a:pPr>
+            <a:endParaRPr/>
+          </a:p>
+        </p:txBody>
+      </p:sp>
+      <p:sp>
+        <p:nvSpPr>
+          <p:cNvPr id="91" name="Google Shape;91;p5:notes"/>
+          <p:cNvSpPr>
+            <a:spLocks noGrp="1" noRot="1" noChangeAspect="1"/>
+          </p:cNvSpPr>
+          <p:nvPr>
+            <p:ph type="sldImg" idx="2"/>
+          </p:nvPr>
+        </p:nvSpPr>
+        <p:spPr bwMode="auto">
+          <a:xfrm>
+            <a:off x="1200150" y="1143000"/>
+            <a:ext cx="4457700" cy="3086100"/>
+          </a:xfrm>
+          <a:custGeom>
+            <a:avLst/>
+            <a:gdLst/>
+            <a:ahLst/>
+            <a:cxnLst/>
+            <a:rect l="l" t="t" r="r" b="b"/>
+            <a:pathLst>
+              <a:path w="120000" h="120000" extrusionOk="0">
+                <a:moveTo>
+                  <a:pt x="0" y="0"/>
+                </a:moveTo>
+                <a:lnTo>
+                  <a:pt x="120000" y="0"/>
+                </a:lnTo>
+                <a:lnTo>
+                  <a:pt x="120000" y="120000"/>
+                </a:lnTo>
+                <a:lnTo>
+                  <a:pt x="0" y="120000"/>
+                </a:lnTo>
+                <a:close/>
+              </a:path>
+            </a:pathLst>
+          </a:custGeom>
+        </p:spPr>
+      </p:sp>
+    </p:spTree>
+  </p:cSld>
+  <p:clrMapOvr>
+    <a:masterClrMapping/>
+  </p:clrMapOvr>
+</p:notes>
+</file>
+
 <file path=ppt/notesSlides/notesSlide2.xml><?xml version="1.0" encoding="utf-8"?>
 <p:notes xmlns:a="http://schemas.openxmlformats.org/drawingml/2006/main" xmlns:r="http://schemas.openxmlformats.org/officeDocument/2006/relationships" xmlns:p="http://schemas.openxmlformats.org/presentationml/2006/main" showMasterSp="0" showMasterPhAnim="0">
   <p:cSld>
@@ -1796,7 +2707,13 @@
   <p:cSld>
     <p:spTree>
       <p:nvGrpSpPr>
-        <p:cNvPr id="1" name=""/>
+        <p:cNvPr id="1" name="">
+          <a:extLst>
+            <a:ext uri="{FF2B5EF4-FFF2-40B4-BE49-F238E27FC236}">
+              <a16:creationId xmlns:a16="http://schemas.microsoft.com/office/drawing/2014/main" id="{4176476C-7699-1549-D5DC-28E4D1ECCD12}"/>
+            </a:ext>
+          </a:extLst>
+        </p:cNvPr>
         <p:cNvGrpSpPr/>
         <p:nvPr/>
       </p:nvGrpSpPr>
@@ -1810,46 +2727,13 @@
       </p:grpSpPr>
       <p:sp>
         <p:nvSpPr>
-          <p:cNvPr id="90" name="Google Shape;90;p5:notes"/>
-          <p:cNvSpPr txBox="1">
-            <a:spLocks noGrp="1"/>
-          </p:cNvSpPr>
-          <p:nvPr>
-            <p:ph type="body" idx="1"/>
-          </p:nvPr>
-        </p:nvSpPr>
-        <p:spPr bwMode="auto">
-          <a:xfrm>
-            <a:off x="685800" y="4400550"/>
-            <a:ext cx="5486400" cy="3600450"/>
-          </a:xfrm>
-          <a:prstGeom prst="rect">
-            <a:avLst/>
-          </a:prstGeom>
-        </p:spPr>
-        <p:txBody>
-          <a:bodyPr spcFirstLastPara="1" wrap="square" lIns="91425" tIns="45700" rIns="91425" bIns="45700" anchor="t" anchorCtr="0">
-            <a:noAutofit/>
-          </a:bodyPr>
-          <a:lstStyle/>
-          <a:p>
-            <a:pPr marL="0" lvl="0" indent="0" algn="l">
-              <a:spcBef>
-                <a:spcPts val="0"/>
-              </a:spcBef>
-              <a:spcAft>
-                <a:spcPts val="0"/>
-              </a:spcAft>
-              <a:buNone/>
-              <a:defRPr/>
-            </a:pPr>
-            <a:endParaRPr/>
-          </a:p>
-        </p:txBody>
-      </p:sp>
-      <p:sp>
-        <p:nvSpPr>
-          <p:cNvPr id="91" name="Google Shape;91;p5:notes"/>
+          <p:cNvPr id="547893981" name="Google Shape;64;p3:notes">
+            <a:extLst>
+              <a:ext uri="{FF2B5EF4-FFF2-40B4-BE49-F238E27FC236}">
+                <a16:creationId xmlns:a16="http://schemas.microsoft.com/office/drawing/2014/main" id="{E75B7B31-249D-6E26-979C-12BE989F73A4}"/>
+              </a:ext>
+            </a:extLst>
+          </p:cNvPr>
           <p:cNvSpPr>
             <a:spLocks noGrp="1" noRot="1" noChangeAspect="1"/>
           </p:cNvSpPr>
@@ -1886,9 +2770,1125 @@
               </a:path>
             </a:pathLst>
           </a:custGeom>
+          <a:noFill/>
+          <a:ln w="12700" cap="flat" cmpd="sng">
+            <a:solidFill>
+              <a:srgbClr val="000000"/>
+            </a:solidFill>
+            <a:prstDash val="solid"/>
+            <a:round/>
+            <a:headEnd type="none" w="sm" len="sm"/>
+            <a:tailEnd type="none" w="sm" len="sm"/>
+          </a:ln>
         </p:spPr>
       </p:sp>
+      <p:sp>
+        <p:nvSpPr>
+          <p:cNvPr id="179978195" name="Google Shape;65;p3:notes">
+            <a:extLst>
+              <a:ext uri="{FF2B5EF4-FFF2-40B4-BE49-F238E27FC236}">
+                <a16:creationId xmlns:a16="http://schemas.microsoft.com/office/drawing/2014/main" id="{710BE9F9-5734-3174-BFDC-D2ED9D5425F8}"/>
+              </a:ext>
+            </a:extLst>
+          </p:cNvPr>
+          <p:cNvSpPr txBox="1">
+            <a:spLocks noGrp="1"/>
+          </p:cNvSpPr>
+          <p:nvPr>
+            <p:ph type="body" idx="1"/>
+          </p:nvPr>
+        </p:nvSpPr>
+        <p:spPr bwMode="auto">
+          <a:xfrm>
+            <a:off x="685800" y="4400550"/>
+            <a:ext cx="5486400" cy="3600450"/>
+          </a:xfrm>
+          <a:prstGeom prst="rect">
+            <a:avLst/>
+          </a:prstGeom>
+          <a:noFill/>
+          <a:ln>
+            <a:noFill/>
+          </a:ln>
+        </p:spPr>
+        <p:txBody>
+          <a:bodyPr spcFirstLastPara="1" wrap="square" lIns="91424" tIns="45699" rIns="91424" bIns="45699" anchor="t" anchorCtr="0">
+            <a:noAutofit/>
+          </a:bodyPr>
+          <a:lstStyle/>
+          <a:p>
+            <a:pPr marL="0" lvl="0" indent="0" algn="l">
+              <a:spcBef>
+                <a:spcPts val="0"/>
+              </a:spcBef>
+              <a:spcAft>
+                <a:spcPts val="0"/>
+              </a:spcAft>
+              <a:buNone/>
+              <a:defRPr/>
+            </a:pPr>
+            <a:r>
+              <a:rPr lang="en-US"/>
+              <a:t>Note:</a:t>
+            </a:r>
+            <a:endParaRPr/>
+          </a:p>
+        </p:txBody>
+      </p:sp>
+      <p:sp>
+        <p:nvSpPr>
+          <p:cNvPr id="614285879" name="Google Shape;66;p3:notes">
+            <a:extLst>
+              <a:ext uri="{FF2B5EF4-FFF2-40B4-BE49-F238E27FC236}">
+                <a16:creationId xmlns:a16="http://schemas.microsoft.com/office/drawing/2014/main" id="{77CEC2F9-20EA-F4AA-DE89-74054D17F4F5}"/>
+              </a:ext>
+            </a:extLst>
+          </p:cNvPr>
+          <p:cNvSpPr txBox="1">
+            <a:spLocks noGrp="1"/>
+          </p:cNvSpPr>
+          <p:nvPr>
+            <p:ph type="sldNum" idx="12"/>
+          </p:nvPr>
+        </p:nvSpPr>
+        <p:spPr bwMode="auto">
+          <a:xfrm>
+            <a:off x="3884612" y="8685212"/>
+            <a:ext cx="2971800" cy="458786"/>
+          </a:xfrm>
+          <a:prstGeom prst="rect">
+            <a:avLst/>
+          </a:prstGeom>
+          <a:noFill/>
+          <a:ln>
+            <a:noFill/>
+          </a:ln>
+        </p:spPr>
+        <p:txBody>
+          <a:bodyPr spcFirstLastPara="1" wrap="square" lIns="91424" tIns="45699" rIns="91424" bIns="45699" anchor="b" anchorCtr="0">
+            <a:noAutofit/>
+          </a:bodyPr>
+          <a:lstStyle/>
+          <a:p>
+            <a:pPr marL="0" lvl="0" indent="0" algn="r">
+              <a:spcBef>
+                <a:spcPts val="0"/>
+              </a:spcBef>
+              <a:spcAft>
+                <a:spcPts val="0"/>
+              </a:spcAft>
+              <a:buNone/>
+              <a:defRPr/>
+            </a:pPr>
+            <a:fld id="{5EC285DA-E2A8-1B19-48CD-189C456D7936}" type="slidenum">
+              <a:rPr lang="en-US"/>
+              <a:t>4</a:t>
+            </a:fld>
+            <a:endParaRPr/>
+          </a:p>
+        </p:txBody>
+      </p:sp>
     </p:spTree>
+    <p:extLst>
+      <p:ext uri="{BB962C8B-B14F-4D97-AF65-F5344CB8AC3E}">
+        <p14:creationId xmlns:p14="http://schemas.microsoft.com/office/powerpoint/2010/main" val="4025885576"/>
+      </p:ext>
+    </p:extLst>
+  </p:cSld>
+  <p:clrMapOvr>
+    <a:masterClrMapping/>
+  </p:clrMapOvr>
+</p:notes>
+</file>
+
+<file path=ppt/notesSlides/notesSlide5.xml><?xml version="1.0" encoding="utf-8"?>
+<p:notes xmlns:a="http://schemas.openxmlformats.org/drawingml/2006/main" xmlns:r="http://schemas.openxmlformats.org/officeDocument/2006/relationships" xmlns:p="http://schemas.openxmlformats.org/presentationml/2006/main" showMasterSp="0" showMasterPhAnim="0">
+  <p:cSld>
+    <p:spTree>
+      <p:nvGrpSpPr>
+        <p:cNvPr id="1" name="">
+          <a:extLst>
+            <a:ext uri="{FF2B5EF4-FFF2-40B4-BE49-F238E27FC236}">
+              <a16:creationId xmlns:a16="http://schemas.microsoft.com/office/drawing/2014/main" id="{E4A6F314-E799-D0FA-C8F6-90018D25009E}"/>
+            </a:ext>
+          </a:extLst>
+        </p:cNvPr>
+        <p:cNvGrpSpPr/>
+        <p:nvPr/>
+      </p:nvGrpSpPr>
+      <p:grpSpPr bwMode="auto">
+        <a:xfrm>
+          <a:off x="0" y="0"/>
+          <a:ext cx="0" cy="0"/>
+          <a:chOff x="0" y="0"/>
+          <a:chExt cx="0" cy="0"/>
+        </a:xfrm>
+      </p:grpSpPr>
+      <p:sp>
+        <p:nvSpPr>
+          <p:cNvPr id="547893981" name="Google Shape;64;p3:notes">
+            <a:extLst>
+              <a:ext uri="{FF2B5EF4-FFF2-40B4-BE49-F238E27FC236}">
+                <a16:creationId xmlns:a16="http://schemas.microsoft.com/office/drawing/2014/main" id="{2112D330-8F02-37C9-73D3-FD1A39E1A271}"/>
+              </a:ext>
+            </a:extLst>
+          </p:cNvPr>
+          <p:cNvSpPr>
+            <a:spLocks noGrp="1" noRot="1" noChangeAspect="1"/>
+          </p:cNvSpPr>
+          <p:nvPr>
+            <p:ph type="sldImg" idx="2"/>
+          </p:nvPr>
+        </p:nvSpPr>
+        <p:spPr bwMode="auto">
+          <a:xfrm>
+            <a:off x="1200150" y="1143000"/>
+            <a:ext cx="4457700" cy="3086100"/>
+          </a:xfrm>
+          <a:custGeom>
+            <a:avLst/>
+            <a:gdLst/>
+            <a:ahLst/>
+            <a:cxnLst/>
+            <a:rect l="l" t="t" r="r" b="b"/>
+            <a:pathLst>
+              <a:path w="120000" h="120000" extrusionOk="0">
+                <a:moveTo>
+                  <a:pt x="0" y="0"/>
+                </a:moveTo>
+                <a:lnTo>
+                  <a:pt x="120000" y="0"/>
+                </a:lnTo>
+                <a:lnTo>
+                  <a:pt x="120000" y="120000"/>
+                </a:lnTo>
+                <a:lnTo>
+                  <a:pt x="0" y="120000"/>
+                </a:lnTo>
+                <a:close/>
+              </a:path>
+            </a:pathLst>
+          </a:custGeom>
+          <a:noFill/>
+          <a:ln w="12700" cap="flat" cmpd="sng">
+            <a:solidFill>
+              <a:srgbClr val="000000"/>
+            </a:solidFill>
+            <a:prstDash val="solid"/>
+            <a:round/>
+            <a:headEnd type="none" w="sm" len="sm"/>
+            <a:tailEnd type="none" w="sm" len="sm"/>
+          </a:ln>
+        </p:spPr>
+      </p:sp>
+      <p:sp>
+        <p:nvSpPr>
+          <p:cNvPr id="179978195" name="Google Shape;65;p3:notes">
+            <a:extLst>
+              <a:ext uri="{FF2B5EF4-FFF2-40B4-BE49-F238E27FC236}">
+                <a16:creationId xmlns:a16="http://schemas.microsoft.com/office/drawing/2014/main" id="{5138E2D7-3D11-DE31-B35C-5C011919F56E}"/>
+              </a:ext>
+            </a:extLst>
+          </p:cNvPr>
+          <p:cNvSpPr txBox="1">
+            <a:spLocks noGrp="1"/>
+          </p:cNvSpPr>
+          <p:nvPr>
+            <p:ph type="body" idx="1"/>
+          </p:nvPr>
+        </p:nvSpPr>
+        <p:spPr bwMode="auto">
+          <a:xfrm>
+            <a:off x="685800" y="4400550"/>
+            <a:ext cx="5486400" cy="3600450"/>
+          </a:xfrm>
+          <a:prstGeom prst="rect">
+            <a:avLst/>
+          </a:prstGeom>
+          <a:noFill/>
+          <a:ln>
+            <a:noFill/>
+          </a:ln>
+        </p:spPr>
+        <p:txBody>
+          <a:bodyPr spcFirstLastPara="1" wrap="square" lIns="91424" tIns="45699" rIns="91424" bIns="45699" anchor="t" anchorCtr="0">
+            <a:noAutofit/>
+          </a:bodyPr>
+          <a:lstStyle/>
+          <a:p>
+            <a:pPr marL="0" lvl="0" indent="0" algn="l">
+              <a:spcBef>
+                <a:spcPts val="0"/>
+              </a:spcBef>
+              <a:spcAft>
+                <a:spcPts val="0"/>
+              </a:spcAft>
+              <a:buNone/>
+              <a:defRPr/>
+            </a:pPr>
+            <a:r>
+              <a:rPr lang="en-US"/>
+              <a:t>Note:</a:t>
+            </a:r>
+            <a:endParaRPr/>
+          </a:p>
+        </p:txBody>
+      </p:sp>
+      <p:sp>
+        <p:nvSpPr>
+          <p:cNvPr id="614285879" name="Google Shape;66;p3:notes">
+            <a:extLst>
+              <a:ext uri="{FF2B5EF4-FFF2-40B4-BE49-F238E27FC236}">
+                <a16:creationId xmlns:a16="http://schemas.microsoft.com/office/drawing/2014/main" id="{268306C9-49F6-E799-301F-F55E800CB1F4}"/>
+              </a:ext>
+            </a:extLst>
+          </p:cNvPr>
+          <p:cNvSpPr txBox="1">
+            <a:spLocks noGrp="1"/>
+          </p:cNvSpPr>
+          <p:nvPr>
+            <p:ph type="sldNum" idx="12"/>
+          </p:nvPr>
+        </p:nvSpPr>
+        <p:spPr bwMode="auto">
+          <a:xfrm>
+            <a:off x="3884612" y="8685212"/>
+            <a:ext cx="2971800" cy="458786"/>
+          </a:xfrm>
+          <a:prstGeom prst="rect">
+            <a:avLst/>
+          </a:prstGeom>
+          <a:noFill/>
+          <a:ln>
+            <a:noFill/>
+          </a:ln>
+        </p:spPr>
+        <p:txBody>
+          <a:bodyPr spcFirstLastPara="1" wrap="square" lIns="91424" tIns="45699" rIns="91424" bIns="45699" anchor="b" anchorCtr="0">
+            <a:noAutofit/>
+          </a:bodyPr>
+          <a:lstStyle/>
+          <a:p>
+            <a:pPr marL="0" lvl="0" indent="0" algn="r">
+              <a:spcBef>
+                <a:spcPts val="0"/>
+              </a:spcBef>
+              <a:spcAft>
+                <a:spcPts val="0"/>
+              </a:spcAft>
+              <a:buNone/>
+              <a:defRPr/>
+            </a:pPr>
+            <a:fld id="{5EC285DA-E2A8-1B19-48CD-189C456D7936}" type="slidenum">
+              <a:rPr lang="en-US"/>
+              <a:t>5</a:t>
+            </a:fld>
+            <a:endParaRPr/>
+          </a:p>
+        </p:txBody>
+      </p:sp>
+    </p:spTree>
+    <p:extLst>
+      <p:ext uri="{BB962C8B-B14F-4D97-AF65-F5344CB8AC3E}">
+        <p14:creationId xmlns:p14="http://schemas.microsoft.com/office/powerpoint/2010/main" val="678930488"/>
+      </p:ext>
+    </p:extLst>
+  </p:cSld>
+  <p:clrMapOvr>
+    <a:masterClrMapping/>
+  </p:clrMapOvr>
+</p:notes>
+</file>
+
+<file path=ppt/notesSlides/notesSlide6.xml><?xml version="1.0" encoding="utf-8"?>
+<p:notes xmlns:a="http://schemas.openxmlformats.org/drawingml/2006/main" xmlns:r="http://schemas.openxmlformats.org/officeDocument/2006/relationships" xmlns:p="http://schemas.openxmlformats.org/presentationml/2006/main" showMasterSp="0" showMasterPhAnim="0">
+  <p:cSld>
+    <p:spTree>
+      <p:nvGrpSpPr>
+        <p:cNvPr id="1" name="">
+          <a:extLst>
+            <a:ext uri="{FF2B5EF4-FFF2-40B4-BE49-F238E27FC236}">
+              <a16:creationId xmlns:a16="http://schemas.microsoft.com/office/drawing/2014/main" id="{CF63CCB1-5B22-FA85-8530-18094B158410}"/>
+            </a:ext>
+          </a:extLst>
+        </p:cNvPr>
+        <p:cNvGrpSpPr/>
+        <p:nvPr/>
+      </p:nvGrpSpPr>
+      <p:grpSpPr bwMode="auto">
+        <a:xfrm>
+          <a:off x="0" y="0"/>
+          <a:ext cx="0" cy="0"/>
+          <a:chOff x="0" y="0"/>
+          <a:chExt cx="0" cy="0"/>
+        </a:xfrm>
+      </p:grpSpPr>
+      <p:sp>
+        <p:nvSpPr>
+          <p:cNvPr id="547893981" name="Google Shape;64;p3:notes">
+            <a:extLst>
+              <a:ext uri="{FF2B5EF4-FFF2-40B4-BE49-F238E27FC236}">
+                <a16:creationId xmlns:a16="http://schemas.microsoft.com/office/drawing/2014/main" id="{1ACA594D-C71E-03D2-B5EB-320C99FDB16B}"/>
+              </a:ext>
+            </a:extLst>
+          </p:cNvPr>
+          <p:cNvSpPr>
+            <a:spLocks noGrp="1" noRot="1" noChangeAspect="1"/>
+          </p:cNvSpPr>
+          <p:nvPr>
+            <p:ph type="sldImg" idx="2"/>
+          </p:nvPr>
+        </p:nvSpPr>
+        <p:spPr bwMode="auto">
+          <a:xfrm>
+            <a:off x="1200150" y="1143000"/>
+            <a:ext cx="4457700" cy="3086100"/>
+          </a:xfrm>
+          <a:custGeom>
+            <a:avLst/>
+            <a:gdLst/>
+            <a:ahLst/>
+            <a:cxnLst/>
+            <a:rect l="l" t="t" r="r" b="b"/>
+            <a:pathLst>
+              <a:path w="120000" h="120000" extrusionOk="0">
+                <a:moveTo>
+                  <a:pt x="0" y="0"/>
+                </a:moveTo>
+                <a:lnTo>
+                  <a:pt x="120000" y="0"/>
+                </a:lnTo>
+                <a:lnTo>
+                  <a:pt x="120000" y="120000"/>
+                </a:lnTo>
+                <a:lnTo>
+                  <a:pt x="0" y="120000"/>
+                </a:lnTo>
+                <a:close/>
+              </a:path>
+            </a:pathLst>
+          </a:custGeom>
+          <a:noFill/>
+          <a:ln w="12700" cap="flat" cmpd="sng">
+            <a:solidFill>
+              <a:srgbClr val="000000"/>
+            </a:solidFill>
+            <a:prstDash val="solid"/>
+            <a:round/>
+            <a:headEnd type="none" w="sm" len="sm"/>
+            <a:tailEnd type="none" w="sm" len="sm"/>
+          </a:ln>
+        </p:spPr>
+      </p:sp>
+      <p:sp>
+        <p:nvSpPr>
+          <p:cNvPr id="179978195" name="Google Shape;65;p3:notes">
+            <a:extLst>
+              <a:ext uri="{FF2B5EF4-FFF2-40B4-BE49-F238E27FC236}">
+                <a16:creationId xmlns:a16="http://schemas.microsoft.com/office/drawing/2014/main" id="{B2DD234A-39D2-92A4-D8AA-27D17603EFD5}"/>
+              </a:ext>
+            </a:extLst>
+          </p:cNvPr>
+          <p:cNvSpPr txBox="1">
+            <a:spLocks noGrp="1"/>
+          </p:cNvSpPr>
+          <p:nvPr>
+            <p:ph type="body" idx="1"/>
+          </p:nvPr>
+        </p:nvSpPr>
+        <p:spPr bwMode="auto">
+          <a:xfrm>
+            <a:off x="685800" y="4400550"/>
+            <a:ext cx="5486400" cy="3600450"/>
+          </a:xfrm>
+          <a:prstGeom prst="rect">
+            <a:avLst/>
+          </a:prstGeom>
+          <a:noFill/>
+          <a:ln>
+            <a:noFill/>
+          </a:ln>
+        </p:spPr>
+        <p:txBody>
+          <a:bodyPr spcFirstLastPara="1" wrap="square" lIns="91424" tIns="45699" rIns="91424" bIns="45699" anchor="t" anchorCtr="0">
+            <a:noAutofit/>
+          </a:bodyPr>
+          <a:lstStyle/>
+          <a:p>
+            <a:pPr marL="0" lvl="0" indent="0" algn="l">
+              <a:spcBef>
+                <a:spcPts val="0"/>
+              </a:spcBef>
+              <a:spcAft>
+                <a:spcPts val="0"/>
+              </a:spcAft>
+              <a:buNone/>
+              <a:defRPr/>
+            </a:pPr>
+            <a:r>
+              <a:rPr lang="en-US"/>
+              <a:t>Note:</a:t>
+            </a:r>
+            <a:endParaRPr/>
+          </a:p>
+        </p:txBody>
+      </p:sp>
+      <p:sp>
+        <p:nvSpPr>
+          <p:cNvPr id="614285879" name="Google Shape;66;p3:notes">
+            <a:extLst>
+              <a:ext uri="{FF2B5EF4-FFF2-40B4-BE49-F238E27FC236}">
+                <a16:creationId xmlns:a16="http://schemas.microsoft.com/office/drawing/2014/main" id="{EFD3F96D-EFDA-6C1A-1B23-B4C5E77CB414}"/>
+              </a:ext>
+            </a:extLst>
+          </p:cNvPr>
+          <p:cNvSpPr txBox="1">
+            <a:spLocks noGrp="1"/>
+          </p:cNvSpPr>
+          <p:nvPr>
+            <p:ph type="sldNum" idx="12"/>
+          </p:nvPr>
+        </p:nvSpPr>
+        <p:spPr bwMode="auto">
+          <a:xfrm>
+            <a:off x="3884612" y="8685212"/>
+            <a:ext cx="2971800" cy="458786"/>
+          </a:xfrm>
+          <a:prstGeom prst="rect">
+            <a:avLst/>
+          </a:prstGeom>
+          <a:noFill/>
+          <a:ln>
+            <a:noFill/>
+          </a:ln>
+        </p:spPr>
+        <p:txBody>
+          <a:bodyPr spcFirstLastPara="1" wrap="square" lIns="91424" tIns="45699" rIns="91424" bIns="45699" anchor="b" anchorCtr="0">
+            <a:noAutofit/>
+          </a:bodyPr>
+          <a:lstStyle/>
+          <a:p>
+            <a:pPr marL="0" lvl="0" indent="0" algn="r">
+              <a:spcBef>
+                <a:spcPts val="0"/>
+              </a:spcBef>
+              <a:spcAft>
+                <a:spcPts val="0"/>
+              </a:spcAft>
+              <a:buNone/>
+              <a:defRPr/>
+            </a:pPr>
+            <a:fld id="{5EC285DA-E2A8-1B19-48CD-189C456D7936}" type="slidenum">
+              <a:rPr lang="en-US"/>
+              <a:t>6</a:t>
+            </a:fld>
+            <a:endParaRPr/>
+          </a:p>
+        </p:txBody>
+      </p:sp>
+    </p:spTree>
+    <p:extLst>
+      <p:ext uri="{BB962C8B-B14F-4D97-AF65-F5344CB8AC3E}">
+        <p14:creationId xmlns:p14="http://schemas.microsoft.com/office/powerpoint/2010/main" val="1601324012"/>
+      </p:ext>
+    </p:extLst>
+  </p:cSld>
+  <p:clrMapOvr>
+    <a:masterClrMapping/>
+  </p:clrMapOvr>
+</p:notes>
+</file>
+
+<file path=ppt/notesSlides/notesSlide7.xml><?xml version="1.0" encoding="utf-8"?>
+<p:notes xmlns:a="http://schemas.openxmlformats.org/drawingml/2006/main" xmlns:r="http://schemas.openxmlformats.org/officeDocument/2006/relationships" xmlns:p="http://schemas.openxmlformats.org/presentationml/2006/main" showMasterSp="0" showMasterPhAnim="0">
+  <p:cSld>
+    <p:spTree>
+      <p:nvGrpSpPr>
+        <p:cNvPr id="1" name="">
+          <a:extLst>
+            <a:ext uri="{FF2B5EF4-FFF2-40B4-BE49-F238E27FC236}">
+              <a16:creationId xmlns:a16="http://schemas.microsoft.com/office/drawing/2014/main" id="{CECC8A67-0A3A-AB89-917A-4855FAB61FEB}"/>
+            </a:ext>
+          </a:extLst>
+        </p:cNvPr>
+        <p:cNvGrpSpPr/>
+        <p:nvPr/>
+      </p:nvGrpSpPr>
+      <p:grpSpPr bwMode="auto">
+        <a:xfrm>
+          <a:off x="0" y="0"/>
+          <a:ext cx="0" cy="0"/>
+          <a:chOff x="0" y="0"/>
+          <a:chExt cx="0" cy="0"/>
+        </a:xfrm>
+      </p:grpSpPr>
+      <p:sp>
+        <p:nvSpPr>
+          <p:cNvPr id="547893981" name="Google Shape;64;p3:notes">
+            <a:extLst>
+              <a:ext uri="{FF2B5EF4-FFF2-40B4-BE49-F238E27FC236}">
+                <a16:creationId xmlns:a16="http://schemas.microsoft.com/office/drawing/2014/main" id="{BA6D0647-0CB4-6B0F-68D4-80B5B7D88D38}"/>
+              </a:ext>
+            </a:extLst>
+          </p:cNvPr>
+          <p:cNvSpPr>
+            <a:spLocks noGrp="1" noRot="1" noChangeAspect="1"/>
+          </p:cNvSpPr>
+          <p:nvPr>
+            <p:ph type="sldImg" idx="2"/>
+          </p:nvPr>
+        </p:nvSpPr>
+        <p:spPr bwMode="auto">
+          <a:xfrm>
+            <a:off x="1200150" y="1143000"/>
+            <a:ext cx="4457700" cy="3086100"/>
+          </a:xfrm>
+          <a:custGeom>
+            <a:avLst/>
+            <a:gdLst/>
+            <a:ahLst/>
+            <a:cxnLst/>
+            <a:rect l="l" t="t" r="r" b="b"/>
+            <a:pathLst>
+              <a:path w="120000" h="120000" extrusionOk="0">
+                <a:moveTo>
+                  <a:pt x="0" y="0"/>
+                </a:moveTo>
+                <a:lnTo>
+                  <a:pt x="120000" y="0"/>
+                </a:lnTo>
+                <a:lnTo>
+                  <a:pt x="120000" y="120000"/>
+                </a:lnTo>
+                <a:lnTo>
+                  <a:pt x="0" y="120000"/>
+                </a:lnTo>
+                <a:close/>
+              </a:path>
+            </a:pathLst>
+          </a:custGeom>
+          <a:noFill/>
+          <a:ln w="12700" cap="flat" cmpd="sng">
+            <a:solidFill>
+              <a:srgbClr val="000000"/>
+            </a:solidFill>
+            <a:prstDash val="solid"/>
+            <a:round/>
+            <a:headEnd type="none" w="sm" len="sm"/>
+            <a:tailEnd type="none" w="sm" len="sm"/>
+          </a:ln>
+        </p:spPr>
+      </p:sp>
+      <p:sp>
+        <p:nvSpPr>
+          <p:cNvPr id="179978195" name="Google Shape;65;p3:notes">
+            <a:extLst>
+              <a:ext uri="{FF2B5EF4-FFF2-40B4-BE49-F238E27FC236}">
+                <a16:creationId xmlns:a16="http://schemas.microsoft.com/office/drawing/2014/main" id="{B62315D2-3819-B638-5E90-F581BB01941A}"/>
+              </a:ext>
+            </a:extLst>
+          </p:cNvPr>
+          <p:cNvSpPr txBox="1">
+            <a:spLocks noGrp="1"/>
+          </p:cNvSpPr>
+          <p:nvPr>
+            <p:ph type="body" idx="1"/>
+          </p:nvPr>
+        </p:nvSpPr>
+        <p:spPr bwMode="auto">
+          <a:xfrm>
+            <a:off x="685800" y="4400550"/>
+            <a:ext cx="5486400" cy="3600450"/>
+          </a:xfrm>
+          <a:prstGeom prst="rect">
+            <a:avLst/>
+          </a:prstGeom>
+          <a:noFill/>
+          <a:ln>
+            <a:noFill/>
+          </a:ln>
+        </p:spPr>
+        <p:txBody>
+          <a:bodyPr spcFirstLastPara="1" wrap="square" lIns="91424" tIns="45699" rIns="91424" bIns="45699" anchor="t" anchorCtr="0">
+            <a:noAutofit/>
+          </a:bodyPr>
+          <a:lstStyle/>
+          <a:p>
+            <a:pPr marL="0" lvl="0" indent="0" algn="l">
+              <a:spcBef>
+                <a:spcPts val="0"/>
+              </a:spcBef>
+              <a:spcAft>
+                <a:spcPts val="0"/>
+              </a:spcAft>
+              <a:buNone/>
+              <a:defRPr/>
+            </a:pPr>
+            <a:r>
+              <a:rPr lang="en-US"/>
+              <a:t>Note:</a:t>
+            </a:r>
+            <a:endParaRPr/>
+          </a:p>
+        </p:txBody>
+      </p:sp>
+      <p:sp>
+        <p:nvSpPr>
+          <p:cNvPr id="614285879" name="Google Shape;66;p3:notes">
+            <a:extLst>
+              <a:ext uri="{FF2B5EF4-FFF2-40B4-BE49-F238E27FC236}">
+                <a16:creationId xmlns:a16="http://schemas.microsoft.com/office/drawing/2014/main" id="{1B808109-07E6-AA70-4D8A-D2C884B419BF}"/>
+              </a:ext>
+            </a:extLst>
+          </p:cNvPr>
+          <p:cNvSpPr txBox="1">
+            <a:spLocks noGrp="1"/>
+          </p:cNvSpPr>
+          <p:nvPr>
+            <p:ph type="sldNum" idx="12"/>
+          </p:nvPr>
+        </p:nvSpPr>
+        <p:spPr bwMode="auto">
+          <a:xfrm>
+            <a:off x="3884612" y="8685212"/>
+            <a:ext cx="2971800" cy="458786"/>
+          </a:xfrm>
+          <a:prstGeom prst="rect">
+            <a:avLst/>
+          </a:prstGeom>
+          <a:noFill/>
+          <a:ln>
+            <a:noFill/>
+          </a:ln>
+        </p:spPr>
+        <p:txBody>
+          <a:bodyPr spcFirstLastPara="1" wrap="square" lIns="91424" tIns="45699" rIns="91424" bIns="45699" anchor="b" anchorCtr="0">
+            <a:noAutofit/>
+          </a:bodyPr>
+          <a:lstStyle/>
+          <a:p>
+            <a:pPr marL="0" lvl="0" indent="0" algn="r">
+              <a:spcBef>
+                <a:spcPts val="0"/>
+              </a:spcBef>
+              <a:spcAft>
+                <a:spcPts val="0"/>
+              </a:spcAft>
+              <a:buNone/>
+              <a:defRPr/>
+            </a:pPr>
+            <a:fld id="{5EC285DA-E2A8-1B19-48CD-189C456D7936}" type="slidenum">
+              <a:rPr lang="en-US"/>
+              <a:t>7</a:t>
+            </a:fld>
+            <a:endParaRPr/>
+          </a:p>
+        </p:txBody>
+      </p:sp>
+    </p:spTree>
+    <p:extLst>
+      <p:ext uri="{BB962C8B-B14F-4D97-AF65-F5344CB8AC3E}">
+        <p14:creationId xmlns:p14="http://schemas.microsoft.com/office/powerpoint/2010/main" val="1194689987"/>
+      </p:ext>
+    </p:extLst>
+  </p:cSld>
+  <p:clrMapOvr>
+    <a:masterClrMapping/>
+  </p:clrMapOvr>
+</p:notes>
+</file>
+
+<file path=ppt/notesSlides/notesSlide8.xml><?xml version="1.0" encoding="utf-8"?>
+<p:notes xmlns:a="http://schemas.openxmlformats.org/drawingml/2006/main" xmlns:r="http://schemas.openxmlformats.org/officeDocument/2006/relationships" xmlns:p="http://schemas.openxmlformats.org/presentationml/2006/main" showMasterSp="0" showMasterPhAnim="0">
+  <p:cSld>
+    <p:spTree>
+      <p:nvGrpSpPr>
+        <p:cNvPr id="1" name="">
+          <a:extLst>
+            <a:ext uri="{FF2B5EF4-FFF2-40B4-BE49-F238E27FC236}">
+              <a16:creationId xmlns:a16="http://schemas.microsoft.com/office/drawing/2014/main" id="{EC6C0CA7-E340-AD01-FBA4-9FE95C55CC80}"/>
+            </a:ext>
+          </a:extLst>
+        </p:cNvPr>
+        <p:cNvGrpSpPr/>
+        <p:nvPr/>
+      </p:nvGrpSpPr>
+      <p:grpSpPr bwMode="auto">
+        <a:xfrm>
+          <a:off x="0" y="0"/>
+          <a:ext cx="0" cy="0"/>
+          <a:chOff x="0" y="0"/>
+          <a:chExt cx="0" cy="0"/>
+        </a:xfrm>
+      </p:grpSpPr>
+      <p:sp>
+        <p:nvSpPr>
+          <p:cNvPr id="547893981" name="Google Shape;64;p3:notes">
+            <a:extLst>
+              <a:ext uri="{FF2B5EF4-FFF2-40B4-BE49-F238E27FC236}">
+                <a16:creationId xmlns:a16="http://schemas.microsoft.com/office/drawing/2014/main" id="{00753B81-90A6-D4DD-397E-6A6AA1A788A7}"/>
+              </a:ext>
+            </a:extLst>
+          </p:cNvPr>
+          <p:cNvSpPr>
+            <a:spLocks noGrp="1" noRot="1" noChangeAspect="1"/>
+          </p:cNvSpPr>
+          <p:nvPr>
+            <p:ph type="sldImg" idx="2"/>
+          </p:nvPr>
+        </p:nvSpPr>
+        <p:spPr bwMode="auto">
+          <a:xfrm>
+            <a:off x="1200150" y="1143000"/>
+            <a:ext cx="4457700" cy="3086100"/>
+          </a:xfrm>
+          <a:custGeom>
+            <a:avLst/>
+            <a:gdLst/>
+            <a:ahLst/>
+            <a:cxnLst/>
+            <a:rect l="l" t="t" r="r" b="b"/>
+            <a:pathLst>
+              <a:path w="120000" h="120000" extrusionOk="0">
+                <a:moveTo>
+                  <a:pt x="0" y="0"/>
+                </a:moveTo>
+                <a:lnTo>
+                  <a:pt x="120000" y="0"/>
+                </a:lnTo>
+                <a:lnTo>
+                  <a:pt x="120000" y="120000"/>
+                </a:lnTo>
+                <a:lnTo>
+                  <a:pt x="0" y="120000"/>
+                </a:lnTo>
+                <a:close/>
+              </a:path>
+            </a:pathLst>
+          </a:custGeom>
+          <a:noFill/>
+          <a:ln w="12700" cap="flat" cmpd="sng">
+            <a:solidFill>
+              <a:srgbClr val="000000"/>
+            </a:solidFill>
+            <a:prstDash val="solid"/>
+            <a:round/>
+            <a:headEnd type="none" w="sm" len="sm"/>
+            <a:tailEnd type="none" w="sm" len="sm"/>
+          </a:ln>
+        </p:spPr>
+      </p:sp>
+      <p:sp>
+        <p:nvSpPr>
+          <p:cNvPr id="179978195" name="Google Shape;65;p3:notes">
+            <a:extLst>
+              <a:ext uri="{FF2B5EF4-FFF2-40B4-BE49-F238E27FC236}">
+                <a16:creationId xmlns:a16="http://schemas.microsoft.com/office/drawing/2014/main" id="{AB5AC405-C0AE-89BB-1D6E-4C1F93AB4382}"/>
+              </a:ext>
+            </a:extLst>
+          </p:cNvPr>
+          <p:cNvSpPr txBox="1">
+            <a:spLocks noGrp="1"/>
+          </p:cNvSpPr>
+          <p:nvPr>
+            <p:ph type="body" idx="1"/>
+          </p:nvPr>
+        </p:nvSpPr>
+        <p:spPr bwMode="auto">
+          <a:xfrm>
+            <a:off x="685800" y="4400550"/>
+            <a:ext cx="5486400" cy="3600450"/>
+          </a:xfrm>
+          <a:prstGeom prst="rect">
+            <a:avLst/>
+          </a:prstGeom>
+          <a:noFill/>
+          <a:ln>
+            <a:noFill/>
+          </a:ln>
+        </p:spPr>
+        <p:txBody>
+          <a:bodyPr spcFirstLastPara="1" wrap="square" lIns="91424" tIns="45699" rIns="91424" bIns="45699" anchor="t" anchorCtr="0">
+            <a:noAutofit/>
+          </a:bodyPr>
+          <a:lstStyle/>
+          <a:p>
+            <a:pPr marL="0" lvl="0" indent="0" algn="l">
+              <a:spcBef>
+                <a:spcPts val="0"/>
+              </a:spcBef>
+              <a:spcAft>
+                <a:spcPts val="0"/>
+              </a:spcAft>
+              <a:buNone/>
+              <a:defRPr/>
+            </a:pPr>
+            <a:r>
+              <a:rPr lang="en-US"/>
+              <a:t>Note:</a:t>
+            </a:r>
+            <a:endParaRPr/>
+          </a:p>
+        </p:txBody>
+      </p:sp>
+      <p:sp>
+        <p:nvSpPr>
+          <p:cNvPr id="614285879" name="Google Shape;66;p3:notes">
+            <a:extLst>
+              <a:ext uri="{FF2B5EF4-FFF2-40B4-BE49-F238E27FC236}">
+                <a16:creationId xmlns:a16="http://schemas.microsoft.com/office/drawing/2014/main" id="{E175E015-0001-B592-F4A5-1F71ED87D02B}"/>
+              </a:ext>
+            </a:extLst>
+          </p:cNvPr>
+          <p:cNvSpPr txBox="1">
+            <a:spLocks noGrp="1"/>
+          </p:cNvSpPr>
+          <p:nvPr>
+            <p:ph type="sldNum" idx="12"/>
+          </p:nvPr>
+        </p:nvSpPr>
+        <p:spPr bwMode="auto">
+          <a:xfrm>
+            <a:off x="3884612" y="8685212"/>
+            <a:ext cx="2971800" cy="458786"/>
+          </a:xfrm>
+          <a:prstGeom prst="rect">
+            <a:avLst/>
+          </a:prstGeom>
+          <a:noFill/>
+          <a:ln>
+            <a:noFill/>
+          </a:ln>
+        </p:spPr>
+        <p:txBody>
+          <a:bodyPr spcFirstLastPara="1" wrap="square" lIns="91424" tIns="45699" rIns="91424" bIns="45699" anchor="b" anchorCtr="0">
+            <a:noAutofit/>
+          </a:bodyPr>
+          <a:lstStyle/>
+          <a:p>
+            <a:pPr marL="0" lvl="0" indent="0" algn="r">
+              <a:spcBef>
+                <a:spcPts val="0"/>
+              </a:spcBef>
+              <a:spcAft>
+                <a:spcPts val="0"/>
+              </a:spcAft>
+              <a:buNone/>
+              <a:defRPr/>
+            </a:pPr>
+            <a:fld id="{5EC285DA-E2A8-1B19-48CD-189C456D7936}" type="slidenum">
+              <a:rPr lang="en-US"/>
+              <a:t>8</a:t>
+            </a:fld>
+            <a:endParaRPr/>
+          </a:p>
+        </p:txBody>
+      </p:sp>
+    </p:spTree>
+    <p:extLst>
+      <p:ext uri="{BB962C8B-B14F-4D97-AF65-F5344CB8AC3E}">
+        <p14:creationId xmlns:p14="http://schemas.microsoft.com/office/powerpoint/2010/main" val="3125515310"/>
+      </p:ext>
+    </p:extLst>
+  </p:cSld>
+  <p:clrMapOvr>
+    <a:masterClrMapping/>
+  </p:clrMapOvr>
+</p:notes>
+</file>
+
+<file path=ppt/notesSlides/notesSlide9.xml><?xml version="1.0" encoding="utf-8"?>
+<p:notes xmlns:a="http://schemas.openxmlformats.org/drawingml/2006/main" xmlns:r="http://schemas.openxmlformats.org/officeDocument/2006/relationships" xmlns:p="http://schemas.openxmlformats.org/presentationml/2006/main" showMasterSp="0" showMasterPhAnim="0">
+  <p:cSld>
+    <p:spTree>
+      <p:nvGrpSpPr>
+        <p:cNvPr id="1" name="">
+          <a:extLst>
+            <a:ext uri="{FF2B5EF4-FFF2-40B4-BE49-F238E27FC236}">
+              <a16:creationId xmlns:a16="http://schemas.microsoft.com/office/drawing/2014/main" id="{4D968D0B-ACEA-EEFC-3B3E-18DB80076E11}"/>
+            </a:ext>
+          </a:extLst>
+        </p:cNvPr>
+        <p:cNvGrpSpPr/>
+        <p:nvPr/>
+      </p:nvGrpSpPr>
+      <p:grpSpPr bwMode="auto">
+        <a:xfrm>
+          <a:off x="0" y="0"/>
+          <a:ext cx="0" cy="0"/>
+          <a:chOff x="0" y="0"/>
+          <a:chExt cx="0" cy="0"/>
+        </a:xfrm>
+      </p:grpSpPr>
+      <p:sp>
+        <p:nvSpPr>
+          <p:cNvPr id="547893981" name="Google Shape;64;p3:notes">
+            <a:extLst>
+              <a:ext uri="{FF2B5EF4-FFF2-40B4-BE49-F238E27FC236}">
+                <a16:creationId xmlns:a16="http://schemas.microsoft.com/office/drawing/2014/main" id="{BCC5EBCD-E5FC-54D4-E6D3-FA47EE15730E}"/>
+              </a:ext>
+            </a:extLst>
+          </p:cNvPr>
+          <p:cNvSpPr>
+            <a:spLocks noGrp="1" noRot="1" noChangeAspect="1"/>
+          </p:cNvSpPr>
+          <p:nvPr>
+            <p:ph type="sldImg" idx="2"/>
+          </p:nvPr>
+        </p:nvSpPr>
+        <p:spPr bwMode="auto">
+          <a:xfrm>
+            <a:off x="1200150" y="1143000"/>
+            <a:ext cx="4457700" cy="3086100"/>
+          </a:xfrm>
+          <a:custGeom>
+            <a:avLst/>
+            <a:gdLst/>
+            <a:ahLst/>
+            <a:cxnLst/>
+            <a:rect l="l" t="t" r="r" b="b"/>
+            <a:pathLst>
+              <a:path w="120000" h="120000" extrusionOk="0">
+                <a:moveTo>
+                  <a:pt x="0" y="0"/>
+                </a:moveTo>
+                <a:lnTo>
+                  <a:pt x="120000" y="0"/>
+                </a:lnTo>
+                <a:lnTo>
+                  <a:pt x="120000" y="120000"/>
+                </a:lnTo>
+                <a:lnTo>
+                  <a:pt x="0" y="120000"/>
+                </a:lnTo>
+                <a:close/>
+              </a:path>
+            </a:pathLst>
+          </a:custGeom>
+          <a:noFill/>
+          <a:ln w="12700" cap="flat" cmpd="sng">
+            <a:solidFill>
+              <a:srgbClr val="000000"/>
+            </a:solidFill>
+            <a:prstDash val="solid"/>
+            <a:round/>
+            <a:headEnd type="none" w="sm" len="sm"/>
+            <a:tailEnd type="none" w="sm" len="sm"/>
+          </a:ln>
+        </p:spPr>
+      </p:sp>
+      <p:sp>
+        <p:nvSpPr>
+          <p:cNvPr id="179978195" name="Google Shape;65;p3:notes">
+            <a:extLst>
+              <a:ext uri="{FF2B5EF4-FFF2-40B4-BE49-F238E27FC236}">
+                <a16:creationId xmlns:a16="http://schemas.microsoft.com/office/drawing/2014/main" id="{BAAB3C59-487B-22A2-C658-41AB20490AA7}"/>
+              </a:ext>
+            </a:extLst>
+          </p:cNvPr>
+          <p:cNvSpPr txBox="1">
+            <a:spLocks noGrp="1"/>
+          </p:cNvSpPr>
+          <p:nvPr>
+            <p:ph type="body" idx="1"/>
+          </p:nvPr>
+        </p:nvSpPr>
+        <p:spPr bwMode="auto">
+          <a:xfrm>
+            <a:off x="685800" y="4400550"/>
+            <a:ext cx="5486400" cy="3600450"/>
+          </a:xfrm>
+          <a:prstGeom prst="rect">
+            <a:avLst/>
+          </a:prstGeom>
+          <a:noFill/>
+          <a:ln>
+            <a:noFill/>
+          </a:ln>
+        </p:spPr>
+        <p:txBody>
+          <a:bodyPr spcFirstLastPara="1" wrap="square" lIns="91424" tIns="45699" rIns="91424" bIns="45699" anchor="t" anchorCtr="0">
+            <a:noAutofit/>
+          </a:bodyPr>
+          <a:lstStyle/>
+          <a:p>
+            <a:pPr marL="0" lvl="0" indent="0" algn="l">
+              <a:spcBef>
+                <a:spcPts val="0"/>
+              </a:spcBef>
+              <a:spcAft>
+                <a:spcPts val="0"/>
+              </a:spcAft>
+              <a:buNone/>
+              <a:defRPr/>
+            </a:pPr>
+            <a:r>
+              <a:rPr lang="en-US"/>
+              <a:t>Note:</a:t>
+            </a:r>
+            <a:endParaRPr/>
+          </a:p>
+        </p:txBody>
+      </p:sp>
+      <p:sp>
+        <p:nvSpPr>
+          <p:cNvPr id="614285879" name="Google Shape;66;p3:notes">
+            <a:extLst>
+              <a:ext uri="{FF2B5EF4-FFF2-40B4-BE49-F238E27FC236}">
+                <a16:creationId xmlns:a16="http://schemas.microsoft.com/office/drawing/2014/main" id="{BC2D9C55-43C9-F276-F63C-51DE8190C799}"/>
+              </a:ext>
+            </a:extLst>
+          </p:cNvPr>
+          <p:cNvSpPr txBox="1">
+            <a:spLocks noGrp="1"/>
+          </p:cNvSpPr>
+          <p:nvPr>
+            <p:ph type="sldNum" idx="12"/>
+          </p:nvPr>
+        </p:nvSpPr>
+        <p:spPr bwMode="auto">
+          <a:xfrm>
+            <a:off x="3884612" y="8685212"/>
+            <a:ext cx="2971800" cy="458786"/>
+          </a:xfrm>
+          <a:prstGeom prst="rect">
+            <a:avLst/>
+          </a:prstGeom>
+          <a:noFill/>
+          <a:ln>
+            <a:noFill/>
+          </a:ln>
+        </p:spPr>
+        <p:txBody>
+          <a:bodyPr spcFirstLastPara="1" wrap="square" lIns="91424" tIns="45699" rIns="91424" bIns="45699" anchor="b" anchorCtr="0">
+            <a:noAutofit/>
+          </a:bodyPr>
+          <a:lstStyle/>
+          <a:p>
+            <a:pPr marL="0" lvl="0" indent="0" algn="r">
+              <a:spcBef>
+                <a:spcPts val="0"/>
+              </a:spcBef>
+              <a:spcAft>
+                <a:spcPts val="0"/>
+              </a:spcAft>
+              <a:buNone/>
+              <a:defRPr/>
+            </a:pPr>
+            <a:fld id="{5EC285DA-E2A8-1B19-48CD-189C456D7936}" type="slidenum">
+              <a:rPr lang="en-US"/>
+              <a:t>9</a:t>
+            </a:fld>
+            <a:endParaRPr/>
+          </a:p>
+        </p:txBody>
+      </p:sp>
+    </p:spTree>
+    <p:extLst>
+      <p:ext uri="{BB962C8B-B14F-4D97-AF65-F5344CB8AC3E}">
+        <p14:creationId xmlns:p14="http://schemas.microsoft.com/office/powerpoint/2010/main" val="163852730"/>
+      </p:ext>
+    </p:extLst>
   </p:cSld>
   <p:clrMapOvr>
     <a:masterClrMapping/>
@@ -7812,6 +9812,1256 @@
 </p:sld>
 </file>
 
+<file path=ppt/slides/slide10.xml><?xml version="1.0" encoding="utf-8"?>
+<p:sld xmlns:a="http://schemas.openxmlformats.org/drawingml/2006/main" xmlns:r="http://schemas.openxmlformats.org/officeDocument/2006/relationships" xmlns:p="http://schemas.openxmlformats.org/presentationml/2006/main" showMasterPhAnim="0">
+  <p:cSld>
+    <p:spTree>
+      <p:nvGrpSpPr>
+        <p:cNvPr id="1" name="">
+          <a:extLst>
+            <a:ext uri="{FF2B5EF4-FFF2-40B4-BE49-F238E27FC236}">
+              <a16:creationId xmlns:a16="http://schemas.microsoft.com/office/drawing/2014/main" id="{C7E6147A-121C-9164-3495-27054FBEE3AB}"/>
+            </a:ext>
+          </a:extLst>
+        </p:cNvPr>
+        <p:cNvGrpSpPr/>
+        <p:nvPr/>
+      </p:nvGrpSpPr>
+      <p:grpSpPr bwMode="auto">
+        <a:xfrm>
+          <a:off x="0" y="0"/>
+          <a:ext cx="0" cy="0"/>
+          <a:chOff x="0" y="0"/>
+          <a:chExt cx="0" cy="0"/>
+        </a:xfrm>
+      </p:grpSpPr>
+      <p:sp>
+        <p:nvSpPr>
+          <p:cNvPr id="418679249" name="Google Shape;68;p3">
+            <a:extLst>
+              <a:ext uri="{FF2B5EF4-FFF2-40B4-BE49-F238E27FC236}">
+                <a16:creationId xmlns:a16="http://schemas.microsoft.com/office/drawing/2014/main" id="{617DAD36-6A40-9BE1-D631-AB1DF8E9863D}"/>
+              </a:ext>
+            </a:extLst>
+          </p:cNvPr>
+          <p:cNvSpPr/>
+          <p:nvPr/>
+        </p:nvSpPr>
+        <p:spPr bwMode="auto">
+          <a:xfrm>
+            <a:off x="528795" y="372007"/>
+            <a:ext cx="4655039" cy="427078"/>
+          </a:xfrm>
+          <a:prstGeom prst="rect">
+            <a:avLst/>
+          </a:prstGeom>
+          <a:noFill/>
+          <a:ln>
+            <a:noFill/>
+          </a:ln>
+        </p:spPr>
+        <p:txBody>
+          <a:bodyPr spcFirstLastPara="1" wrap="square" lIns="0" tIns="0" rIns="0" bIns="0" anchor="t" anchorCtr="0">
+            <a:spAutoFit/>
+          </a:bodyPr>
+          <a:lstStyle/>
+          <a:p>
+            <a:pPr marL="0" marR="0" lvl="0" indent="0" algn="l">
+              <a:spcBef>
+                <a:spcPts val="0"/>
+              </a:spcBef>
+              <a:spcAft>
+                <a:spcPts val="0"/>
+              </a:spcAft>
+              <a:buNone/>
+              <a:defRPr/>
+            </a:pPr>
+            <a:r>
+              <a:rPr lang="en-US" sz="2800" dirty="0" err="1">
+                <a:solidFill>
+                  <a:schemeClr val="bg1"/>
+                </a:solidFill>
+              </a:rPr>
+              <a:t>Demostración</a:t>
+            </a:r>
+            <a:endParaRPr lang="en-US" dirty="0">
+              <a:solidFill>
+                <a:schemeClr val="bg1"/>
+              </a:solidFill>
+            </a:endParaRPr>
+          </a:p>
+        </p:txBody>
+      </p:sp>
+      <p:grpSp>
+        <p:nvGrpSpPr>
+          <p:cNvPr id="2102747445" name="Google Shape;69;p3">
+            <a:extLst>
+              <a:ext uri="{FF2B5EF4-FFF2-40B4-BE49-F238E27FC236}">
+                <a16:creationId xmlns:a16="http://schemas.microsoft.com/office/drawing/2014/main" id="{4C5E1C72-7495-88E4-94BA-D996CF62771B}"/>
+              </a:ext>
+            </a:extLst>
+          </p:cNvPr>
+          <p:cNvGrpSpPr/>
+          <p:nvPr/>
+        </p:nvGrpSpPr>
+        <p:grpSpPr bwMode="auto">
+          <a:xfrm>
+            <a:off x="528795" y="1365337"/>
+            <a:ext cx="7244979" cy="738665"/>
+            <a:chOff x="0" y="-76894"/>
+            <a:chExt cx="5181414" cy="701783"/>
+          </a:xfrm>
+        </p:grpSpPr>
+        <p:sp>
+          <p:nvSpPr>
+            <p:cNvPr id="502921814" name="Google Shape;70;p3">
+              <a:extLst>
+                <a:ext uri="{FF2B5EF4-FFF2-40B4-BE49-F238E27FC236}">
+                  <a16:creationId xmlns:a16="http://schemas.microsoft.com/office/drawing/2014/main" id="{9E2385DD-F368-DE98-2AA4-74B8A15912AE}"/>
+                </a:ext>
+              </a:extLst>
+            </p:cNvPr>
+            <p:cNvSpPr/>
+            <p:nvPr/>
+          </p:nvSpPr>
+          <p:spPr bwMode="auto">
+            <a:xfrm>
+              <a:off x="198839" y="-76894"/>
+              <a:ext cx="4982575" cy="701783"/>
+            </a:xfrm>
+            <a:prstGeom prst="rect">
+              <a:avLst/>
+            </a:prstGeom>
+            <a:noFill/>
+            <a:ln>
+              <a:noFill/>
+            </a:ln>
+          </p:spPr>
+          <p:txBody>
+            <a:bodyPr spcFirstLastPara="1" wrap="square" lIns="0" tIns="0" rIns="0" bIns="0" anchor="ctr" anchorCtr="0">
+              <a:spAutoFit/>
+            </a:bodyPr>
+            <a:lstStyle/>
+            <a:p>
+              <a:pPr marL="0" marR="0" lvl="0" indent="0" algn="just">
+                <a:spcBef>
+                  <a:spcPts val="0"/>
+                </a:spcBef>
+                <a:spcAft>
+                  <a:spcPts val="0"/>
+                </a:spcAft>
+                <a:buNone/>
+                <a:defRPr/>
+              </a:pPr>
+              <a:r>
+                <a:rPr lang="es-ES" sz="2400" dirty="0"/>
+                <a:t>Procesamiento de </a:t>
+              </a:r>
+              <a:r>
+                <a:rPr lang="es-ES" sz="2400" dirty="0" err="1"/>
+                <a:t>datasets</a:t>
+              </a:r>
+              <a:r>
+                <a:rPr lang="es-ES" sz="2400" dirty="0"/>
+                <a:t>:</a:t>
+              </a:r>
+            </a:p>
+            <a:p>
+              <a:pPr marL="0" marR="0" lvl="0" indent="0" algn="just">
+                <a:spcBef>
+                  <a:spcPts val="0"/>
+                </a:spcBef>
+                <a:spcAft>
+                  <a:spcPts val="0"/>
+                </a:spcAft>
+                <a:buNone/>
+                <a:defRPr/>
+              </a:pPr>
+              <a:endParaRPr lang="es-ES" sz="2400" dirty="0"/>
+            </a:p>
+          </p:txBody>
+        </p:sp>
+        <p:sp>
+          <p:nvSpPr>
+            <p:cNvPr id="254073267" name="Google Shape;71;p3">
+              <a:extLst>
+                <a:ext uri="{FF2B5EF4-FFF2-40B4-BE49-F238E27FC236}">
+                  <a16:creationId xmlns:a16="http://schemas.microsoft.com/office/drawing/2014/main" id="{600313A7-8BFC-E34B-508A-5FFC1B1E6EB5}"/>
+                </a:ext>
+              </a:extLst>
+            </p:cNvPr>
+            <p:cNvSpPr/>
+            <p:nvPr/>
+          </p:nvSpPr>
+          <p:spPr bwMode="auto">
+            <a:xfrm>
+              <a:off x="0" y="0"/>
+              <a:ext cx="32697" cy="273998"/>
+            </a:xfrm>
+            <a:prstGeom prst="rect">
+              <a:avLst/>
+            </a:prstGeom>
+            <a:solidFill>
+              <a:srgbClr val="193EB0"/>
+            </a:solidFill>
+            <a:ln>
+              <a:noFill/>
+            </a:ln>
+          </p:spPr>
+          <p:txBody>
+            <a:bodyPr spcFirstLastPara="1" wrap="square" lIns="91422" tIns="45698" rIns="91422" bIns="45698" anchor="ctr" anchorCtr="0">
+              <a:noAutofit/>
+            </a:bodyPr>
+            <a:lstStyle/>
+            <a:p>
+              <a:pPr marL="0" marR="0" lvl="0" indent="0" algn="ctr">
+                <a:spcBef>
+                  <a:spcPts val="0"/>
+                </a:spcBef>
+                <a:spcAft>
+                  <a:spcPts val="0"/>
+                </a:spcAft>
+                <a:buNone/>
+                <a:defRPr/>
+              </a:pPr>
+              <a:endParaRPr sz="2800">
+                <a:solidFill>
+                  <a:schemeClr val="lt1"/>
+                </a:solidFill>
+                <a:latin typeface="Calibri"/>
+                <a:ea typeface="Calibri"/>
+                <a:cs typeface="Calibri"/>
+              </a:endParaRPr>
+            </a:p>
+          </p:txBody>
+        </p:sp>
+      </p:grpSp>
+      <p:pic>
+        <p:nvPicPr>
+          <p:cNvPr id="4" name="Imagen 3" descr="Texto&#10;&#10;El contenido generado por IA puede ser incorrecto.">
+            <a:extLst>
+              <a:ext uri="{FF2B5EF4-FFF2-40B4-BE49-F238E27FC236}">
+                <a16:creationId xmlns:a16="http://schemas.microsoft.com/office/drawing/2014/main" id="{E86A08A4-95B7-1D8C-6593-00D99B5391F9}"/>
+              </a:ext>
+            </a:extLst>
+          </p:cNvPr>
+          <p:cNvPicPr>
+            <a:picLocks noChangeAspect="1"/>
+          </p:cNvPicPr>
+          <p:nvPr/>
+        </p:nvPicPr>
+        <p:blipFill>
+          <a:blip r:embed="rId3"/>
+          <a:stretch>
+            <a:fillRect/>
+          </a:stretch>
+        </p:blipFill>
+        <p:spPr>
+          <a:xfrm>
+            <a:off x="2241362" y="1891423"/>
+            <a:ext cx="5420100" cy="4221618"/>
+          </a:xfrm>
+          <a:prstGeom prst="rect">
+            <a:avLst/>
+          </a:prstGeom>
+        </p:spPr>
+      </p:pic>
+    </p:spTree>
+    <p:extLst>
+      <p:ext uri="{BB962C8B-B14F-4D97-AF65-F5344CB8AC3E}">
+        <p14:creationId xmlns:p14="http://schemas.microsoft.com/office/powerpoint/2010/main" val="1312748286"/>
+      </p:ext>
+    </p:extLst>
+  </p:cSld>
+  <p:clrMapOvr>
+    <a:masterClrMapping/>
+  </p:clrMapOvr>
+</p:sld>
+</file>
+
+<file path=ppt/slides/slide11.xml><?xml version="1.0" encoding="utf-8"?>
+<p:sld xmlns:a="http://schemas.openxmlformats.org/drawingml/2006/main" xmlns:r="http://schemas.openxmlformats.org/officeDocument/2006/relationships" xmlns:p="http://schemas.openxmlformats.org/presentationml/2006/main" showMasterPhAnim="0">
+  <p:cSld>
+    <p:spTree>
+      <p:nvGrpSpPr>
+        <p:cNvPr id="1" name="">
+          <a:extLst>
+            <a:ext uri="{FF2B5EF4-FFF2-40B4-BE49-F238E27FC236}">
+              <a16:creationId xmlns:a16="http://schemas.microsoft.com/office/drawing/2014/main" id="{40D08234-D72A-DAB4-26BE-3490347527CF}"/>
+            </a:ext>
+          </a:extLst>
+        </p:cNvPr>
+        <p:cNvGrpSpPr/>
+        <p:nvPr/>
+      </p:nvGrpSpPr>
+      <p:grpSpPr bwMode="auto">
+        <a:xfrm>
+          <a:off x="0" y="0"/>
+          <a:ext cx="0" cy="0"/>
+          <a:chOff x="0" y="0"/>
+          <a:chExt cx="0" cy="0"/>
+        </a:xfrm>
+      </p:grpSpPr>
+      <p:sp>
+        <p:nvSpPr>
+          <p:cNvPr id="418679249" name="Google Shape;68;p3">
+            <a:extLst>
+              <a:ext uri="{FF2B5EF4-FFF2-40B4-BE49-F238E27FC236}">
+                <a16:creationId xmlns:a16="http://schemas.microsoft.com/office/drawing/2014/main" id="{1B7B4C63-356D-FBBE-9610-2D0A8932460F}"/>
+              </a:ext>
+            </a:extLst>
+          </p:cNvPr>
+          <p:cNvSpPr/>
+          <p:nvPr/>
+        </p:nvSpPr>
+        <p:spPr bwMode="auto">
+          <a:xfrm>
+            <a:off x="528795" y="372007"/>
+            <a:ext cx="4655039" cy="427078"/>
+          </a:xfrm>
+          <a:prstGeom prst="rect">
+            <a:avLst/>
+          </a:prstGeom>
+          <a:noFill/>
+          <a:ln>
+            <a:noFill/>
+          </a:ln>
+        </p:spPr>
+        <p:txBody>
+          <a:bodyPr spcFirstLastPara="1" wrap="square" lIns="0" tIns="0" rIns="0" bIns="0" anchor="t" anchorCtr="0">
+            <a:spAutoFit/>
+          </a:bodyPr>
+          <a:lstStyle/>
+          <a:p>
+            <a:pPr marL="0" marR="0" lvl="0" indent="0" algn="l">
+              <a:spcBef>
+                <a:spcPts val="0"/>
+              </a:spcBef>
+              <a:spcAft>
+                <a:spcPts val="0"/>
+              </a:spcAft>
+              <a:buNone/>
+              <a:defRPr/>
+            </a:pPr>
+            <a:r>
+              <a:rPr lang="en-US" sz="2800" dirty="0" err="1">
+                <a:solidFill>
+                  <a:schemeClr val="bg1"/>
+                </a:solidFill>
+              </a:rPr>
+              <a:t>Demostración</a:t>
+            </a:r>
+            <a:endParaRPr lang="en-US" dirty="0">
+              <a:solidFill>
+                <a:schemeClr val="bg1"/>
+              </a:solidFill>
+            </a:endParaRPr>
+          </a:p>
+        </p:txBody>
+      </p:sp>
+      <p:grpSp>
+        <p:nvGrpSpPr>
+          <p:cNvPr id="2102747445" name="Google Shape;69;p3">
+            <a:extLst>
+              <a:ext uri="{FF2B5EF4-FFF2-40B4-BE49-F238E27FC236}">
+                <a16:creationId xmlns:a16="http://schemas.microsoft.com/office/drawing/2014/main" id="{10BBE064-1C38-2A54-58B8-5966C7255B47}"/>
+              </a:ext>
+            </a:extLst>
+          </p:cNvPr>
+          <p:cNvGrpSpPr/>
+          <p:nvPr/>
+        </p:nvGrpSpPr>
+        <p:grpSpPr bwMode="auto">
+          <a:xfrm>
+            <a:off x="528795" y="1365337"/>
+            <a:ext cx="7244979" cy="738665"/>
+            <a:chOff x="0" y="-76894"/>
+            <a:chExt cx="5181414" cy="701783"/>
+          </a:xfrm>
+        </p:grpSpPr>
+        <p:sp>
+          <p:nvSpPr>
+            <p:cNvPr id="502921814" name="Google Shape;70;p3">
+              <a:extLst>
+                <a:ext uri="{FF2B5EF4-FFF2-40B4-BE49-F238E27FC236}">
+                  <a16:creationId xmlns:a16="http://schemas.microsoft.com/office/drawing/2014/main" id="{6FF03D53-E072-FB7A-A9C7-BAC9D334E761}"/>
+                </a:ext>
+              </a:extLst>
+            </p:cNvPr>
+            <p:cNvSpPr/>
+            <p:nvPr/>
+          </p:nvSpPr>
+          <p:spPr bwMode="auto">
+            <a:xfrm>
+              <a:off x="198839" y="-76894"/>
+              <a:ext cx="4982575" cy="701783"/>
+            </a:xfrm>
+            <a:prstGeom prst="rect">
+              <a:avLst/>
+            </a:prstGeom>
+            <a:noFill/>
+            <a:ln>
+              <a:noFill/>
+            </a:ln>
+          </p:spPr>
+          <p:txBody>
+            <a:bodyPr spcFirstLastPara="1" wrap="square" lIns="0" tIns="0" rIns="0" bIns="0" anchor="ctr" anchorCtr="0">
+              <a:spAutoFit/>
+            </a:bodyPr>
+            <a:lstStyle/>
+            <a:p>
+              <a:pPr marL="0" marR="0" lvl="0" indent="0" algn="just">
+                <a:spcBef>
+                  <a:spcPts val="0"/>
+                </a:spcBef>
+                <a:spcAft>
+                  <a:spcPts val="0"/>
+                </a:spcAft>
+                <a:buNone/>
+                <a:defRPr/>
+              </a:pPr>
+              <a:r>
+                <a:rPr lang="es-ES" sz="2400" dirty="0"/>
+                <a:t>Pulmones analizados:</a:t>
+              </a:r>
+            </a:p>
+            <a:p>
+              <a:pPr marL="0" marR="0" lvl="0" indent="0" algn="just">
+                <a:spcBef>
+                  <a:spcPts val="0"/>
+                </a:spcBef>
+                <a:spcAft>
+                  <a:spcPts val="0"/>
+                </a:spcAft>
+                <a:buNone/>
+                <a:defRPr/>
+              </a:pPr>
+              <a:endParaRPr lang="es-ES" sz="2400" dirty="0"/>
+            </a:p>
+          </p:txBody>
+        </p:sp>
+        <p:sp>
+          <p:nvSpPr>
+            <p:cNvPr id="254073267" name="Google Shape;71;p3">
+              <a:extLst>
+                <a:ext uri="{FF2B5EF4-FFF2-40B4-BE49-F238E27FC236}">
+                  <a16:creationId xmlns:a16="http://schemas.microsoft.com/office/drawing/2014/main" id="{9653F1C0-4F29-045A-348A-AEC4A8A68B80}"/>
+                </a:ext>
+              </a:extLst>
+            </p:cNvPr>
+            <p:cNvSpPr/>
+            <p:nvPr/>
+          </p:nvSpPr>
+          <p:spPr bwMode="auto">
+            <a:xfrm>
+              <a:off x="0" y="0"/>
+              <a:ext cx="32697" cy="273998"/>
+            </a:xfrm>
+            <a:prstGeom prst="rect">
+              <a:avLst/>
+            </a:prstGeom>
+            <a:solidFill>
+              <a:srgbClr val="193EB0"/>
+            </a:solidFill>
+            <a:ln>
+              <a:noFill/>
+            </a:ln>
+          </p:spPr>
+          <p:txBody>
+            <a:bodyPr spcFirstLastPara="1" wrap="square" lIns="91422" tIns="45698" rIns="91422" bIns="45698" anchor="ctr" anchorCtr="0">
+              <a:noAutofit/>
+            </a:bodyPr>
+            <a:lstStyle/>
+            <a:p>
+              <a:pPr marL="0" marR="0" lvl="0" indent="0" algn="ctr">
+                <a:spcBef>
+                  <a:spcPts val="0"/>
+                </a:spcBef>
+                <a:spcAft>
+                  <a:spcPts val="0"/>
+                </a:spcAft>
+                <a:buNone/>
+                <a:defRPr/>
+              </a:pPr>
+              <a:endParaRPr sz="2800">
+                <a:solidFill>
+                  <a:schemeClr val="lt1"/>
+                </a:solidFill>
+                <a:latin typeface="Calibri"/>
+                <a:ea typeface="Calibri"/>
+                <a:cs typeface="Calibri"/>
+              </a:endParaRPr>
+            </a:p>
+          </p:txBody>
+        </p:sp>
+      </p:grpSp>
+      <p:pic>
+        <p:nvPicPr>
+          <p:cNvPr id="3" name="Picture 2">
+            <a:extLst>
+              <a:ext uri="{FF2B5EF4-FFF2-40B4-BE49-F238E27FC236}">
+                <a16:creationId xmlns:a16="http://schemas.microsoft.com/office/drawing/2014/main" id="{E92040EA-52F9-5C3E-EDC0-D58A5D53D510}"/>
+              </a:ext>
+            </a:extLst>
+          </p:cNvPr>
+          <p:cNvPicPr>
+            <a:picLocks noChangeAspect="1"/>
+          </p:cNvPicPr>
+          <p:nvPr/>
+        </p:nvPicPr>
+        <p:blipFill>
+          <a:blip r:embed="rId3"/>
+          <a:srcRect l="2310" r="2312"/>
+          <a:stretch/>
+        </p:blipFill>
+        <p:spPr>
+          <a:xfrm>
+            <a:off x="708985" y="2104000"/>
+            <a:ext cx="3774747" cy="4162327"/>
+          </a:xfrm>
+          <a:prstGeom prst="rect">
+            <a:avLst/>
+          </a:prstGeom>
+        </p:spPr>
+      </p:pic>
+      <p:pic>
+        <p:nvPicPr>
+          <p:cNvPr id="4" name="Imagen 3" descr="Interfaz de usuario gráfica&#10;&#10;El contenido generado por IA puede ser incorrecto.">
+            <a:extLst>
+              <a:ext uri="{FF2B5EF4-FFF2-40B4-BE49-F238E27FC236}">
+                <a16:creationId xmlns:a16="http://schemas.microsoft.com/office/drawing/2014/main" id="{4ECD5AE0-6562-E645-0539-B4DD54A94D57}"/>
+              </a:ext>
+            </a:extLst>
+          </p:cNvPr>
+          <p:cNvPicPr>
+            <a:picLocks noChangeAspect="1"/>
+          </p:cNvPicPr>
+          <p:nvPr/>
+        </p:nvPicPr>
+        <p:blipFill>
+          <a:blip r:embed="rId4"/>
+          <a:stretch>
+            <a:fillRect/>
+          </a:stretch>
+        </p:blipFill>
+        <p:spPr>
+          <a:xfrm>
+            <a:off x="4483732" y="2104000"/>
+            <a:ext cx="4710108" cy="4081601"/>
+          </a:xfrm>
+          <a:prstGeom prst="rect">
+            <a:avLst/>
+          </a:prstGeom>
+        </p:spPr>
+      </p:pic>
+    </p:spTree>
+    <p:extLst>
+      <p:ext uri="{BB962C8B-B14F-4D97-AF65-F5344CB8AC3E}">
+        <p14:creationId xmlns:p14="http://schemas.microsoft.com/office/powerpoint/2010/main" val="1816878410"/>
+      </p:ext>
+    </p:extLst>
+  </p:cSld>
+  <p:clrMapOvr>
+    <a:masterClrMapping/>
+  </p:clrMapOvr>
+</p:sld>
+</file>
+
+<file path=ppt/slides/slide12.xml><?xml version="1.0" encoding="utf-8"?>
+<p:sld xmlns:a="http://schemas.openxmlformats.org/drawingml/2006/main" xmlns:r="http://schemas.openxmlformats.org/officeDocument/2006/relationships" xmlns:p="http://schemas.openxmlformats.org/presentationml/2006/main" showMasterPhAnim="0">
+  <p:cSld>
+    <p:spTree>
+      <p:nvGrpSpPr>
+        <p:cNvPr id="1" name="">
+          <a:extLst>
+            <a:ext uri="{FF2B5EF4-FFF2-40B4-BE49-F238E27FC236}">
+              <a16:creationId xmlns:a16="http://schemas.microsoft.com/office/drawing/2014/main" id="{376C3DE8-E587-AAA4-135A-844C0A04CEE1}"/>
+            </a:ext>
+          </a:extLst>
+        </p:cNvPr>
+        <p:cNvGrpSpPr/>
+        <p:nvPr/>
+      </p:nvGrpSpPr>
+      <p:grpSpPr bwMode="auto">
+        <a:xfrm>
+          <a:off x="0" y="0"/>
+          <a:ext cx="0" cy="0"/>
+          <a:chOff x="0" y="0"/>
+          <a:chExt cx="0" cy="0"/>
+        </a:xfrm>
+      </p:grpSpPr>
+      <p:sp>
+        <p:nvSpPr>
+          <p:cNvPr id="418679249" name="Google Shape;68;p3">
+            <a:extLst>
+              <a:ext uri="{FF2B5EF4-FFF2-40B4-BE49-F238E27FC236}">
+                <a16:creationId xmlns:a16="http://schemas.microsoft.com/office/drawing/2014/main" id="{344C43CF-6803-0F62-1ED1-1E7BC3F7EFEF}"/>
+              </a:ext>
+            </a:extLst>
+          </p:cNvPr>
+          <p:cNvSpPr/>
+          <p:nvPr/>
+        </p:nvSpPr>
+        <p:spPr bwMode="auto">
+          <a:xfrm>
+            <a:off x="528795" y="372007"/>
+            <a:ext cx="4655039" cy="427078"/>
+          </a:xfrm>
+          <a:prstGeom prst="rect">
+            <a:avLst/>
+          </a:prstGeom>
+          <a:noFill/>
+          <a:ln>
+            <a:noFill/>
+          </a:ln>
+        </p:spPr>
+        <p:txBody>
+          <a:bodyPr spcFirstLastPara="1" wrap="square" lIns="0" tIns="0" rIns="0" bIns="0" anchor="t" anchorCtr="0">
+            <a:spAutoFit/>
+          </a:bodyPr>
+          <a:lstStyle/>
+          <a:p>
+            <a:pPr marL="0" marR="0" lvl="0" indent="0" algn="l">
+              <a:spcBef>
+                <a:spcPts val="0"/>
+              </a:spcBef>
+              <a:spcAft>
+                <a:spcPts val="0"/>
+              </a:spcAft>
+              <a:buNone/>
+              <a:defRPr/>
+            </a:pPr>
+            <a:r>
+              <a:rPr lang="en-US" sz="2800" dirty="0" err="1">
+                <a:solidFill>
+                  <a:schemeClr val="bg1"/>
+                </a:solidFill>
+              </a:rPr>
+              <a:t>Competencia</a:t>
+            </a:r>
+            <a:endParaRPr lang="en-US" dirty="0">
+              <a:solidFill>
+                <a:schemeClr val="bg1"/>
+              </a:solidFill>
+            </a:endParaRPr>
+          </a:p>
+        </p:txBody>
+      </p:sp>
+      <p:grpSp>
+        <p:nvGrpSpPr>
+          <p:cNvPr id="2102747445" name="Google Shape;69;p3">
+            <a:extLst>
+              <a:ext uri="{FF2B5EF4-FFF2-40B4-BE49-F238E27FC236}">
+                <a16:creationId xmlns:a16="http://schemas.microsoft.com/office/drawing/2014/main" id="{67C1BD56-F0B8-58D2-A610-88B4C7A4BCDB}"/>
+              </a:ext>
+            </a:extLst>
+          </p:cNvPr>
+          <p:cNvGrpSpPr/>
+          <p:nvPr/>
+        </p:nvGrpSpPr>
+        <p:grpSpPr bwMode="auto">
+          <a:xfrm>
+            <a:off x="528795" y="1431462"/>
+            <a:ext cx="6127499" cy="3570207"/>
+            <a:chOff x="-3118" y="-1716694"/>
+            <a:chExt cx="5146064" cy="3391946"/>
+          </a:xfrm>
+        </p:grpSpPr>
+        <p:sp>
+          <p:nvSpPr>
+            <p:cNvPr id="502921814" name="Google Shape;70;p3">
+              <a:extLst>
+                <a:ext uri="{FF2B5EF4-FFF2-40B4-BE49-F238E27FC236}">
+                  <a16:creationId xmlns:a16="http://schemas.microsoft.com/office/drawing/2014/main" id="{10613C4F-D299-D452-5BF6-8E44CAB5E872}"/>
+                </a:ext>
+              </a:extLst>
+            </p:cNvPr>
+            <p:cNvSpPr/>
+            <p:nvPr/>
+          </p:nvSpPr>
+          <p:spPr bwMode="auto">
+            <a:xfrm>
+              <a:off x="160371" y="-1716694"/>
+              <a:ext cx="4982575" cy="3391946"/>
+            </a:xfrm>
+            <a:prstGeom prst="rect">
+              <a:avLst/>
+            </a:prstGeom>
+            <a:noFill/>
+            <a:ln>
+              <a:noFill/>
+            </a:ln>
+          </p:spPr>
+          <p:txBody>
+            <a:bodyPr spcFirstLastPara="1" wrap="square" lIns="0" tIns="0" rIns="0" bIns="0" anchor="ctr" anchorCtr="0">
+              <a:spAutoFit/>
+            </a:bodyPr>
+            <a:lstStyle/>
+            <a:p>
+              <a:pPr marL="0" marR="0" lvl="0" indent="0" algn="just">
+                <a:spcBef>
+                  <a:spcPts val="0"/>
+                </a:spcBef>
+                <a:spcAft>
+                  <a:spcPts val="0"/>
+                </a:spcAft>
+                <a:buNone/>
+                <a:defRPr/>
+              </a:pPr>
+              <a:r>
+                <a:rPr lang="es-ES" sz="2400" dirty="0"/>
+                <a:t>Mejoras de Nuestro Sistema: </a:t>
+              </a:r>
+            </a:p>
+            <a:p>
+              <a:pPr marL="0" marR="0" lvl="0" indent="0" algn="just">
+                <a:spcBef>
+                  <a:spcPts val="0"/>
+                </a:spcBef>
+                <a:spcAft>
+                  <a:spcPts val="0"/>
+                </a:spcAft>
+                <a:buNone/>
+                <a:defRPr/>
+              </a:pPr>
+              <a:endParaRPr lang="es-ES" sz="2400" dirty="0"/>
+            </a:p>
+            <a:p>
+              <a:pPr marR="0" lvl="0" algn="just">
+                <a:spcBef>
+                  <a:spcPts val="0"/>
+                </a:spcBef>
+                <a:spcAft>
+                  <a:spcPts val="0"/>
+                </a:spcAft>
+                <a:defRPr/>
+              </a:pPr>
+              <a:r>
+                <a:rPr lang="es-ES" sz="2000" dirty="0"/>
+                <a:t>Velocidad de Diagnóstico:</a:t>
+              </a:r>
+            </a:p>
+            <a:p>
+              <a:pPr lvl="1" algn="just">
+                <a:defRPr/>
+              </a:pPr>
+              <a:r>
+                <a:rPr lang="es-ES" sz="2000" dirty="0"/>
+                <a:t>Resultados rápidos y con buenos niveles de precisión.</a:t>
+              </a:r>
+            </a:p>
+            <a:p>
+              <a:pPr marR="0" lvl="0" algn="just">
+                <a:spcBef>
+                  <a:spcPts val="0"/>
+                </a:spcBef>
+                <a:spcAft>
+                  <a:spcPts val="0"/>
+                </a:spcAft>
+                <a:defRPr/>
+              </a:pPr>
+              <a:endParaRPr lang="es-ES" sz="2000" dirty="0"/>
+            </a:p>
+            <a:p>
+              <a:pPr marR="0" lvl="0" algn="just">
+                <a:spcBef>
+                  <a:spcPts val="0"/>
+                </a:spcBef>
+                <a:spcAft>
+                  <a:spcPts val="0"/>
+                </a:spcAft>
+                <a:defRPr/>
+              </a:pPr>
+              <a:endParaRPr lang="es-ES" sz="2000" dirty="0"/>
+            </a:p>
+            <a:p>
+              <a:pPr marR="0" lvl="0" algn="just">
+                <a:spcBef>
+                  <a:spcPts val="0"/>
+                </a:spcBef>
+                <a:spcAft>
+                  <a:spcPts val="0"/>
+                </a:spcAft>
+                <a:defRPr/>
+              </a:pPr>
+              <a:r>
+                <a:rPr lang="es-ES" sz="2000" dirty="0"/>
+                <a:t>Accesibilidad y Escalabilidad:</a:t>
+              </a:r>
+            </a:p>
+            <a:p>
+              <a:pPr marR="0" lvl="0" algn="just">
+                <a:spcBef>
+                  <a:spcPts val="0"/>
+                </a:spcBef>
+                <a:spcAft>
+                  <a:spcPts val="0"/>
+                </a:spcAft>
+                <a:defRPr/>
+              </a:pPr>
+              <a:r>
+                <a:rPr lang="es-ES" sz="2000" dirty="0"/>
+                <a:t>Fácil de usar con un sistema simple y preciso, accesible para profesionales y pacientes comunes.</a:t>
+              </a:r>
+            </a:p>
+            <a:p>
+              <a:pPr marL="0" marR="0" lvl="0" indent="0" algn="just">
+                <a:spcBef>
+                  <a:spcPts val="0"/>
+                </a:spcBef>
+                <a:spcAft>
+                  <a:spcPts val="0"/>
+                </a:spcAft>
+                <a:buNone/>
+                <a:defRPr/>
+              </a:pPr>
+              <a:endParaRPr lang="es-ES" sz="2400" dirty="0"/>
+            </a:p>
+          </p:txBody>
+        </p:sp>
+        <p:sp>
+          <p:nvSpPr>
+            <p:cNvPr id="254073267" name="Google Shape;71;p3">
+              <a:extLst>
+                <a:ext uri="{FF2B5EF4-FFF2-40B4-BE49-F238E27FC236}">
+                  <a16:creationId xmlns:a16="http://schemas.microsoft.com/office/drawing/2014/main" id="{BD7017CB-0A1D-FFCB-2D03-257BABD5436A}"/>
+                </a:ext>
+              </a:extLst>
+            </p:cNvPr>
+            <p:cNvSpPr/>
+            <p:nvPr/>
+          </p:nvSpPr>
+          <p:spPr bwMode="auto">
+            <a:xfrm>
+              <a:off x="-3118" y="-1655903"/>
+              <a:ext cx="32697" cy="273998"/>
+            </a:xfrm>
+            <a:prstGeom prst="rect">
+              <a:avLst/>
+            </a:prstGeom>
+            <a:solidFill>
+              <a:srgbClr val="193EB0"/>
+            </a:solidFill>
+            <a:ln>
+              <a:noFill/>
+            </a:ln>
+          </p:spPr>
+          <p:txBody>
+            <a:bodyPr spcFirstLastPara="1" wrap="square" lIns="91422" tIns="45698" rIns="91422" bIns="45698" anchor="ctr" anchorCtr="0">
+              <a:noAutofit/>
+            </a:bodyPr>
+            <a:lstStyle/>
+            <a:p>
+              <a:pPr marL="0" marR="0" lvl="0" indent="0" algn="ctr">
+                <a:spcBef>
+                  <a:spcPts val="0"/>
+                </a:spcBef>
+                <a:spcAft>
+                  <a:spcPts val="0"/>
+                </a:spcAft>
+                <a:buNone/>
+                <a:defRPr/>
+              </a:pPr>
+              <a:endParaRPr sz="2800">
+                <a:solidFill>
+                  <a:schemeClr val="lt1"/>
+                </a:solidFill>
+                <a:latin typeface="Calibri"/>
+                <a:ea typeface="Calibri"/>
+                <a:cs typeface="Calibri"/>
+              </a:endParaRPr>
+            </a:p>
+          </p:txBody>
+        </p:sp>
+      </p:grpSp>
+      <p:pic>
+        <p:nvPicPr>
+          <p:cNvPr id="4" name="Picture 3" descr="A hand holding a device&#10;&#10;AI-generated content may be incorrect.">
+            <a:extLst>
+              <a:ext uri="{FF2B5EF4-FFF2-40B4-BE49-F238E27FC236}">
+                <a16:creationId xmlns:a16="http://schemas.microsoft.com/office/drawing/2014/main" id="{9F01A393-9DC3-733E-9A2F-3581E0B4CF14}"/>
+              </a:ext>
+            </a:extLst>
+          </p:cNvPr>
+          <p:cNvPicPr>
+            <a:picLocks noChangeAspect="1"/>
+          </p:cNvPicPr>
+          <p:nvPr/>
+        </p:nvPicPr>
+        <p:blipFill>
+          <a:blip r:embed="rId3"/>
+          <a:stretch>
+            <a:fillRect/>
+          </a:stretch>
+        </p:blipFill>
+        <p:spPr>
+          <a:xfrm>
+            <a:off x="6812030" y="4361736"/>
+            <a:ext cx="2727602" cy="1829695"/>
+          </a:xfrm>
+          <a:prstGeom prst="rect">
+            <a:avLst/>
+          </a:prstGeom>
+        </p:spPr>
+      </p:pic>
+    </p:spTree>
+    <p:extLst>
+      <p:ext uri="{BB962C8B-B14F-4D97-AF65-F5344CB8AC3E}">
+        <p14:creationId xmlns:p14="http://schemas.microsoft.com/office/powerpoint/2010/main" val="276862698"/>
+      </p:ext>
+    </p:extLst>
+  </p:cSld>
+  <p:clrMapOvr>
+    <a:masterClrMapping/>
+  </p:clrMapOvr>
+</p:sld>
+</file>
+
+<file path=ppt/slides/slide13.xml><?xml version="1.0" encoding="utf-8"?>
+<p:sld xmlns:a="http://schemas.openxmlformats.org/drawingml/2006/main" xmlns:r="http://schemas.openxmlformats.org/officeDocument/2006/relationships" xmlns:p="http://schemas.openxmlformats.org/presentationml/2006/main" showMasterPhAnim="0">
+  <p:cSld>
+    <p:spTree>
+      <p:nvGrpSpPr>
+        <p:cNvPr id="1" name="">
+          <a:extLst>
+            <a:ext uri="{FF2B5EF4-FFF2-40B4-BE49-F238E27FC236}">
+              <a16:creationId xmlns:a16="http://schemas.microsoft.com/office/drawing/2014/main" id="{7201FDDC-FE3F-EE9E-9F22-F111FB41C081}"/>
+            </a:ext>
+          </a:extLst>
+        </p:cNvPr>
+        <p:cNvGrpSpPr/>
+        <p:nvPr/>
+      </p:nvGrpSpPr>
+      <p:grpSpPr bwMode="auto">
+        <a:xfrm>
+          <a:off x="0" y="0"/>
+          <a:ext cx="0" cy="0"/>
+          <a:chOff x="0" y="0"/>
+          <a:chExt cx="0" cy="0"/>
+        </a:xfrm>
+      </p:grpSpPr>
+      <p:sp>
+        <p:nvSpPr>
+          <p:cNvPr id="418679249" name="Google Shape;68;p3">
+            <a:extLst>
+              <a:ext uri="{FF2B5EF4-FFF2-40B4-BE49-F238E27FC236}">
+                <a16:creationId xmlns:a16="http://schemas.microsoft.com/office/drawing/2014/main" id="{BDCAC600-35FE-627F-F483-55D5FD71ECA9}"/>
+              </a:ext>
+            </a:extLst>
+          </p:cNvPr>
+          <p:cNvSpPr/>
+          <p:nvPr/>
+        </p:nvSpPr>
+        <p:spPr bwMode="auto">
+          <a:xfrm>
+            <a:off x="528795" y="372007"/>
+            <a:ext cx="4655039" cy="427078"/>
+          </a:xfrm>
+          <a:prstGeom prst="rect">
+            <a:avLst/>
+          </a:prstGeom>
+          <a:noFill/>
+          <a:ln>
+            <a:noFill/>
+          </a:ln>
+        </p:spPr>
+        <p:txBody>
+          <a:bodyPr spcFirstLastPara="1" wrap="square" lIns="0" tIns="0" rIns="0" bIns="0" anchor="t" anchorCtr="0">
+            <a:spAutoFit/>
+          </a:bodyPr>
+          <a:lstStyle/>
+          <a:p>
+            <a:pPr marL="0" marR="0" lvl="0" indent="0" algn="l">
+              <a:spcBef>
+                <a:spcPts val="0"/>
+              </a:spcBef>
+              <a:spcAft>
+                <a:spcPts val="0"/>
+              </a:spcAft>
+              <a:buNone/>
+              <a:defRPr/>
+            </a:pPr>
+            <a:r>
+              <a:rPr lang="en-US" sz="2800" dirty="0" err="1">
+                <a:solidFill>
+                  <a:schemeClr val="bg1"/>
+                </a:solidFill>
+              </a:rPr>
+              <a:t>Importancia</a:t>
+            </a:r>
+            <a:endParaRPr lang="en-US" dirty="0">
+              <a:solidFill>
+                <a:schemeClr val="bg1"/>
+              </a:solidFill>
+            </a:endParaRPr>
+          </a:p>
+        </p:txBody>
+      </p:sp>
+      <p:grpSp>
+        <p:nvGrpSpPr>
+          <p:cNvPr id="2102747445" name="Google Shape;69;p3">
+            <a:extLst>
+              <a:ext uri="{FF2B5EF4-FFF2-40B4-BE49-F238E27FC236}">
+                <a16:creationId xmlns:a16="http://schemas.microsoft.com/office/drawing/2014/main" id="{C4F3D187-A8D7-DC66-57AE-43676D99475F}"/>
+              </a:ext>
+            </a:extLst>
+          </p:cNvPr>
+          <p:cNvGrpSpPr/>
+          <p:nvPr/>
+        </p:nvGrpSpPr>
+        <p:grpSpPr bwMode="auto">
+          <a:xfrm>
+            <a:off x="1306064" y="1459230"/>
+            <a:ext cx="7290697" cy="3939540"/>
+            <a:chOff x="-32696" y="-1597421"/>
+            <a:chExt cx="5214110" cy="3742836"/>
+          </a:xfrm>
+        </p:grpSpPr>
+        <p:sp>
+          <p:nvSpPr>
+            <p:cNvPr id="502921814" name="Google Shape;70;p3">
+              <a:extLst>
+                <a:ext uri="{FF2B5EF4-FFF2-40B4-BE49-F238E27FC236}">
+                  <a16:creationId xmlns:a16="http://schemas.microsoft.com/office/drawing/2014/main" id="{DE3D2184-3E2B-E0D5-CE32-83D453E49187}"/>
+                </a:ext>
+              </a:extLst>
+            </p:cNvPr>
+            <p:cNvSpPr/>
+            <p:nvPr/>
+          </p:nvSpPr>
+          <p:spPr bwMode="auto">
+            <a:xfrm>
+              <a:off x="198839" y="-1597421"/>
+              <a:ext cx="4982575" cy="3742836"/>
+            </a:xfrm>
+            <a:prstGeom prst="rect">
+              <a:avLst/>
+            </a:prstGeom>
+            <a:noFill/>
+            <a:ln>
+              <a:noFill/>
+            </a:ln>
+          </p:spPr>
+          <p:txBody>
+            <a:bodyPr spcFirstLastPara="1" wrap="square" lIns="0" tIns="0" rIns="0" bIns="0" anchor="ctr" anchorCtr="0">
+              <a:spAutoFit/>
+            </a:bodyPr>
+            <a:lstStyle/>
+            <a:p>
+              <a:pPr marL="0" marR="0" lvl="0" indent="0" algn="just">
+                <a:spcBef>
+                  <a:spcPts val="0"/>
+                </a:spcBef>
+                <a:spcAft>
+                  <a:spcPts val="0"/>
+                </a:spcAft>
+                <a:buNone/>
+                <a:defRPr/>
+              </a:pPr>
+              <a:r>
+                <a:rPr lang="es-ES" sz="2400" dirty="0"/>
+                <a:t>Este sistema no solo es una herramienta tecnológica, es una revolución en la salud pública. Al implementarlo, estamos:</a:t>
+              </a:r>
+            </a:p>
+            <a:p>
+              <a:pPr marL="0" marR="0" lvl="0" indent="0" algn="just">
+                <a:spcBef>
+                  <a:spcPts val="0"/>
+                </a:spcBef>
+                <a:spcAft>
+                  <a:spcPts val="0"/>
+                </a:spcAft>
+                <a:buNone/>
+                <a:defRPr/>
+              </a:pPr>
+              <a:endParaRPr lang="es-ES" sz="2400" dirty="0"/>
+            </a:p>
+            <a:p>
+              <a:pPr marL="342900" marR="0" lvl="0" indent="-342900" algn="just">
+                <a:spcBef>
+                  <a:spcPts val="0"/>
+                </a:spcBef>
+                <a:spcAft>
+                  <a:spcPts val="0"/>
+                </a:spcAft>
+                <a:buFont typeface="Arial" panose="020B0604020202020204" pitchFamily="34" charset="0"/>
+                <a:buChar char="•"/>
+                <a:defRPr/>
+              </a:pPr>
+              <a:r>
+                <a:rPr lang="es-ES" sz="2000" dirty="0"/>
+                <a:t>Salvando vidas al detectar la neumonía en etapas tempranas.</a:t>
+              </a:r>
+            </a:p>
+            <a:p>
+              <a:pPr marL="342900" marR="0" lvl="0" indent="-342900" algn="just">
+                <a:spcBef>
+                  <a:spcPts val="0"/>
+                </a:spcBef>
+                <a:spcAft>
+                  <a:spcPts val="0"/>
+                </a:spcAft>
+                <a:buFont typeface="Arial" panose="020B0604020202020204" pitchFamily="34" charset="0"/>
+                <a:buChar char="•"/>
+                <a:defRPr/>
+              </a:pPr>
+              <a:endParaRPr lang="es-ES" sz="2000" dirty="0"/>
+            </a:p>
+            <a:p>
+              <a:pPr marL="342900" marR="0" lvl="0" indent="-342900" algn="just">
+                <a:spcBef>
+                  <a:spcPts val="0"/>
+                </a:spcBef>
+                <a:spcAft>
+                  <a:spcPts val="0"/>
+                </a:spcAft>
+                <a:buFont typeface="Arial" panose="020B0604020202020204" pitchFamily="34" charset="0"/>
+                <a:buChar char="•"/>
+                <a:defRPr/>
+              </a:pPr>
+              <a:r>
+                <a:rPr lang="es-ES" sz="2000" dirty="0"/>
+                <a:t>Reduciendo costos en diagnósticos y tratamientos tardíos.</a:t>
+              </a:r>
+            </a:p>
+            <a:p>
+              <a:pPr marL="342900" marR="0" lvl="0" indent="-342900" algn="just">
+                <a:spcBef>
+                  <a:spcPts val="0"/>
+                </a:spcBef>
+                <a:spcAft>
+                  <a:spcPts val="0"/>
+                </a:spcAft>
+                <a:buFont typeface="Arial" panose="020B0604020202020204" pitchFamily="34" charset="0"/>
+                <a:buChar char="•"/>
+                <a:defRPr/>
+              </a:pPr>
+              <a:endParaRPr lang="es-ES" sz="2000" dirty="0"/>
+            </a:p>
+            <a:p>
+              <a:pPr marL="342900" marR="0" lvl="0" indent="-342900" algn="just">
+                <a:spcBef>
+                  <a:spcPts val="0"/>
+                </a:spcBef>
+                <a:spcAft>
+                  <a:spcPts val="0"/>
+                </a:spcAft>
+                <a:buFont typeface="Arial" panose="020B0604020202020204" pitchFamily="34" charset="0"/>
+                <a:buChar char="•"/>
+                <a:defRPr/>
+              </a:pPr>
+              <a:r>
+                <a:rPr lang="es-ES" sz="2000" dirty="0"/>
+                <a:t>Llevando tecnología de vanguardia a comunidades que antes no tenían acceso a ella.</a:t>
+              </a:r>
+            </a:p>
+            <a:p>
+              <a:pPr marR="0" lvl="0" algn="just">
+                <a:spcBef>
+                  <a:spcPts val="0"/>
+                </a:spcBef>
+                <a:spcAft>
+                  <a:spcPts val="0"/>
+                </a:spcAft>
+                <a:defRPr/>
+              </a:pPr>
+              <a:endParaRPr lang="es-ES" sz="2000" dirty="0"/>
+            </a:p>
+          </p:txBody>
+        </p:sp>
+        <p:sp>
+          <p:nvSpPr>
+            <p:cNvPr id="254073267" name="Google Shape;71;p3">
+              <a:extLst>
+                <a:ext uri="{FF2B5EF4-FFF2-40B4-BE49-F238E27FC236}">
+                  <a16:creationId xmlns:a16="http://schemas.microsoft.com/office/drawing/2014/main" id="{739D9F60-8D91-AFFF-EBAC-3B2D564081B4}"/>
+                </a:ext>
+              </a:extLst>
+            </p:cNvPr>
+            <p:cNvSpPr/>
+            <p:nvPr/>
+          </p:nvSpPr>
+          <p:spPr bwMode="auto">
+            <a:xfrm>
+              <a:off x="-32696" y="-1597421"/>
+              <a:ext cx="32697" cy="273998"/>
+            </a:xfrm>
+            <a:prstGeom prst="rect">
+              <a:avLst/>
+            </a:prstGeom>
+            <a:solidFill>
+              <a:srgbClr val="193EB0"/>
+            </a:solidFill>
+            <a:ln>
+              <a:noFill/>
+            </a:ln>
+          </p:spPr>
+          <p:txBody>
+            <a:bodyPr spcFirstLastPara="1" wrap="square" lIns="91422" tIns="45698" rIns="91422" bIns="45698" anchor="ctr" anchorCtr="0">
+              <a:noAutofit/>
+            </a:bodyPr>
+            <a:lstStyle/>
+            <a:p>
+              <a:pPr marL="0" marR="0" lvl="0" indent="0" algn="ctr">
+                <a:spcBef>
+                  <a:spcPts val="0"/>
+                </a:spcBef>
+                <a:spcAft>
+                  <a:spcPts val="0"/>
+                </a:spcAft>
+                <a:buNone/>
+                <a:defRPr/>
+              </a:pPr>
+              <a:endParaRPr sz="2800">
+                <a:solidFill>
+                  <a:schemeClr val="lt1"/>
+                </a:solidFill>
+                <a:latin typeface="Calibri"/>
+                <a:ea typeface="Calibri"/>
+                <a:cs typeface="Calibri"/>
+              </a:endParaRPr>
+            </a:p>
+          </p:txBody>
+        </p:sp>
+      </p:grpSp>
+    </p:spTree>
+    <p:extLst>
+      <p:ext uri="{BB962C8B-B14F-4D97-AF65-F5344CB8AC3E}">
+        <p14:creationId xmlns:p14="http://schemas.microsoft.com/office/powerpoint/2010/main" val="1482548058"/>
+      </p:ext>
+    </p:extLst>
+  </p:cSld>
+  <p:clrMapOvr>
+    <a:masterClrMapping/>
+  </p:clrMapOvr>
+</p:sld>
+</file>
+
+<file path=ppt/slides/slide14.xml><?xml version="1.0" encoding="utf-8"?>
+<p:sld xmlns:a="http://schemas.openxmlformats.org/drawingml/2006/main" xmlns:r="http://schemas.openxmlformats.org/officeDocument/2006/relationships" xmlns:p="http://schemas.openxmlformats.org/presentationml/2006/main" showMasterPhAnim="0">
+  <p:cSld>
+    <p:spTree>
+      <p:nvGrpSpPr>
+        <p:cNvPr id="1" name=""/>
+        <p:cNvGrpSpPr/>
+        <p:nvPr/>
+      </p:nvGrpSpPr>
+      <p:grpSpPr bwMode="auto">
+        <a:xfrm>
+          <a:off x="0" y="0"/>
+          <a:ext cx="0" cy="0"/>
+          <a:chOff x="0" y="0"/>
+          <a:chExt cx="0" cy="0"/>
+        </a:xfrm>
+      </p:grpSpPr>
+    </p:spTree>
+  </p:cSld>
+  <p:clrMapOvr>
+    <a:masterClrMapping/>
+  </p:clrMapOvr>
+</p:sld>
+</file>
+
 <file path=ppt/slides/slide2.xml><?xml version="1.0" encoding="utf-8"?>
 <p:sld xmlns:a="http://schemas.openxmlformats.org/drawingml/2006/main" xmlns:r="http://schemas.openxmlformats.org/officeDocument/2006/relationships" xmlns:p="http://schemas.openxmlformats.org/presentationml/2006/main">
   <p:cSld>
@@ -7875,10 +11125,17 @@
               <a:buNone/>
             </a:pPr>
             <a:r>
-              <a:rPr lang="en-US"/>
-              <a:t>Nombre del proyecto</a:t>
+              <a:rPr lang="en-US" dirty="0" err="1"/>
+              <a:t>Renocimiento</a:t>
             </a:r>
-            <a:endParaRPr/>
+            <a:r>
+              <a:rPr lang="en-US" dirty="0"/>
+              <a:t> de </a:t>
+            </a:r>
+            <a:r>
+              <a:rPr lang="es-419" dirty="0"/>
+              <a:t>Neumonía</a:t>
+            </a:r>
           </a:p>
         </p:txBody>
       </p:sp>
@@ -7917,14 +11174,22 @@
               <a:buNone/>
             </a:pPr>
             <a:r>
-              <a:rPr lang="en-US" sz="2000">
+              <a:rPr lang="en-US" sz="2000" dirty="0">
                 <a:solidFill>
                   <a:schemeClr val="dk1"/>
                 </a:solidFill>
               </a:rPr>
-              <a:t>Nombre del equipo</a:t>
+              <a:t>Los </a:t>
             </a:r>
-            <a:endParaRPr sz="5400">
+            <a:r>
+              <a:rPr lang="en-US" sz="2000" dirty="0" err="1">
+                <a:solidFill>
+                  <a:schemeClr val="dk1"/>
+                </a:solidFill>
+              </a:rPr>
+              <a:t>Autómatas</a:t>
+            </a:r>
+            <a:endParaRPr lang="en-US" sz="5400" dirty="0">
               <a:solidFill>
                 <a:schemeClr val="dk1"/>
               </a:solidFill>
@@ -8064,14 +11329,14 @@
                 <a:defRPr/>
               </a:pPr>
               <a:r>
-                <a:rPr lang="en-US" sz="1800">
+                <a:rPr lang="en-US" sz="1800" dirty="0" err="1">
                   <a:solidFill>
                     <a:srgbClr val="3F3F3F"/>
                   </a:solidFill>
                 </a:rPr>
                 <a:t>Planteamiento</a:t>
               </a:r>
-              <a:endParaRPr/>
+              <a:endParaRPr dirty="0"/>
             </a:p>
           </p:txBody>
         </p:sp>
@@ -8160,7 +11425,7 @@
                 <a:defRPr/>
               </a:pPr>
               <a:r>
-                <a:rPr lang="en-US" sz="1400">
+                <a:rPr lang="en-US" sz="1400" dirty="0" err="1">
                   <a:solidFill>
                     <a:srgbClr val="193EB0"/>
                   </a:solidFill>
@@ -8168,9 +11433,64 @@
                   <a:ea typeface="Arial"/>
                   <a:cs typeface="Arial"/>
                 </a:rPr>
-                <a:t>Problema a resolver</a:t>
+                <a:t>Problemas</a:t>
               </a:r>
-              <a:endParaRPr/>
+              <a:r>
+                <a:rPr lang="en-US" sz="1400" dirty="0">
+                  <a:solidFill>
+                    <a:srgbClr val="193EB0"/>
+                  </a:solidFill>
+                  <a:latin typeface="Arial"/>
+                  <a:ea typeface="Arial"/>
+                  <a:cs typeface="Arial"/>
+                </a:rPr>
+                <a:t> para </a:t>
+              </a:r>
+              <a:r>
+                <a:rPr lang="en-US" sz="1400" dirty="0" err="1">
+                  <a:solidFill>
+                    <a:srgbClr val="193EB0"/>
+                  </a:solidFill>
+                  <a:latin typeface="Arial"/>
+                  <a:ea typeface="Arial"/>
+                  <a:cs typeface="Arial"/>
+                </a:rPr>
+                <a:t>identificar</a:t>
+              </a:r>
+              <a:r>
+                <a:rPr lang="en-US" sz="1400" dirty="0">
+                  <a:solidFill>
+                    <a:srgbClr val="193EB0"/>
+                  </a:solidFill>
+                  <a:latin typeface="Arial"/>
+                  <a:ea typeface="Arial"/>
+                  <a:cs typeface="Arial"/>
+                </a:rPr>
+                <a:t> </a:t>
+              </a:r>
+              <a:r>
+                <a:rPr lang="en-US" sz="1400" dirty="0" err="1">
+                  <a:solidFill>
+                    <a:srgbClr val="193EB0"/>
+                  </a:solidFill>
+                  <a:latin typeface="Arial"/>
+                  <a:ea typeface="Arial"/>
+                  <a:cs typeface="Arial"/>
+                </a:rPr>
+                <a:t>neumonia</a:t>
+              </a:r>
+              <a:r>
+                <a:rPr lang="en-US" sz="1400" dirty="0">
+                  <a:solidFill>
+                    <a:srgbClr val="193EB0"/>
+                  </a:solidFill>
+                  <a:latin typeface="Arial"/>
+                  <a:ea typeface="Arial"/>
+                  <a:cs typeface="Arial"/>
+                </a:rPr>
+                <a:t>.</a:t>
+              </a:r>
+              <a:endParaRPr dirty="0"/>
             </a:p>
           </p:txBody>
         </p:sp>
@@ -8184,9 +11504,9 @@
         <p:grpSpPr bwMode="auto">
           <a:xfrm>
             <a:off x="485498" y="3250571"/>
-            <a:ext cx="4413390" cy="843842"/>
+            <a:ext cx="4413390" cy="847650"/>
             <a:chOff x="0" y="0"/>
-            <a:chExt cx="4413390" cy="843842"/>
+            <a:chExt cx="4413390" cy="847650"/>
           </a:xfrm>
         </p:grpSpPr>
         <p:sp>
@@ -8296,7 +11616,7 @@
           <p:spPr bwMode="auto">
             <a:xfrm>
               <a:off x="979494" y="416763"/>
-              <a:ext cx="3433896" cy="427079"/>
+              <a:ext cx="3433896" cy="430887"/>
             </a:xfrm>
             <a:prstGeom prst="rect">
               <a:avLst/>
@@ -8324,7 +11644,7 @@
                 <a:defRPr/>
               </a:pPr>
               <a:r>
-                <a:rPr lang="en-US" sz="1400">
+                <a:rPr lang="en-US" sz="1400" dirty="0">
                   <a:solidFill>
                     <a:srgbClr val="193EB0"/>
                   </a:solidFill>
@@ -8332,9 +11652,108 @@
                   <a:ea typeface="Arial"/>
                   <a:cs typeface="Arial"/>
                 </a:rPr>
-                <a:t>Meta hacia la cual se dirigen las acciones del proyecto</a:t>
+                <a:t>Ser de </a:t>
               </a:r>
-              <a:endParaRPr/>
+              <a:r>
+                <a:rPr lang="en-US" sz="1400" dirty="0" err="1">
+                  <a:solidFill>
+                    <a:srgbClr val="193EB0"/>
+                  </a:solidFill>
+                  <a:latin typeface="Arial"/>
+                  <a:ea typeface="Arial"/>
+                  <a:cs typeface="Arial"/>
+                </a:rPr>
+                <a:t>ayuda</a:t>
+              </a:r>
+              <a:r>
+                <a:rPr lang="en-US" sz="1400" dirty="0">
+                  <a:solidFill>
+                    <a:srgbClr val="193EB0"/>
+                  </a:solidFill>
+                  <a:latin typeface="Arial"/>
+                  <a:ea typeface="Arial"/>
+                  <a:cs typeface="Arial"/>
+                </a:rPr>
+                <a:t> para </a:t>
+              </a:r>
+              <a:r>
+                <a:rPr lang="en-US" sz="1400" dirty="0" err="1">
+                  <a:solidFill>
+                    <a:srgbClr val="193EB0"/>
+                  </a:solidFill>
+                  <a:latin typeface="Arial"/>
+                  <a:ea typeface="Arial"/>
+                  <a:cs typeface="Arial"/>
+                </a:rPr>
+                <a:t>los</a:t>
+              </a:r>
+              <a:r>
+                <a:rPr lang="en-US" sz="1400" dirty="0">
+                  <a:solidFill>
+                    <a:srgbClr val="193EB0"/>
+                  </a:solidFill>
+                  <a:latin typeface="Arial"/>
+                  <a:ea typeface="Arial"/>
+                  <a:cs typeface="Arial"/>
+                </a:rPr>
+                <a:t> </a:t>
+              </a:r>
+              <a:r>
+                <a:rPr lang="en-US" sz="1400" dirty="0" err="1">
+                  <a:solidFill>
+                    <a:srgbClr val="193EB0"/>
+                  </a:solidFill>
+                  <a:latin typeface="Arial"/>
+                  <a:ea typeface="Arial"/>
+                  <a:cs typeface="Arial"/>
+                </a:rPr>
+                <a:t>médicos</a:t>
+              </a:r>
+              <a:r>
+                <a:rPr lang="en-US" sz="1400" dirty="0">
+                  <a:solidFill>
+                    <a:srgbClr val="193EB0"/>
+                  </a:solidFill>
+                  <a:latin typeface="Arial"/>
+                  <a:ea typeface="Arial"/>
+                  <a:cs typeface="Arial"/>
+                </a:rPr>
+                <a:t> para </a:t>
+              </a:r>
+              <a:r>
+                <a:rPr lang="en-US" sz="1400" dirty="0" err="1">
+                  <a:solidFill>
+                    <a:srgbClr val="193EB0"/>
+                  </a:solidFill>
+                  <a:latin typeface="Arial"/>
+                  <a:ea typeface="Arial"/>
+                  <a:cs typeface="Arial"/>
+                </a:rPr>
+                <a:t>identificar</a:t>
+              </a:r>
+              <a:r>
+                <a:rPr lang="en-US" sz="1400" dirty="0">
+                  <a:solidFill>
+                    <a:srgbClr val="193EB0"/>
+                  </a:solidFill>
+                  <a:latin typeface="Arial"/>
+                  <a:ea typeface="Arial"/>
+                  <a:cs typeface="Arial"/>
+                </a:rPr>
+                <a:t> la </a:t>
+              </a:r>
+              <a:r>
+                <a:rPr lang="en-US" sz="1400" dirty="0" err="1">
+                  <a:solidFill>
+                    <a:srgbClr val="193EB0"/>
+                  </a:solidFill>
+                  <a:latin typeface="Arial"/>
+                  <a:ea typeface="Arial"/>
+                  <a:cs typeface="Arial"/>
+                </a:rPr>
+                <a:t>neumonía</a:t>
+              </a:r>
+              <a:endParaRPr dirty="0"/>
             </a:p>
           </p:txBody>
         </p:sp>
@@ -8348,9 +11767,9 @@
         <p:grpSpPr bwMode="auto">
           <a:xfrm>
             <a:off x="464715" y="4301433"/>
-            <a:ext cx="4409790" cy="843842"/>
+            <a:ext cx="4409790" cy="632207"/>
             <a:chOff x="0" y="0"/>
-            <a:chExt cx="4409790" cy="843842"/>
+            <a:chExt cx="4409790" cy="632207"/>
           </a:xfrm>
         </p:grpSpPr>
         <p:sp>
@@ -8460,7 +11879,7 @@
           <p:spPr bwMode="auto">
             <a:xfrm>
               <a:off x="979494" y="416763"/>
-              <a:ext cx="3430296" cy="427079"/>
+              <a:ext cx="3430296" cy="215444"/>
             </a:xfrm>
             <a:prstGeom prst="rect">
               <a:avLst/>
@@ -8488,7 +11907,7 @@
                 <a:defRPr/>
               </a:pPr>
               <a:r>
-                <a:rPr lang="en-US" sz="1400">
+                <a:rPr lang="en-US" sz="1400" dirty="0">
                   <a:solidFill>
                     <a:srgbClr val="193EB0"/>
                   </a:solidFill>
@@ -8496,9 +11915,61 @@
                   <a:ea typeface="Arial"/>
                   <a:cs typeface="Arial"/>
                 </a:rPr>
-                <a:t>Usadas en el desarrollo del proyecto (Arquitectura)</a:t>
+                <a:t>Python, </a:t>
               </a:r>
-              <a:endParaRPr/>
+              <a:r>
+                <a:rPr lang="en-US" sz="1400" dirty="0" err="1">
+                  <a:solidFill>
+                    <a:srgbClr val="193EB0"/>
+                  </a:solidFill>
+                  <a:latin typeface="Arial"/>
+                  <a:ea typeface="Arial"/>
+                  <a:cs typeface="Arial"/>
+                </a:rPr>
+                <a:t>librerías</a:t>
+              </a:r>
+              <a:r>
+                <a:rPr lang="en-US" sz="1400" dirty="0">
+                  <a:solidFill>
+                    <a:srgbClr val="193EB0"/>
+                  </a:solidFill>
+                  <a:latin typeface="Arial"/>
+                  <a:ea typeface="Arial"/>
+                  <a:cs typeface="Arial"/>
+                </a:rPr>
+                <a:t> de Python</a:t>
+              </a:r>
+              <a:r>
+                <a:rPr lang="en-US" dirty="0">
+                  <a:solidFill>
+                    <a:srgbClr val="193EB0"/>
+                  </a:solidFill>
+                </a:rPr>
+                <a:t> y </a:t>
+              </a:r>
+              <a:r>
+                <a:rPr lang="en-US" sz="1400" dirty="0" err="1">
+                  <a:solidFill>
+                    <a:srgbClr val="193EB0"/>
+                  </a:solidFill>
+                  <a:latin typeface="Arial"/>
+                  <a:ea typeface="Arial"/>
+                  <a:cs typeface="Arial"/>
+                </a:rPr>
+                <a:t>tkinter</a:t>
+              </a:r>
+              <a:r>
+                <a:rPr lang="en-US" sz="1400" dirty="0">
+                  <a:solidFill>
+                    <a:srgbClr val="193EB0"/>
+                  </a:solidFill>
+                  <a:latin typeface="Arial"/>
+                  <a:ea typeface="Arial"/>
+                  <a:cs typeface="Arial"/>
+                </a:rPr>
+                <a:t>.</a:t>
+              </a:r>
+              <a:endParaRPr dirty="0"/>
             </a:p>
           </p:txBody>
         </p:sp>
@@ -8652,7 +12123,7 @@
                 <a:defRPr/>
               </a:pPr>
               <a:r>
-                <a:rPr lang="en-US" sz="1400">
+                <a:rPr lang="en-US" sz="1400" dirty="0" err="1">
                   <a:solidFill>
                     <a:srgbClr val="193EB0"/>
                   </a:solidFill>
@@ -8660,9 +12131,72 @@
                   <a:ea typeface="Arial"/>
                   <a:cs typeface="Arial"/>
                 </a:rPr>
-                <a:t>Mejoras respecto a otras personas</a:t>
+                <a:t>Mejoras</a:t>
               </a:r>
-              <a:endParaRPr/>
+              <a:r>
+                <a:rPr lang="en-US" sz="1400" dirty="0">
+                  <a:solidFill>
+                    <a:srgbClr val="193EB0"/>
+                  </a:solidFill>
+                  <a:latin typeface="Arial"/>
+                  <a:ea typeface="Arial"/>
+                  <a:cs typeface="Arial"/>
+                </a:rPr>
+                <a:t> </a:t>
+              </a:r>
+              <a:r>
+                <a:rPr lang="en-US" sz="1400" dirty="0" err="1">
+                  <a:solidFill>
+                    <a:srgbClr val="193EB0"/>
+                  </a:solidFill>
+                  <a:latin typeface="Arial"/>
+                  <a:ea typeface="Arial"/>
+                  <a:cs typeface="Arial"/>
+                </a:rPr>
+                <a:t>respecto</a:t>
+              </a:r>
+              <a:r>
+                <a:rPr lang="en-US" sz="1400" dirty="0">
+                  <a:solidFill>
+                    <a:srgbClr val="193EB0"/>
+                  </a:solidFill>
+                  <a:latin typeface="Arial"/>
+                  <a:ea typeface="Arial"/>
+                  <a:cs typeface="Arial"/>
+                </a:rPr>
+                <a:t> </a:t>
+              </a:r>
+              <a:r>
+                <a:rPr lang="en-US" dirty="0">
+                  <a:solidFill>
+                    <a:srgbClr val="193EB0"/>
+                  </a:solidFill>
+                </a:rPr>
+                <a:t>a </a:t>
+              </a:r>
+              <a:r>
+                <a:rPr lang="en-US" sz="1400" dirty="0" err="1">
+                  <a:solidFill>
+                    <a:srgbClr val="193EB0"/>
+                  </a:solidFill>
+                  <a:latin typeface="Arial"/>
+                  <a:ea typeface="Arial"/>
+                  <a:cs typeface="Arial"/>
+                </a:rPr>
+                <a:t>otras</a:t>
+              </a:r>
+              <a:r>
+                <a:rPr lang="en-US" sz="1400" dirty="0">
+                  <a:solidFill>
+                    <a:srgbClr val="193EB0"/>
+                  </a:solidFill>
+                  <a:latin typeface="Arial"/>
+                  <a:ea typeface="Arial"/>
+                  <a:cs typeface="Arial"/>
+                </a:rPr>
+                <a:t> personas</a:t>
+              </a:r>
+              <a:endParaRPr dirty="0"/>
             </a:p>
           </p:txBody>
         </p:sp>
@@ -9285,7 +12819,7 @@
                 <a:defRPr/>
               </a:pPr>
               <a:r>
-                <a:rPr lang="en-US" sz="1400">
+                <a:rPr lang="en-US" sz="1400" dirty="0">
                   <a:solidFill>
                     <a:srgbClr val="193EB0"/>
                   </a:solidFill>
@@ -9293,10 +12827,10 @@
                   <a:ea typeface="Arial"/>
                   <a:cs typeface="Arial"/>
                 </a:rPr>
-                <a:t>Breve explicación del resultado del proyecto, </a:t>
+                <a:t>Breve </a:t>
               </a:r>
               <a:r>
-                <a:rPr lang="en-US" sz="1400" b="1">
+                <a:rPr lang="en-US" sz="1400" dirty="0" err="1">
                   <a:solidFill>
                     <a:srgbClr val="193EB0"/>
                   </a:solidFill>
@@ -9304,9 +12838,108 @@
                   <a:ea typeface="Arial"/>
                   <a:cs typeface="Arial"/>
                 </a:rPr>
-                <a:t>en tiempo real</a:t>
+                <a:t>explicación</a:t>
               </a:r>
-              <a:endParaRPr lang="en-US" sz="1400">
+              <a:r>
+                <a:rPr lang="en-US" sz="1400" dirty="0">
+                  <a:solidFill>
+                    <a:srgbClr val="193EB0"/>
+                  </a:solidFill>
+                  <a:latin typeface="Arial"/>
+                  <a:ea typeface="Arial"/>
+                  <a:cs typeface="Arial"/>
+                </a:rPr>
+                <a:t> del </a:t>
+              </a:r>
+              <a:r>
+                <a:rPr lang="en-US" sz="1400" dirty="0" err="1">
+                  <a:solidFill>
+                    <a:srgbClr val="193EB0"/>
+                  </a:solidFill>
+                  <a:latin typeface="Arial"/>
+                  <a:ea typeface="Arial"/>
+                  <a:cs typeface="Arial"/>
+                </a:rPr>
+                <a:t>resultado</a:t>
+              </a:r>
+              <a:r>
+                <a:rPr lang="en-US" sz="1400" dirty="0">
+                  <a:solidFill>
+                    <a:srgbClr val="193EB0"/>
+                  </a:solidFill>
+                  <a:latin typeface="Arial"/>
+                  <a:ea typeface="Arial"/>
+                  <a:cs typeface="Arial"/>
+                </a:rPr>
+                <a:t> del </a:t>
+              </a:r>
+              <a:r>
+                <a:rPr lang="en-US" sz="1400" dirty="0" err="1">
+                  <a:solidFill>
+                    <a:srgbClr val="193EB0"/>
+                  </a:solidFill>
+                  <a:latin typeface="Arial"/>
+                  <a:ea typeface="Arial"/>
+                  <a:cs typeface="Arial"/>
+                </a:rPr>
+                <a:t>proyecto</a:t>
+              </a:r>
+              <a:r>
+                <a:rPr lang="en-US" sz="1400" dirty="0">
+                  <a:solidFill>
+                    <a:srgbClr val="193EB0"/>
+                  </a:solidFill>
+                  <a:latin typeface="Arial"/>
+                  <a:ea typeface="Arial"/>
+                  <a:cs typeface="Arial"/>
+                </a:rPr>
+                <a:t>, </a:t>
+              </a:r>
+              <a:r>
+                <a:rPr lang="en-US" sz="1400" b="1" dirty="0" err="1">
+                  <a:solidFill>
+                    <a:srgbClr val="193EB0"/>
+                  </a:solidFill>
+                  <a:latin typeface="Arial"/>
+                  <a:ea typeface="Arial"/>
+                  <a:cs typeface="Arial"/>
+                </a:rPr>
+                <a:t>en</a:t>
+              </a:r>
+              <a:r>
+                <a:rPr lang="en-US" sz="1400" b="1" dirty="0">
+                  <a:solidFill>
+                    <a:srgbClr val="193EB0"/>
+                  </a:solidFill>
+                  <a:latin typeface="Arial"/>
+                  <a:ea typeface="Arial"/>
+                  <a:cs typeface="Arial"/>
+                </a:rPr>
+                <a:t> </a:t>
+              </a:r>
+              <a:r>
+                <a:rPr lang="en-US" sz="1400" b="1" dirty="0" err="1">
+                  <a:solidFill>
+                    <a:srgbClr val="193EB0"/>
+                  </a:solidFill>
+                  <a:latin typeface="Arial"/>
+                  <a:ea typeface="Arial"/>
+                  <a:cs typeface="Arial"/>
+                </a:rPr>
+                <a:t>tiempo</a:t>
+              </a:r>
+              <a:r>
+                <a:rPr lang="en-US" sz="1400" b="1" dirty="0">
+                  <a:solidFill>
+                    <a:srgbClr val="193EB0"/>
+                  </a:solidFill>
+                  <a:latin typeface="Arial"/>
+                  <a:ea typeface="Arial"/>
+                  <a:cs typeface="Arial"/>
+                </a:rPr>
+                <a:t> real</a:t>
+              </a:r>
+              <a:endParaRPr lang="en-US" sz="1400" dirty="0">
                 <a:solidFill>
                   <a:srgbClr val="193EB0"/>
                 </a:solidFill>
@@ -9464,7 +13097,7 @@
                 <a:defRPr/>
               </a:pPr>
               <a:r>
-                <a:rPr lang="en-US" sz="1400">
+                <a:rPr lang="en-US" sz="1400" dirty="0">
                   <a:solidFill>
                     <a:srgbClr val="193EB0"/>
                   </a:solidFill>
@@ -9472,9 +13105,20 @@
                   <a:ea typeface="Arial"/>
                   <a:cs typeface="Arial"/>
                 </a:rPr>
-                <a:t>Presentación del equipo</a:t>
+                <a:t>Los </a:t>
               </a:r>
-              <a:endParaRPr/>
+              <a:r>
+                <a:rPr lang="en-US" sz="1400" dirty="0" err="1">
+                  <a:solidFill>
+                    <a:srgbClr val="193EB0"/>
+                  </a:solidFill>
+                  <a:latin typeface="Arial"/>
+                  <a:ea typeface="Arial"/>
+                  <a:cs typeface="Arial"/>
+                </a:rPr>
+                <a:t>Autómatas</a:t>
+              </a:r>
+              <a:endParaRPr dirty="0"/>
             </a:p>
           </p:txBody>
         </p:sp>
@@ -9588,7 +13232,13 @@
   <p:cSld>
     <p:spTree>
       <p:nvGrpSpPr>
-        <p:cNvPr id="1" name=""/>
+        <p:cNvPr id="1" name="">
+          <a:extLst>
+            <a:ext uri="{FF2B5EF4-FFF2-40B4-BE49-F238E27FC236}">
+              <a16:creationId xmlns:a16="http://schemas.microsoft.com/office/drawing/2014/main" id="{8E7EF825-0A56-019E-12EC-848AFB47AA46}"/>
+            </a:ext>
+          </a:extLst>
+        </p:cNvPr>
         <p:cNvGrpSpPr/>
         <p:nvPr/>
       </p:nvGrpSpPr>
@@ -9600,7 +13250,1910 @@
           <a:chExt cx="0" cy="0"/>
         </a:xfrm>
       </p:grpSpPr>
+      <p:sp>
+        <p:nvSpPr>
+          <p:cNvPr id="418679249" name="Google Shape;68;p3">
+            <a:extLst>
+              <a:ext uri="{FF2B5EF4-FFF2-40B4-BE49-F238E27FC236}">
+                <a16:creationId xmlns:a16="http://schemas.microsoft.com/office/drawing/2014/main" id="{624CAD8B-E78F-170D-08AD-0720DB0F584F}"/>
+              </a:ext>
+            </a:extLst>
+          </p:cNvPr>
+          <p:cNvSpPr/>
+          <p:nvPr/>
+        </p:nvSpPr>
+        <p:spPr bwMode="auto">
+          <a:xfrm>
+            <a:off x="528795" y="372007"/>
+            <a:ext cx="4655039" cy="427078"/>
+          </a:xfrm>
+          <a:prstGeom prst="rect">
+            <a:avLst/>
+          </a:prstGeom>
+          <a:noFill/>
+          <a:ln>
+            <a:noFill/>
+          </a:ln>
+        </p:spPr>
+        <p:txBody>
+          <a:bodyPr spcFirstLastPara="1" wrap="square" lIns="0" tIns="0" rIns="0" bIns="0" anchor="t" anchorCtr="0">
+            <a:spAutoFit/>
+          </a:bodyPr>
+          <a:lstStyle/>
+          <a:p>
+            <a:pPr marL="0" marR="0" lvl="0" indent="0" algn="l">
+              <a:spcBef>
+                <a:spcPts val="0"/>
+              </a:spcBef>
+              <a:spcAft>
+                <a:spcPts val="0"/>
+              </a:spcAft>
+              <a:buNone/>
+              <a:defRPr/>
+            </a:pPr>
+            <a:r>
+              <a:rPr lang="en-US" sz="2800" dirty="0">
+                <a:solidFill>
+                  <a:schemeClr val="lt1"/>
+                </a:solidFill>
+                <a:latin typeface="Arial"/>
+                <a:ea typeface="Arial"/>
+                <a:cs typeface="Arial"/>
+              </a:rPr>
+              <a:t>TEAM</a:t>
+            </a:r>
+            <a:endParaRPr dirty="0"/>
+          </a:p>
+        </p:txBody>
+      </p:sp>
+      <p:grpSp>
+        <p:nvGrpSpPr>
+          <p:cNvPr id="2102747445" name="Google Shape;69;p3">
+            <a:extLst>
+              <a:ext uri="{FF2B5EF4-FFF2-40B4-BE49-F238E27FC236}">
+                <a16:creationId xmlns:a16="http://schemas.microsoft.com/office/drawing/2014/main" id="{CC17B379-365C-A15D-1EEE-75386085D43C}"/>
+              </a:ext>
+            </a:extLst>
+          </p:cNvPr>
+          <p:cNvGrpSpPr/>
+          <p:nvPr/>
+        </p:nvGrpSpPr>
+        <p:grpSpPr bwMode="auto">
+          <a:xfrm>
+            <a:off x="508010" y="1635727"/>
+            <a:ext cx="4387470" cy="861774"/>
+            <a:chOff x="0" y="-46166"/>
+            <a:chExt cx="4387470" cy="861774"/>
+          </a:xfrm>
+        </p:grpSpPr>
+        <p:sp>
+          <p:nvSpPr>
+            <p:cNvPr id="502921814" name="Google Shape;70;p3">
+              <a:extLst>
+                <a:ext uri="{FF2B5EF4-FFF2-40B4-BE49-F238E27FC236}">
+                  <a16:creationId xmlns:a16="http://schemas.microsoft.com/office/drawing/2014/main" id="{87C0E0FC-0DF1-4E5F-4440-B403468B3B37}"/>
+                </a:ext>
+              </a:extLst>
+            </p:cNvPr>
+            <p:cNvSpPr/>
+            <p:nvPr/>
+          </p:nvSpPr>
+          <p:spPr bwMode="auto">
+            <a:xfrm>
+              <a:off x="182877" y="-46166"/>
+              <a:ext cx="4204593" cy="861774"/>
+            </a:xfrm>
+            <a:prstGeom prst="rect">
+              <a:avLst/>
+            </a:prstGeom>
+            <a:noFill/>
+            <a:ln>
+              <a:noFill/>
+            </a:ln>
+          </p:spPr>
+          <p:txBody>
+            <a:bodyPr spcFirstLastPara="1" wrap="square" lIns="0" tIns="0" rIns="0" bIns="0" anchor="ctr" anchorCtr="0">
+              <a:spAutoFit/>
+            </a:bodyPr>
+            <a:lstStyle/>
+            <a:p>
+              <a:pPr marL="0" marR="0" lvl="0" indent="0" algn="l">
+                <a:spcBef>
+                  <a:spcPts val="0"/>
+                </a:spcBef>
+                <a:spcAft>
+                  <a:spcPts val="0"/>
+                </a:spcAft>
+                <a:buNone/>
+                <a:defRPr/>
+              </a:pPr>
+              <a:r>
+                <a:rPr lang="en-US" sz="2400" dirty="0" err="1">
+                  <a:solidFill>
+                    <a:schemeClr val="tx1"/>
+                  </a:solidFill>
+                </a:rPr>
+                <a:t>Integrantes</a:t>
+              </a:r>
+              <a:r>
+                <a:rPr lang="en-US" sz="2400" dirty="0">
+                  <a:solidFill>
+                    <a:schemeClr val="tx1"/>
+                  </a:solidFill>
+                </a:rPr>
+                <a:t>:</a:t>
+              </a:r>
+            </a:p>
+            <a:p>
+              <a:pPr marL="0" marR="0" lvl="0" indent="0" algn="l">
+                <a:spcBef>
+                  <a:spcPts val="0"/>
+                </a:spcBef>
+                <a:spcAft>
+                  <a:spcPts val="0"/>
+                </a:spcAft>
+                <a:buNone/>
+                <a:defRPr/>
+              </a:pPr>
+              <a:endParaRPr lang="en-US" sz="1800" dirty="0">
+                <a:solidFill>
+                  <a:srgbClr val="3F3F3F"/>
+                </a:solidFill>
+              </a:endParaRPr>
+            </a:p>
+            <a:p>
+              <a:pPr marL="0" marR="0" lvl="0" indent="0" algn="l">
+                <a:spcBef>
+                  <a:spcPts val="0"/>
+                </a:spcBef>
+                <a:spcAft>
+                  <a:spcPts val="0"/>
+                </a:spcAft>
+                <a:buNone/>
+                <a:defRPr/>
+              </a:pPr>
+              <a:endParaRPr dirty="0"/>
+            </a:p>
+          </p:txBody>
+        </p:sp>
+        <p:sp>
+          <p:nvSpPr>
+            <p:cNvPr id="254073267" name="Google Shape;71;p3">
+              <a:extLst>
+                <a:ext uri="{FF2B5EF4-FFF2-40B4-BE49-F238E27FC236}">
+                  <a16:creationId xmlns:a16="http://schemas.microsoft.com/office/drawing/2014/main" id="{4F2D4C6F-4E1C-904E-F7A0-3F6FBBDED62D}"/>
+                </a:ext>
+              </a:extLst>
+            </p:cNvPr>
+            <p:cNvSpPr/>
+            <p:nvPr/>
+          </p:nvSpPr>
+          <p:spPr bwMode="auto">
+            <a:xfrm>
+              <a:off x="0" y="0"/>
+              <a:ext cx="36000" cy="252000"/>
+            </a:xfrm>
+            <a:prstGeom prst="rect">
+              <a:avLst/>
+            </a:prstGeom>
+            <a:solidFill>
+              <a:srgbClr val="193EB0"/>
+            </a:solidFill>
+            <a:ln>
+              <a:noFill/>
+            </a:ln>
+          </p:spPr>
+          <p:txBody>
+            <a:bodyPr spcFirstLastPara="1" wrap="square" lIns="91422" tIns="45698" rIns="91422" bIns="45698" anchor="ctr" anchorCtr="0">
+              <a:noAutofit/>
+            </a:bodyPr>
+            <a:lstStyle/>
+            <a:p>
+              <a:pPr marL="0" marR="0" lvl="0" indent="0" algn="ctr">
+                <a:spcBef>
+                  <a:spcPts val="0"/>
+                </a:spcBef>
+                <a:spcAft>
+                  <a:spcPts val="0"/>
+                </a:spcAft>
+                <a:buNone/>
+                <a:defRPr/>
+              </a:pPr>
+              <a:endParaRPr sz="2800">
+                <a:solidFill>
+                  <a:schemeClr val="lt1"/>
+                </a:solidFill>
+                <a:latin typeface="Calibri"/>
+                <a:ea typeface="Calibri"/>
+                <a:cs typeface="Calibri"/>
+              </a:endParaRPr>
+            </a:p>
+          </p:txBody>
+        </p:sp>
+      </p:grpSp>
+      <p:sp>
+        <p:nvSpPr>
+          <p:cNvPr id="2" name="TextBox 1">
+            <a:extLst>
+              <a:ext uri="{FF2B5EF4-FFF2-40B4-BE49-F238E27FC236}">
+                <a16:creationId xmlns:a16="http://schemas.microsoft.com/office/drawing/2014/main" id="{5947E8B0-FC92-B778-34F2-8A1A73146801}"/>
+              </a:ext>
+            </a:extLst>
+          </p:cNvPr>
+          <p:cNvSpPr txBox="1"/>
+          <p:nvPr/>
+        </p:nvSpPr>
+        <p:spPr>
+          <a:xfrm>
+            <a:off x="690887" y="2667729"/>
+            <a:ext cx="8426219" cy="1692771"/>
+          </a:xfrm>
+          <a:prstGeom prst="rect">
+            <a:avLst/>
+          </a:prstGeom>
+          <a:noFill/>
+        </p:spPr>
+        <p:txBody>
+          <a:bodyPr wrap="square" rtlCol="0">
+            <a:spAutoFit/>
+          </a:bodyPr>
+          <a:lstStyle/>
+          <a:p>
+            <a:pPr marL="285750" indent="-285750" algn="just">
+              <a:buFont typeface="Arial" panose="020B0604020202020204" pitchFamily="34" charset="0"/>
+              <a:buChar char="•"/>
+            </a:pPr>
+            <a:r>
+              <a:rPr lang="en-US" sz="1800" dirty="0"/>
+              <a:t>José Fernando Aguilar Sandoval</a:t>
+            </a:r>
+          </a:p>
+          <a:p>
+            <a:pPr marL="285750" indent="-285750" algn="just">
+              <a:buFont typeface="Arial" panose="020B0604020202020204" pitchFamily="34" charset="0"/>
+              <a:buChar char="•"/>
+            </a:pPr>
+            <a:r>
+              <a:rPr lang="en-US" sz="1800" dirty="0"/>
+              <a:t>Luis Enrique Izquierdo Ochoa</a:t>
+            </a:r>
+          </a:p>
+          <a:p>
+            <a:pPr marL="285750" indent="-285750" algn="just">
+              <a:buFont typeface="Arial" panose="020B0604020202020204" pitchFamily="34" charset="0"/>
+              <a:buChar char="•"/>
+            </a:pPr>
+            <a:r>
+              <a:rPr lang="en-US" sz="1800" dirty="0"/>
+              <a:t>Josué Samuel de la Cruz Medina</a:t>
+            </a:r>
+          </a:p>
+          <a:p>
+            <a:pPr marL="285750" indent="-285750" algn="just">
+              <a:buFont typeface="Arial" panose="020B0604020202020204" pitchFamily="34" charset="0"/>
+              <a:buChar char="•"/>
+            </a:pPr>
+            <a:r>
+              <a:rPr lang="en-US" sz="1800" dirty="0"/>
+              <a:t>Cristian Estuardo Méndez Gómez</a:t>
+            </a:r>
+          </a:p>
+          <a:p>
+            <a:pPr marL="285750" indent="-285750" algn="just">
+              <a:buFont typeface="Arial" panose="020B0604020202020204" pitchFamily="34" charset="0"/>
+              <a:buChar char="•"/>
+            </a:pPr>
+            <a:r>
+              <a:rPr lang="en-US" sz="1800" dirty="0"/>
+              <a:t>Jackeline Pamela Ruano Osorio</a:t>
+            </a:r>
+          </a:p>
+          <a:p>
+            <a:endParaRPr lang="en-US" dirty="0"/>
+          </a:p>
+        </p:txBody>
+      </p:sp>
     </p:spTree>
+    <p:extLst>
+      <p:ext uri="{BB962C8B-B14F-4D97-AF65-F5344CB8AC3E}">
+        <p14:creationId xmlns:p14="http://schemas.microsoft.com/office/powerpoint/2010/main" val="3933266572"/>
+      </p:ext>
+    </p:extLst>
+  </p:cSld>
+  <p:clrMapOvr>
+    <a:masterClrMapping/>
+  </p:clrMapOvr>
+</p:sld>
+</file>
+
+<file path=ppt/slides/slide5.xml><?xml version="1.0" encoding="utf-8"?>
+<p:sld xmlns:a="http://schemas.openxmlformats.org/drawingml/2006/main" xmlns:r="http://schemas.openxmlformats.org/officeDocument/2006/relationships" xmlns:p="http://schemas.openxmlformats.org/presentationml/2006/main" showMasterPhAnim="0">
+  <p:cSld>
+    <p:spTree>
+      <p:nvGrpSpPr>
+        <p:cNvPr id="1" name="">
+          <a:extLst>
+            <a:ext uri="{FF2B5EF4-FFF2-40B4-BE49-F238E27FC236}">
+              <a16:creationId xmlns:a16="http://schemas.microsoft.com/office/drawing/2014/main" id="{3B116F2E-F707-7CA6-E93B-3F65CA3E9F93}"/>
+            </a:ext>
+          </a:extLst>
+        </p:cNvPr>
+        <p:cNvGrpSpPr/>
+        <p:nvPr/>
+      </p:nvGrpSpPr>
+      <p:grpSpPr bwMode="auto">
+        <a:xfrm>
+          <a:off x="0" y="0"/>
+          <a:ext cx="0" cy="0"/>
+          <a:chOff x="0" y="0"/>
+          <a:chExt cx="0" cy="0"/>
+        </a:xfrm>
+      </p:grpSpPr>
+      <p:sp>
+        <p:nvSpPr>
+          <p:cNvPr id="418679249" name="Google Shape;68;p3">
+            <a:extLst>
+              <a:ext uri="{FF2B5EF4-FFF2-40B4-BE49-F238E27FC236}">
+                <a16:creationId xmlns:a16="http://schemas.microsoft.com/office/drawing/2014/main" id="{C5A22EA0-9CBC-A4F5-F691-FECBB52C1E02}"/>
+              </a:ext>
+            </a:extLst>
+          </p:cNvPr>
+          <p:cNvSpPr/>
+          <p:nvPr/>
+        </p:nvSpPr>
+        <p:spPr bwMode="auto">
+          <a:xfrm>
+            <a:off x="528795" y="372007"/>
+            <a:ext cx="4655039" cy="427078"/>
+          </a:xfrm>
+          <a:prstGeom prst="rect">
+            <a:avLst/>
+          </a:prstGeom>
+          <a:noFill/>
+          <a:ln>
+            <a:noFill/>
+          </a:ln>
+        </p:spPr>
+        <p:txBody>
+          <a:bodyPr spcFirstLastPara="1" wrap="square" lIns="0" tIns="0" rIns="0" bIns="0" anchor="t" anchorCtr="0">
+            <a:spAutoFit/>
+          </a:bodyPr>
+          <a:lstStyle/>
+          <a:p>
+            <a:pPr marL="0" marR="0" lvl="0" indent="0" algn="l">
+              <a:spcBef>
+                <a:spcPts val="0"/>
+              </a:spcBef>
+              <a:spcAft>
+                <a:spcPts val="0"/>
+              </a:spcAft>
+              <a:buNone/>
+              <a:defRPr/>
+            </a:pPr>
+            <a:r>
+              <a:rPr lang="en-US" sz="2800" dirty="0" err="1">
+                <a:solidFill>
+                  <a:schemeClr val="bg1"/>
+                </a:solidFill>
+              </a:rPr>
+              <a:t>Planteamiento</a:t>
+            </a:r>
+            <a:endParaRPr lang="en-US" dirty="0">
+              <a:solidFill>
+                <a:schemeClr val="bg1"/>
+              </a:solidFill>
+            </a:endParaRPr>
+          </a:p>
+        </p:txBody>
+      </p:sp>
+      <p:sp>
+        <p:nvSpPr>
+          <p:cNvPr id="502921814" name="Google Shape;70;p3">
+            <a:extLst>
+              <a:ext uri="{FF2B5EF4-FFF2-40B4-BE49-F238E27FC236}">
+                <a16:creationId xmlns:a16="http://schemas.microsoft.com/office/drawing/2014/main" id="{9BC359D6-6837-B13E-A277-4A125EB7516E}"/>
+              </a:ext>
+            </a:extLst>
+          </p:cNvPr>
+          <p:cNvSpPr/>
+          <p:nvPr/>
+        </p:nvSpPr>
+        <p:spPr bwMode="auto">
+          <a:xfrm>
+            <a:off x="528795" y="1659285"/>
+            <a:ext cx="4621931" cy="3539429"/>
+          </a:xfrm>
+          <a:prstGeom prst="rect">
+            <a:avLst/>
+          </a:prstGeom>
+          <a:noFill/>
+          <a:ln>
+            <a:noFill/>
+          </a:ln>
+        </p:spPr>
+        <p:txBody>
+          <a:bodyPr spcFirstLastPara="1" wrap="square" lIns="0" tIns="0" rIns="0" bIns="0" anchor="ctr" anchorCtr="0">
+            <a:spAutoFit/>
+          </a:bodyPr>
+          <a:lstStyle/>
+          <a:p>
+            <a:pPr marL="0" marR="0" lvl="0" indent="0" algn="just">
+              <a:spcBef>
+                <a:spcPts val="0"/>
+              </a:spcBef>
+              <a:spcAft>
+                <a:spcPts val="0"/>
+              </a:spcAft>
+              <a:buNone/>
+              <a:defRPr/>
+            </a:pPr>
+            <a:r>
+              <a:rPr lang="es-ES" sz="1800" dirty="0"/>
+              <a:t>En un mundo donde la salud es prioridad, el diagnóstico rápido y preciso de enfermedades como la neumonía puede marcar la diferencia entre la vida y la muerte. Cada año, millones de personas son afectadas por esta enfermedad, y muchos casos no son detectados a tiempo debido a la falta de recursos o herramientas eficientes. ¿Qué pasaría si existiera una solución tecnológica capaz de identificar la neumonía de manera rápida, precisa y accesible? ¡Esa solución ya está aquí!</a:t>
+            </a:r>
+            <a:endParaRPr lang="en-US" sz="1800" dirty="0">
+              <a:solidFill>
+                <a:srgbClr val="3F3F3F"/>
+              </a:solidFill>
+            </a:endParaRPr>
+          </a:p>
+          <a:p>
+            <a:pPr marL="0" marR="0" lvl="0" indent="0" algn="l">
+              <a:spcBef>
+                <a:spcPts val="0"/>
+              </a:spcBef>
+              <a:spcAft>
+                <a:spcPts val="0"/>
+              </a:spcAft>
+              <a:buNone/>
+              <a:defRPr/>
+            </a:pPr>
+            <a:endParaRPr dirty="0"/>
+          </a:p>
+        </p:txBody>
+      </p:sp>
+      <p:pic>
+        <p:nvPicPr>
+          <p:cNvPr id="4" name="Picture 3" descr="A diagram of a person's body&#10;&#10;AI-generated content may be incorrect.">
+            <a:extLst>
+              <a:ext uri="{FF2B5EF4-FFF2-40B4-BE49-F238E27FC236}">
+                <a16:creationId xmlns:a16="http://schemas.microsoft.com/office/drawing/2014/main" id="{32B6EFB5-3D1E-9C10-3652-EEB2BE71EB03}"/>
+              </a:ext>
+            </a:extLst>
+          </p:cNvPr>
+          <p:cNvPicPr>
+            <a:picLocks noChangeAspect="1"/>
+          </p:cNvPicPr>
+          <p:nvPr/>
+        </p:nvPicPr>
+        <p:blipFill>
+          <a:blip r:embed="rId3"/>
+          <a:stretch>
+            <a:fillRect/>
+          </a:stretch>
+        </p:blipFill>
+        <p:spPr>
+          <a:xfrm>
+            <a:off x="5502069" y="1900518"/>
+            <a:ext cx="3821205" cy="3056964"/>
+          </a:xfrm>
+          <a:prstGeom prst="rect">
+            <a:avLst/>
+          </a:prstGeom>
+        </p:spPr>
+      </p:pic>
+    </p:spTree>
+    <p:extLst>
+      <p:ext uri="{BB962C8B-B14F-4D97-AF65-F5344CB8AC3E}">
+        <p14:creationId xmlns:p14="http://schemas.microsoft.com/office/powerpoint/2010/main" val="508562219"/>
+      </p:ext>
+    </p:extLst>
+  </p:cSld>
+  <p:clrMapOvr>
+    <a:masterClrMapping/>
+  </p:clrMapOvr>
+</p:sld>
+</file>
+
+<file path=ppt/slides/slide6.xml><?xml version="1.0" encoding="utf-8"?>
+<p:sld xmlns:a="http://schemas.openxmlformats.org/drawingml/2006/main" xmlns:r="http://schemas.openxmlformats.org/officeDocument/2006/relationships" xmlns:p="http://schemas.openxmlformats.org/presentationml/2006/main" showMasterPhAnim="0">
+  <p:cSld>
+    <p:spTree>
+      <p:nvGrpSpPr>
+        <p:cNvPr id="1" name="">
+          <a:extLst>
+            <a:ext uri="{FF2B5EF4-FFF2-40B4-BE49-F238E27FC236}">
+              <a16:creationId xmlns:a16="http://schemas.microsoft.com/office/drawing/2014/main" id="{9D225829-FC98-67DD-D8E9-AF64A42CC5A2}"/>
+            </a:ext>
+          </a:extLst>
+        </p:cNvPr>
+        <p:cNvGrpSpPr/>
+        <p:nvPr/>
+      </p:nvGrpSpPr>
+      <p:grpSpPr bwMode="auto">
+        <a:xfrm>
+          <a:off x="0" y="0"/>
+          <a:ext cx="0" cy="0"/>
+          <a:chOff x="0" y="0"/>
+          <a:chExt cx="0" cy="0"/>
+        </a:xfrm>
+      </p:grpSpPr>
+      <p:sp>
+        <p:nvSpPr>
+          <p:cNvPr id="418679249" name="Google Shape;68;p3">
+            <a:extLst>
+              <a:ext uri="{FF2B5EF4-FFF2-40B4-BE49-F238E27FC236}">
+                <a16:creationId xmlns:a16="http://schemas.microsoft.com/office/drawing/2014/main" id="{62819238-5551-072C-A85B-CE268C9FFC3C}"/>
+              </a:ext>
+            </a:extLst>
+          </p:cNvPr>
+          <p:cNvSpPr/>
+          <p:nvPr/>
+        </p:nvSpPr>
+        <p:spPr bwMode="auto">
+          <a:xfrm>
+            <a:off x="528795" y="372007"/>
+            <a:ext cx="4655039" cy="427078"/>
+          </a:xfrm>
+          <a:prstGeom prst="rect">
+            <a:avLst/>
+          </a:prstGeom>
+          <a:noFill/>
+          <a:ln>
+            <a:noFill/>
+          </a:ln>
+        </p:spPr>
+        <p:txBody>
+          <a:bodyPr spcFirstLastPara="1" wrap="square" lIns="0" tIns="0" rIns="0" bIns="0" anchor="t" anchorCtr="0">
+            <a:spAutoFit/>
+          </a:bodyPr>
+          <a:lstStyle/>
+          <a:p>
+            <a:pPr marL="0" marR="0" lvl="0" indent="0" algn="l">
+              <a:spcBef>
+                <a:spcPts val="0"/>
+              </a:spcBef>
+              <a:spcAft>
+                <a:spcPts val="0"/>
+              </a:spcAft>
+              <a:buNone/>
+              <a:defRPr/>
+            </a:pPr>
+            <a:r>
+              <a:rPr lang="en-US" sz="2800" dirty="0" err="1">
+                <a:solidFill>
+                  <a:schemeClr val="bg1"/>
+                </a:solidFill>
+              </a:rPr>
+              <a:t>Objetivos</a:t>
+            </a:r>
+            <a:endParaRPr lang="en-US" dirty="0">
+              <a:solidFill>
+                <a:schemeClr val="bg1"/>
+              </a:solidFill>
+            </a:endParaRPr>
+          </a:p>
+        </p:txBody>
+      </p:sp>
+      <p:grpSp>
+        <p:nvGrpSpPr>
+          <p:cNvPr id="2102747445" name="Google Shape;69;p3">
+            <a:extLst>
+              <a:ext uri="{FF2B5EF4-FFF2-40B4-BE49-F238E27FC236}">
+                <a16:creationId xmlns:a16="http://schemas.microsoft.com/office/drawing/2014/main" id="{CBDD0FB2-2F3F-E90E-A033-35370E3C023F}"/>
+              </a:ext>
+            </a:extLst>
+          </p:cNvPr>
+          <p:cNvGrpSpPr/>
+          <p:nvPr/>
+        </p:nvGrpSpPr>
+        <p:grpSpPr bwMode="auto">
+          <a:xfrm>
+            <a:off x="528795" y="1446273"/>
+            <a:ext cx="7594602" cy="3890940"/>
+            <a:chOff x="0" y="0"/>
+            <a:chExt cx="5431455" cy="3696666"/>
+          </a:xfrm>
+        </p:grpSpPr>
+        <p:sp>
+          <p:nvSpPr>
+            <p:cNvPr id="502921814" name="Google Shape;70;p3">
+              <a:extLst>
+                <a:ext uri="{FF2B5EF4-FFF2-40B4-BE49-F238E27FC236}">
+                  <a16:creationId xmlns:a16="http://schemas.microsoft.com/office/drawing/2014/main" id="{78EB5597-1C5B-8C11-4315-7C581A894475}"/>
+                </a:ext>
+              </a:extLst>
+            </p:cNvPr>
+            <p:cNvSpPr/>
+            <p:nvPr/>
+          </p:nvSpPr>
+          <p:spPr bwMode="auto">
+            <a:xfrm>
+              <a:off x="448880" y="70791"/>
+              <a:ext cx="4982575" cy="3625875"/>
+            </a:xfrm>
+            <a:prstGeom prst="rect">
+              <a:avLst/>
+            </a:prstGeom>
+            <a:noFill/>
+            <a:ln>
+              <a:noFill/>
+            </a:ln>
+          </p:spPr>
+          <p:txBody>
+            <a:bodyPr spcFirstLastPara="1" wrap="square" lIns="0" tIns="0" rIns="0" bIns="0" anchor="ctr" anchorCtr="0">
+              <a:spAutoFit/>
+            </a:bodyPr>
+            <a:lstStyle/>
+            <a:p>
+              <a:pPr marL="0" marR="0" lvl="0" indent="0" algn="just">
+                <a:spcBef>
+                  <a:spcPts val="0"/>
+                </a:spcBef>
+                <a:spcAft>
+                  <a:spcPts val="0"/>
+                </a:spcAft>
+                <a:buNone/>
+                <a:defRPr/>
+              </a:pPr>
+              <a:r>
+                <a:rPr lang="es-ES" sz="2400" dirty="0"/>
+                <a:t>Nuestro Sistema de Reconocimiento de Neumonía tiene como objetivo principal: </a:t>
+              </a:r>
+            </a:p>
+            <a:p>
+              <a:pPr marL="342900" marR="0" lvl="0" indent="-342900" algn="just">
+                <a:spcBef>
+                  <a:spcPts val="0"/>
+                </a:spcBef>
+                <a:spcAft>
+                  <a:spcPts val="0"/>
+                </a:spcAft>
+                <a:buFont typeface="Arial" panose="020B0604020202020204" pitchFamily="34" charset="0"/>
+                <a:buChar char="•"/>
+                <a:defRPr/>
+              </a:pPr>
+              <a:r>
+                <a:rPr lang="es-ES" sz="2000" dirty="0"/>
+                <a:t>Automatizar el diagnóstico de neumonía a través de imágenes radiológicas, reduciendo el tiempo de espera y los errores humanos. </a:t>
+              </a:r>
+            </a:p>
+            <a:p>
+              <a:pPr marR="0" lvl="0" algn="just">
+                <a:spcBef>
+                  <a:spcPts val="0"/>
+                </a:spcBef>
+                <a:spcAft>
+                  <a:spcPts val="0"/>
+                </a:spcAft>
+                <a:defRPr/>
+              </a:pPr>
+              <a:endParaRPr lang="es-ES" sz="2000" dirty="0"/>
+            </a:p>
+            <a:p>
+              <a:pPr marL="342900" marR="0" lvl="0" indent="-342900" algn="just">
+                <a:spcBef>
+                  <a:spcPts val="0"/>
+                </a:spcBef>
+                <a:spcAft>
+                  <a:spcPts val="0"/>
+                </a:spcAft>
+                <a:buFont typeface="Arial" panose="020B0604020202020204" pitchFamily="34" charset="0"/>
+                <a:buChar char="•"/>
+                <a:defRPr/>
+              </a:pPr>
+              <a:r>
+                <a:rPr lang="es-ES" sz="2000" dirty="0"/>
+                <a:t>Facilitar el acceso a diagnósticos precisos en zonas remotas o con escasos recursos médicos.</a:t>
+              </a:r>
+            </a:p>
+            <a:p>
+              <a:pPr marL="342900" marR="0" lvl="0" indent="-342900" algn="just">
+                <a:spcBef>
+                  <a:spcPts val="0"/>
+                </a:spcBef>
+                <a:spcAft>
+                  <a:spcPts val="0"/>
+                </a:spcAft>
+                <a:buFont typeface="Arial" panose="020B0604020202020204" pitchFamily="34" charset="0"/>
+                <a:buChar char="•"/>
+                <a:defRPr/>
+              </a:pPr>
+              <a:endParaRPr lang="es-ES" sz="2000" dirty="0"/>
+            </a:p>
+            <a:p>
+              <a:pPr marL="342900" marR="0" lvl="0" indent="-342900" algn="just">
+                <a:spcBef>
+                  <a:spcPts val="0"/>
+                </a:spcBef>
+                <a:spcAft>
+                  <a:spcPts val="0"/>
+                </a:spcAft>
+                <a:buFont typeface="Arial" panose="020B0604020202020204" pitchFamily="34" charset="0"/>
+                <a:buChar char="•"/>
+                <a:defRPr/>
+              </a:pPr>
+              <a:r>
+                <a:rPr lang="es-ES" sz="2000" dirty="0"/>
+                <a:t>Optimizar el trabajo de los profesionales de la salud, permitiéndoles enfocarse en el tratamiento y cuidado del paciente.</a:t>
+              </a:r>
+              <a:endParaRPr sz="1200" dirty="0"/>
+            </a:p>
+          </p:txBody>
+        </p:sp>
+        <p:sp>
+          <p:nvSpPr>
+            <p:cNvPr id="254073267" name="Google Shape;71;p3">
+              <a:extLst>
+                <a:ext uri="{FF2B5EF4-FFF2-40B4-BE49-F238E27FC236}">
+                  <a16:creationId xmlns:a16="http://schemas.microsoft.com/office/drawing/2014/main" id="{DFA50C12-5AFF-49C5-7566-4C646C235676}"/>
+                </a:ext>
+              </a:extLst>
+            </p:cNvPr>
+            <p:cNvSpPr/>
+            <p:nvPr/>
+          </p:nvSpPr>
+          <p:spPr bwMode="auto">
+            <a:xfrm>
+              <a:off x="0" y="0"/>
+              <a:ext cx="32697" cy="273998"/>
+            </a:xfrm>
+            <a:prstGeom prst="rect">
+              <a:avLst/>
+            </a:prstGeom>
+            <a:solidFill>
+              <a:srgbClr val="193EB0"/>
+            </a:solidFill>
+            <a:ln>
+              <a:noFill/>
+            </a:ln>
+          </p:spPr>
+          <p:txBody>
+            <a:bodyPr spcFirstLastPara="1" wrap="square" lIns="91422" tIns="45698" rIns="91422" bIns="45698" anchor="ctr" anchorCtr="0">
+              <a:noAutofit/>
+            </a:bodyPr>
+            <a:lstStyle/>
+            <a:p>
+              <a:pPr marL="0" marR="0" lvl="0" indent="0" algn="ctr">
+                <a:spcBef>
+                  <a:spcPts val="0"/>
+                </a:spcBef>
+                <a:spcAft>
+                  <a:spcPts val="0"/>
+                </a:spcAft>
+                <a:buNone/>
+                <a:defRPr/>
+              </a:pPr>
+              <a:endParaRPr sz="2800">
+                <a:solidFill>
+                  <a:schemeClr val="lt1"/>
+                </a:solidFill>
+                <a:latin typeface="Calibri"/>
+                <a:ea typeface="Calibri"/>
+                <a:cs typeface="Calibri"/>
+              </a:endParaRPr>
+            </a:p>
+          </p:txBody>
+        </p:sp>
+      </p:grpSp>
+    </p:spTree>
+    <p:extLst>
+      <p:ext uri="{BB962C8B-B14F-4D97-AF65-F5344CB8AC3E}">
+        <p14:creationId xmlns:p14="http://schemas.microsoft.com/office/powerpoint/2010/main" val="2317535916"/>
+      </p:ext>
+    </p:extLst>
+  </p:cSld>
+  <p:clrMapOvr>
+    <a:masterClrMapping/>
+  </p:clrMapOvr>
+</p:sld>
+</file>
+
+<file path=ppt/slides/slide7.xml><?xml version="1.0" encoding="utf-8"?>
+<p:sld xmlns:a="http://schemas.openxmlformats.org/drawingml/2006/main" xmlns:r="http://schemas.openxmlformats.org/officeDocument/2006/relationships" xmlns:p="http://schemas.openxmlformats.org/presentationml/2006/main" showMasterPhAnim="0">
+  <p:cSld>
+    <p:spTree>
+      <p:nvGrpSpPr>
+        <p:cNvPr id="1" name="">
+          <a:extLst>
+            <a:ext uri="{FF2B5EF4-FFF2-40B4-BE49-F238E27FC236}">
+              <a16:creationId xmlns:a16="http://schemas.microsoft.com/office/drawing/2014/main" id="{72D081AF-3EC5-2B18-3E5E-C83B0A611F48}"/>
+            </a:ext>
+          </a:extLst>
+        </p:cNvPr>
+        <p:cNvGrpSpPr/>
+        <p:nvPr/>
+      </p:nvGrpSpPr>
+      <p:grpSpPr bwMode="auto">
+        <a:xfrm>
+          <a:off x="0" y="0"/>
+          <a:ext cx="0" cy="0"/>
+          <a:chOff x="0" y="0"/>
+          <a:chExt cx="0" cy="0"/>
+        </a:xfrm>
+      </p:grpSpPr>
+      <p:sp>
+        <p:nvSpPr>
+          <p:cNvPr id="418679249" name="Google Shape;68;p3">
+            <a:extLst>
+              <a:ext uri="{FF2B5EF4-FFF2-40B4-BE49-F238E27FC236}">
+                <a16:creationId xmlns:a16="http://schemas.microsoft.com/office/drawing/2014/main" id="{B47D661E-9700-CCFC-B6B6-B6B4537B5DF0}"/>
+              </a:ext>
+            </a:extLst>
+          </p:cNvPr>
+          <p:cNvSpPr/>
+          <p:nvPr/>
+        </p:nvSpPr>
+        <p:spPr bwMode="auto">
+          <a:xfrm>
+            <a:off x="528795" y="372007"/>
+            <a:ext cx="4655039" cy="427078"/>
+          </a:xfrm>
+          <a:prstGeom prst="rect">
+            <a:avLst/>
+          </a:prstGeom>
+          <a:noFill/>
+          <a:ln>
+            <a:noFill/>
+          </a:ln>
+        </p:spPr>
+        <p:txBody>
+          <a:bodyPr spcFirstLastPara="1" wrap="square" lIns="0" tIns="0" rIns="0" bIns="0" anchor="t" anchorCtr="0">
+            <a:spAutoFit/>
+          </a:bodyPr>
+          <a:lstStyle/>
+          <a:p>
+            <a:pPr marL="0" marR="0" lvl="0" indent="0" algn="l">
+              <a:spcBef>
+                <a:spcPts val="0"/>
+              </a:spcBef>
+              <a:spcAft>
+                <a:spcPts val="0"/>
+              </a:spcAft>
+              <a:buNone/>
+              <a:defRPr/>
+            </a:pPr>
+            <a:r>
+              <a:rPr lang="en-US" sz="2800" dirty="0" err="1">
+                <a:solidFill>
+                  <a:schemeClr val="bg1"/>
+                </a:solidFill>
+              </a:rPr>
+              <a:t>Herramientas</a:t>
+            </a:r>
+            <a:endParaRPr lang="en-US" dirty="0">
+              <a:solidFill>
+                <a:schemeClr val="bg1"/>
+              </a:solidFill>
+            </a:endParaRPr>
+          </a:p>
+        </p:txBody>
+      </p:sp>
+      <p:grpSp>
+        <p:nvGrpSpPr>
+          <p:cNvPr id="2102747445" name="Google Shape;69;p3">
+            <a:extLst>
+              <a:ext uri="{FF2B5EF4-FFF2-40B4-BE49-F238E27FC236}">
+                <a16:creationId xmlns:a16="http://schemas.microsoft.com/office/drawing/2014/main" id="{1C603947-71DD-C11A-C558-56772E4493AB}"/>
+              </a:ext>
+            </a:extLst>
+          </p:cNvPr>
+          <p:cNvGrpSpPr/>
+          <p:nvPr/>
+        </p:nvGrpSpPr>
+        <p:grpSpPr bwMode="auto">
+          <a:xfrm>
+            <a:off x="528795" y="1446271"/>
+            <a:ext cx="7567708" cy="2893100"/>
+            <a:chOff x="0" y="-1"/>
+            <a:chExt cx="5412221" cy="2748648"/>
+          </a:xfrm>
+        </p:grpSpPr>
+        <p:sp>
+          <p:nvSpPr>
+            <p:cNvPr id="502921814" name="Google Shape;70;p3">
+              <a:extLst>
+                <a:ext uri="{FF2B5EF4-FFF2-40B4-BE49-F238E27FC236}">
+                  <a16:creationId xmlns:a16="http://schemas.microsoft.com/office/drawing/2014/main" id="{238A5D35-6361-0812-6A6D-F5DC36D2F576}"/>
+                </a:ext>
+              </a:extLst>
+            </p:cNvPr>
+            <p:cNvSpPr/>
+            <p:nvPr/>
+          </p:nvSpPr>
+          <p:spPr bwMode="auto">
+            <a:xfrm>
+              <a:off x="429646" y="-1"/>
+              <a:ext cx="4982575" cy="2748648"/>
+            </a:xfrm>
+            <a:prstGeom prst="rect">
+              <a:avLst/>
+            </a:prstGeom>
+            <a:noFill/>
+            <a:ln>
+              <a:noFill/>
+            </a:ln>
+          </p:spPr>
+          <p:txBody>
+            <a:bodyPr spcFirstLastPara="1" wrap="square" lIns="0" tIns="0" rIns="0" bIns="0" anchor="ctr" anchorCtr="0">
+              <a:spAutoFit/>
+            </a:bodyPr>
+            <a:lstStyle/>
+            <a:p>
+              <a:pPr marL="0" marR="0" lvl="0" indent="0" algn="just">
+                <a:spcBef>
+                  <a:spcPts val="0"/>
+                </a:spcBef>
+                <a:spcAft>
+                  <a:spcPts val="0"/>
+                </a:spcAft>
+                <a:buNone/>
+                <a:defRPr/>
+              </a:pPr>
+              <a:r>
+                <a:rPr lang="es-ES" sz="2400" dirty="0"/>
+                <a:t>Para el desarrollo de nuestro programa utilizamos:</a:t>
+              </a:r>
+            </a:p>
+            <a:p>
+              <a:pPr marL="0" marR="0" lvl="0" indent="0" algn="just">
+                <a:spcBef>
+                  <a:spcPts val="0"/>
+                </a:spcBef>
+                <a:spcAft>
+                  <a:spcPts val="0"/>
+                </a:spcAft>
+                <a:buNone/>
+                <a:defRPr/>
+              </a:pPr>
+              <a:endParaRPr lang="es-ES" sz="2400" dirty="0"/>
+            </a:p>
+            <a:p>
+              <a:pPr marL="342900" marR="0" lvl="0" indent="-342900" algn="just">
+                <a:spcBef>
+                  <a:spcPts val="0"/>
+                </a:spcBef>
+                <a:spcAft>
+                  <a:spcPts val="0"/>
+                </a:spcAft>
+                <a:buFont typeface="Arial" panose="020B0604020202020204" pitchFamily="34" charset="0"/>
+                <a:buChar char="•"/>
+                <a:defRPr/>
+              </a:pPr>
+              <a:r>
+                <a:rPr lang="es-ES" sz="2000" dirty="0"/>
+                <a:t>Python</a:t>
+              </a:r>
+            </a:p>
+            <a:p>
+              <a:pPr marL="342900" marR="0" lvl="0" indent="-342900" algn="just">
+                <a:spcBef>
+                  <a:spcPts val="0"/>
+                </a:spcBef>
+                <a:spcAft>
+                  <a:spcPts val="0"/>
+                </a:spcAft>
+                <a:buFont typeface="Arial" panose="020B0604020202020204" pitchFamily="34" charset="0"/>
+                <a:buChar char="•"/>
+                <a:defRPr/>
+              </a:pPr>
+              <a:r>
+                <a:rPr lang="es-ES" sz="2000" dirty="0" err="1"/>
+                <a:t>Tensorflow</a:t>
+              </a:r>
+              <a:endParaRPr lang="es-ES" sz="2000" dirty="0"/>
+            </a:p>
+            <a:p>
+              <a:pPr marL="342900" marR="0" lvl="0" indent="-342900" algn="just">
+                <a:spcBef>
+                  <a:spcPts val="0"/>
+                </a:spcBef>
+                <a:spcAft>
+                  <a:spcPts val="0"/>
+                </a:spcAft>
+                <a:buFont typeface="Arial" panose="020B0604020202020204" pitchFamily="34" charset="0"/>
+                <a:buChar char="•"/>
+                <a:defRPr/>
+              </a:pPr>
+              <a:r>
+                <a:rPr lang="es-ES" sz="2000" dirty="0" err="1"/>
+                <a:t>Numpy</a:t>
+              </a:r>
+              <a:endParaRPr lang="es-ES" sz="2000" dirty="0"/>
+            </a:p>
+            <a:p>
+              <a:pPr marL="342900" marR="0" lvl="0" indent="-342900" algn="just">
+                <a:spcBef>
+                  <a:spcPts val="0"/>
+                </a:spcBef>
+                <a:spcAft>
+                  <a:spcPts val="0"/>
+                </a:spcAft>
+                <a:buFont typeface="Arial" panose="020B0604020202020204" pitchFamily="34" charset="0"/>
+                <a:buChar char="•"/>
+                <a:defRPr/>
+              </a:pPr>
+              <a:r>
+                <a:rPr lang="es-ES" sz="2000" dirty="0"/>
+                <a:t>CV2</a:t>
+              </a:r>
+            </a:p>
+            <a:p>
+              <a:pPr marL="342900" marR="0" lvl="0" indent="-342900" algn="just">
+                <a:spcBef>
+                  <a:spcPts val="0"/>
+                </a:spcBef>
+                <a:spcAft>
+                  <a:spcPts val="0"/>
+                </a:spcAft>
+                <a:buFont typeface="Arial" panose="020B0604020202020204" pitchFamily="34" charset="0"/>
+                <a:buChar char="•"/>
+                <a:defRPr/>
+              </a:pPr>
+              <a:r>
+                <a:rPr lang="es-ES" sz="2000" dirty="0" err="1"/>
+                <a:t>Matplotlib</a:t>
+              </a:r>
+              <a:endParaRPr lang="es-ES" sz="2000" dirty="0"/>
+            </a:p>
+            <a:p>
+              <a:pPr marL="342900" marR="0" lvl="0" indent="-342900" algn="just">
+                <a:spcBef>
+                  <a:spcPts val="0"/>
+                </a:spcBef>
+                <a:spcAft>
+                  <a:spcPts val="0"/>
+                </a:spcAft>
+                <a:buFont typeface="Arial" panose="020B0604020202020204" pitchFamily="34" charset="0"/>
+                <a:buChar char="•"/>
+                <a:defRPr/>
+              </a:pPr>
+              <a:r>
+                <a:rPr lang="es-ES" sz="2000" dirty="0" err="1"/>
+                <a:t>Dataset</a:t>
+              </a:r>
+              <a:r>
+                <a:rPr lang="es-ES" sz="2000" dirty="0"/>
+                <a:t>: </a:t>
+              </a:r>
+              <a:r>
+                <a:rPr lang="es-ES" sz="2000" dirty="0" err="1"/>
+                <a:t>pneumonia_mnist</a:t>
+              </a:r>
+              <a:endParaRPr lang="es-ES" sz="2000" dirty="0"/>
+            </a:p>
+            <a:p>
+              <a:pPr marL="342900" marR="0" lvl="0" indent="-342900" algn="just">
+                <a:spcBef>
+                  <a:spcPts val="0"/>
+                </a:spcBef>
+                <a:spcAft>
+                  <a:spcPts val="0"/>
+                </a:spcAft>
+                <a:buFont typeface="Arial" panose="020B0604020202020204" pitchFamily="34" charset="0"/>
+                <a:buChar char="•"/>
+                <a:defRPr/>
+              </a:pPr>
+              <a:r>
+                <a:rPr lang="es-ES" sz="2000" dirty="0" err="1"/>
+                <a:t>tkinterx</a:t>
+              </a:r>
+              <a:endParaRPr lang="es-ES" sz="2000" dirty="0"/>
+            </a:p>
+          </p:txBody>
+        </p:sp>
+        <p:sp>
+          <p:nvSpPr>
+            <p:cNvPr id="254073267" name="Google Shape;71;p3">
+              <a:extLst>
+                <a:ext uri="{FF2B5EF4-FFF2-40B4-BE49-F238E27FC236}">
+                  <a16:creationId xmlns:a16="http://schemas.microsoft.com/office/drawing/2014/main" id="{72C8C815-6E39-A6D6-338A-C2CA31E12C5B}"/>
+                </a:ext>
+              </a:extLst>
+            </p:cNvPr>
+            <p:cNvSpPr/>
+            <p:nvPr/>
+          </p:nvSpPr>
+          <p:spPr bwMode="auto">
+            <a:xfrm>
+              <a:off x="0" y="0"/>
+              <a:ext cx="32697" cy="273998"/>
+            </a:xfrm>
+            <a:prstGeom prst="rect">
+              <a:avLst/>
+            </a:prstGeom>
+            <a:solidFill>
+              <a:srgbClr val="193EB0"/>
+            </a:solidFill>
+            <a:ln>
+              <a:noFill/>
+            </a:ln>
+          </p:spPr>
+          <p:txBody>
+            <a:bodyPr spcFirstLastPara="1" wrap="square" lIns="91422" tIns="45698" rIns="91422" bIns="45698" anchor="ctr" anchorCtr="0">
+              <a:noAutofit/>
+            </a:bodyPr>
+            <a:lstStyle/>
+            <a:p>
+              <a:pPr marL="0" marR="0" lvl="0" indent="0" algn="ctr">
+                <a:spcBef>
+                  <a:spcPts val="0"/>
+                </a:spcBef>
+                <a:spcAft>
+                  <a:spcPts val="0"/>
+                </a:spcAft>
+                <a:buNone/>
+                <a:defRPr/>
+              </a:pPr>
+              <a:endParaRPr sz="2800">
+                <a:solidFill>
+                  <a:schemeClr val="lt1"/>
+                </a:solidFill>
+                <a:latin typeface="Calibri"/>
+                <a:ea typeface="Calibri"/>
+                <a:cs typeface="Calibri"/>
+              </a:endParaRPr>
+            </a:p>
+          </p:txBody>
+        </p:sp>
+      </p:grpSp>
+      <p:pic>
+        <p:nvPicPr>
+          <p:cNvPr id="3" name="Picture 2" descr="A blue and yellow snake logo&#10;&#10;AI-generated content may be incorrect.">
+            <a:extLst>
+              <a:ext uri="{FF2B5EF4-FFF2-40B4-BE49-F238E27FC236}">
+                <a16:creationId xmlns:a16="http://schemas.microsoft.com/office/drawing/2014/main" id="{129EC724-A63B-0C5B-16BD-76E175E740B0}"/>
+              </a:ext>
+            </a:extLst>
+          </p:cNvPr>
+          <p:cNvPicPr>
+            <a:picLocks noChangeAspect="1"/>
+          </p:cNvPicPr>
+          <p:nvPr/>
+        </p:nvPicPr>
+        <p:blipFill>
+          <a:blip r:embed="rId3"/>
+          <a:stretch>
+            <a:fillRect/>
+          </a:stretch>
+        </p:blipFill>
+        <p:spPr>
+          <a:xfrm>
+            <a:off x="1129553" y="4587826"/>
+            <a:ext cx="1850119" cy="2030506"/>
+          </a:xfrm>
+          <a:prstGeom prst="rect">
+            <a:avLst/>
+          </a:prstGeom>
+        </p:spPr>
+      </p:pic>
+      <p:pic>
+        <p:nvPicPr>
+          <p:cNvPr id="7" name="Picture 6" descr="A close-up of a human lungs&#10;&#10;AI-generated content may be incorrect.">
+            <a:extLst>
+              <a:ext uri="{FF2B5EF4-FFF2-40B4-BE49-F238E27FC236}">
+                <a16:creationId xmlns:a16="http://schemas.microsoft.com/office/drawing/2014/main" id="{9B77C871-C774-85D2-1169-582DE356A0DD}"/>
+              </a:ext>
+            </a:extLst>
+          </p:cNvPr>
+          <p:cNvPicPr>
+            <a:picLocks noChangeAspect="1"/>
+          </p:cNvPicPr>
+          <p:nvPr/>
+        </p:nvPicPr>
+        <p:blipFill>
+          <a:blip r:embed="rId4"/>
+          <a:stretch>
+            <a:fillRect/>
+          </a:stretch>
+        </p:blipFill>
+        <p:spPr>
+          <a:xfrm>
+            <a:off x="4009315" y="4469630"/>
+            <a:ext cx="1884193" cy="1884193"/>
+          </a:xfrm>
+          <a:prstGeom prst="rect">
+            <a:avLst/>
+          </a:prstGeom>
+        </p:spPr>
+      </p:pic>
+      <p:pic>
+        <p:nvPicPr>
+          <p:cNvPr id="1026" name="Picture 2" descr="tensorflow · GitHub">
+            <a:extLst>
+              <a:ext uri="{FF2B5EF4-FFF2-40B4-BE49-F238E27FC236}">
+                <a16:creationId xmlns:a16="http://schemas.microsoft.com/office/drawing/2014/main" id="{A94EBC1E-476E-4257-1476-4AF9E9867D10}"/>
+              </a:ext>
+            </a:extLst>
+          </p:cNvPr>
+          <p:cNvPicPr>
+            <a:picLocks noChangeAspect="1" noChangeArrowheads="1"/>
+          </p:cNvPicPr>
+          <p:nvPr/>
+        </p:nvPicPr>
+        <p:blipFill>
+          <a:blip r:embed="rId5">
+            <a:extLst>
+              <a:ext uri="{28A0092B-C50C-407E-A947-70E740481C1C}">
+                <a14:useLocalDpi xmlns:a14="http://schemas.microsoft.com/office/drawing/2010/main" val="0"/>
+              </a:ext>
+            </a:extLst>
+          </a:blip>
+          <a:srcRect/>
+          <a:stretch>
+            <a:fillRect/>
+          </a:stretch>
+        </p:blipFill>
+        <p:spPr bwMode="auto">
+          <a:xfrm>
+            <a:off x="6923151" y="4469629"/>
+            <a:ext cx="1884193" cy="1884193"/>
+          </a:xfrm>
+          <a:prstGeom prst="rect">
+            <a:avLst/>
+          </a:prstGeom>
+          <a:noFill/>
+          <a:extLst>
+            <a:ext uri="{909E8E84-426E-40DD-AFC4-6F175D3DCCD1}">
+              <a14:hiddenFill xmlns:a14="http://schemas.microsoft.com/office/drawing/2010/main">
+                <a:solidFill>
+                  <a:srgbClr val="FFFFFF"/>
+                </a:solidFill>
+              </a14:hiddenFill>
+            </a:ext>
+          </a:extLst>
+        </p:spPr>
+      </p:pic>
+    </p:spTree>
+    <p:extLst>
+      <p:ext uri="{BB962C8B-B14F-4D97-AF65-F5344CB8AC3E}">
+        <p14:creationId xmlns:p14="http://schemas.microsoft.com/office/powerpoint/2010/main" val="2931386767"/>
+      </p:ext>
+    </p:extLst>
+  </p:cSld>
+  <p:clrMapOvr>
+    <a:masterClrMapping/>
+  </p:clrMapOvr>
+</p:sld>
+</file>
+
+<file path=ppt/slides/slide8.xml><?xml version="1.0" encoding="utf-8"?>
+<p:sld xmlns:a="http://schemas.openxmlformats.org/drawingml/2006/main" xmlns:r="http://schemas.openxmlformats.org/officeDocument/2006/relationships" xmlns:p="http://schemas.openxmlformats.org/presentationml/2006/main" showMasterPhAnim="0">
+  <p:cSld>
+    <p:spTree>
+      <p:nvGrpSpPr>
+        <p:cNvPr id="1" name="">
+          <a:extLst>
+            <a:ext uri="{FF2B5EF4-FFF2-40B4-BE49-F238E27FC236}">
+              <a16:creationId xmlns:a16="http://schemas.microsoft.com/office/drawing/2014/main" id="{8CCA7F43-9D94-FD97-CF4A-8AC2370DB5BC}"/>
+            </a:ext>
+          </a:extLst>
+        </p:cNvPr>
+        <p:cNvGrpSpPr/>
+        <p:nvPr/>
+      </p:nvGrpSpPr>
+      <p:grpSpPr bwMode="auto">
+        <a:xfrm>
+          <a:off x="0" y="0"/>
+          <a:ext cx="0" cy="0"/>
+          <a:chOff x="0" y="0"/>
+          <a:chExt cx="0" cy="0"/>
+        </a:xfrm>
+      </p:grpSpPr>
+      <p:sp>
+        <p:nvSpPr>
+          <p:cNvPr id="418679249" name="Google Shape;68;p3">
+            <a:extLst>
+              <a:ext uri="{FF2B5EF4-FFF2-40B4-BE49-F238E27FC236}">
+                <a16:creationId xmlns:a16="http://schemas.microsoft.com/office/drawing/2014/main" id="{36957A93-7968-0099-5E55-1A407BDFC70B}"/>
+              </a:ext>
+            </a:extLst>
+          </p:cNvPr>
+          <p:cNvSpPr/>
+          <p:nvPr/>
+        </p:nvSpPr>
+        <p:spPr bwMode="auto">
+          <a:xfrm>
+            <a:off x="528795" y="372007"/>
+            <a:ext cx="4655039" cy="427078"/>
+          </a:xfrm>
+          <a:prstGeom prst="rect">
+            <a:avLst/>
+          </a:prstGeom>
+          <a:noFill/>
+          <a:ln>
+            <a:noFill/>
+          </a:ln>
+        </p:spPr>
+        <p:txBody>
+          <a:bodyPr spcFirstLastPara="1" wrap="square" lIns="0" tIns="0" rIns="0" bIns="0" anchor="t" anchorCtr="0">
+            <a:spAutoFit/>
+          </a:bodyPr>
+          <a:lstStyle/>
+          <a:p>
+            <a:pPr marL="0" marR="0" lvl="0" indent="0" algn="l">
+              <a:spcBef>
+                <a:spcPts val="0"/>
+              </a:spcBef>
+              <a:spcAft>
+                <a:spcPts val="0"/>
+              </a:spcAft>
+              <a:buNone/>
+              <a:defRPr/>
+            </a:pPr>
+            <a:r>
+              <a:rPr lang="en-US" sz="2800" dirty="0" err="1">
+                <a:solidFill>
+                  <a:schemeClr val="bg1"/>
+                </a:solidFill>
+              </a:rPr>
+              <a:t>Demostración</a:t>
+            </a:r>
+            <a:endParaRPr lang="en-US" dirty="0">
+              <a:solidFill>
+                <a:schemeClr val="bg1"/>
+              </a:solidFill>
+            </a:endParaRPr>
+          </a:p>
+        </p:txBody>
+      </p:sp>
+      <p:grpSp>
+        <p:nvGrpSpPr>
+          <p:cNvPr id="2102747445" name="Google Shape;69;p3">
+            <a:extLst>
+              <a:ext uri="{FF2B5EF4-FFF2-40B4-BE49-F238E27FC236}">
+                <a16:creationId xmlns:a16="http://schemas.microsoft.com/office/drawing/2014/main" id="{4477A0FB-1782-B242-B225-05083B62355B}"/>
+              </a:ext>
+            </a:extLst>
+          </p:cNvPr>
+          <p:cNvGrpSpPr/>
+          <p:nvPr/>
+        </p:nvGrpSpPr>
+        <p:grpSpPr bwMode="auto">
+          <a:xfrm>
+            <a:off x="528795" y="1365337"/>
+            <a:ext cx="7244979" cy="738665"/>
+            <a:chOff x="0" y="-76894"/>
+            <a:chExt cx="5181414" cy="701783"/>
+          </a:xfrm>
+        </p:grpSpPr>
+        <p:sp>
+          <p:nvSpPr>
+            <p:cNvPr id="502921814" name="Google Shape;70;p3">
+              <a:extLst>
+                <a:ext uri="{FF2B5EF4-FFF2-40B4-BE49-F238E27FC236}">
+                  <a16:creationId xmlns:a16="http://schemas.microsoft.com/office/drawing/2014/main" id="{2A3F8870-0F25-A4FD-6F30-728C8F3D7432}"/>
+                </a:ext>
+              </a:extLst>
+            </p:cNvPr>
+            <p:cNvSpPr/>
+            <p:nvPr/>
+          </p:nvSpPr>
+          <p:spPr bwMode="auto">
+            <a:xfrm>
+              <a:off x="198839" y="-76894"/>
+              <a:ext cx="4982575" cy="701783"/>
+            </a:xfrm>
+            <a:prstGeom prst="rect">
+              <a:avLst/>
+            </a:prstGeom>
+            <a:noFill/>
+            <a:ln>
+              <a:noFill/>
+            </a:ln>
+          </p:spPr>
+          <p:txBody>
+            <a:bodyPr spcFirstLastPara="1" wrap="square" lIns="0" tIns="0" rIns="0" bIns="0" anchor="ctr" anchorCtr="0">
+              <a:spAutoFit/>
+            </a:bodyPr>
+            <a:lstStyle/>
+            <a:p>
+              <a:pPr marL="0" marR="0" lvl="0" indent="0" algn="just">
+                <a:spcBef>
+                  <a:spcPts val="0"/>
+                </a:spcBef>
+                <a:spcAft>
+                  <a:spcPts val="0"/>
+                </a:spcAft>
+                <a:buNone/>
+                <a:defRPr/>
+              </a:pPr>
+              <a:r>
+                <a:rPr lang="es-ES" sz="2400" dirty="0"/>
+                <a:t>Procesamiento de </a:t>
+              </a:r>
+              <a:r>
+                <a:rPr lang="es-ES" sz="2400" dirty="0" err="1"/>
+                <a:t>datasets</a:t>
+              </a:r>
+              <a:r>
+                <a:rPr lang="es-ES" sz="2400" dirty="0"/>
+                <a:t>:</a:t>
+              </a:r>
+            </a:p>
+            <a:p>
+              <a:pPr marL="0" marR="0" lvl="0" indent="0" algn="just">
+                <a:spcBef>
+                  <a:spcPts val="0"/>
+                </a:spcBef>
+                <a:spcAft>
+                  <a:spcPts val="0"/>
+                </a:spcAft>
+                <a:buNone/>
+                <a:defRPr/>
+              </a:pPr>
+              <a:endParaRPr lang="es-ES" sz="2400" dirty="0"/>
+            </a:p>
+          </p:txBody>
+        </p:sp>
+        <p:sp>
+          <p:nvSpPr>
+            <p:cNvPr id="254073267" name="Google Shape;71;p3">
+              <a:extLst>
+                <a:ext uri="{FF2B5EF4-FFF2-40B4-BE49-F238E27FC236}">
+                  <a16:creationId xmlns:a16="http://schemas.microsoft.com/office/drawing/2014/main" id="{37180AAD-D43F-6634-BBD0-51E5E58D4B8C}"/>
+                </a:ext>
+              </a:extLst>
+            </p:cNvPr>
+            <p:cNvSpPr/>
+            <p:nvPr/>
+          </p:nvSpPr>
+          <p:spPr bwMode="auto">
+            <a:xfrm>
+              <a:off x="0" y="0"/>
+              <a:ext cx="32697" cy="273998"/>
+            </a:xfrm>
+            <a:prstGeom prst="rect">
+              <a:avLst/>
+            </a:prstGeom>
+            <a:solidFill>
+              <a:srgbClr val="193EB0"/>
+            </a:solidFill>
+            <a:ln>
+              <a:noFill/>
+            </a:ln>
+          </p:spPr>
+          <p:txBody>
+            <a:bodyPr spcFirstLastPara="1" wrap="square" lIns="91422" tIns="45698" rIns="91422" bIns="45698" anchor="ctr" anchorCtr="0">
+              <a:noAutofit/>
+            </a:bodyPr>
+            <a:lstStyle/>
+            <a:p>
+              <a:pPr marL="0" marR="0" lvl="0" indent="0" algn="ctr">
+                <a:spcBef>
+                  <a:spcPts val="0"/>
+                </a:spcBef>
+                <a:spcAft>
+                  <a:spcPts val="0"/>
+                </a:spcAft>
+                <a:buNone/>
+                <a:defRPr/>
+              </a:pPr>
+              <a:endParaRPr sz="2800">
+                <a:solidFill>
+                  <a:schemeClr val="lt1"/>
+                </a:solidFill>
+                <a:latin typeface="Calibri"/>
+                <a:ea typeface="Calibri"/>
+                <a:cs typeface="Calibri"/>
+              </a:endParaRPr>
+            </a:p>
+          </p:txBody>
+        </p:sp>
+      </p:grpSp>
+      <p:pic>
+        <p:nvPicPr>
+          <p:cNvPr id="4" name="Picture 3" descr="A collage of x-ray images&#10;&#10;AI-generated content may be incorrect.">
+            <a:extLst>
+              <a:ext uri="{FF2B5EF4-FFF2-40B4-BE49-F238E27FC236}">
+                <a16:creationId xmlns:a16="http://schemas.microsoft.com/office/drawing/2014/main" id="{AFCCE874-4B33-4F69-E2E5-3B42BF9B5534}"/>
+              </a:ext>
+            </a:extLst>
+          </p:cNvPr>
+          <p:cNvPicPr>
+            <a:picLocks noChangeAspect="1"/>
+          </p:cNvPicPr>
+          <p:nvPr/>
+        </p:nvPicPr>
+        <p:blipFill>
+          <a:blip r:embed="rId3"/>
+          <a:stretch>
+            <a:fillRect/>
+          </a:stretch>
+        </p:blipFill>
+        <p:spPr>
+          <a:xfrm>
+            <a:off x="513301" y="1894763"/>
+            <a:ext cx="4018867" cy="4094791"/>
+          </a:xfrm>
+          <a:prstGeom prst="rect">
+            <a:avLst/>
+          </a:prstGeom>
+        </p:spPr>
+      </p:pic>
+      <p:pic>
+        <p:nvPicPr>
+          <p:cNvPr id="8" name="Picture 7" descr="A graph with a line&#10;&#10;AI-generated content may be incorrect.">
+            <a:extLst>
+              <a:ext uri="{FF2B5EF4-FFF2-40B4-BE49-F238E27FC236}">
+                <a16:creationId xmlns:a16="http://schemas.microsoft.com/office/drawing/2014/main" id="{A7997751-CFB1-E31F-53D6-D56DFDA0C470}"/>
+              </a:ext>
+            </a:extLst>
+          </p:cNvPr>
+          <p:cNvPicPr>
+            <a:picLocks noChangeAspect="1"/>
+          </p:cNvPicPr>
+          <p:nvPr/>
+        </p:nvPicPr>
+        <p:blipFill>
+          <a:blip r:embed="rId4"/>
+          <a:stretch>
+            <a:fillRect/>
+          </a:stretch>
+        </p:blipFill>
+        <p:spPr>
+          <a:xfrm>
+            <a:off x="4663817" y="2104002"/>
+            <a:ext cx="4725707" cy="3544280"/>
+          </a:xfrm>
+          <a:prstGeom prst="rect">
+            <a:avLst/>
+          </a:prstGeom>
+        </p:spPr>
+      </p:pic>
+      <p:sp>
+        <p:nvSpPr>
+          <p:cNvPr id="11" name="TextBox 10">
+            <a:extLst>
+              <a:ext uri="{FF2B5EF4-FFF2-40B4-BE49-F238E27FC236}">
+                <a16:creationId xmlns:a16="http://schemas.microsoft.com/office/drawing/2014/main" id="{F21D3248-5CC4-E3DA-C164-5FE2F8E01897}"/>
+              </a:ext>
+            </a:extLst>
+          </p:cNvPr>
+          <p:cNvSpPr txBox="1"/>
+          <p:nvPr/>
+        </p:nvSpPr>
+        <p:spPr>
+          <a:xfrm>
+            <a:off x="6607357" y="1842796"/>
+            <a:ext cx="2810435" cy="307777"/>
+          </a:xfrm>
+          <a:prstGeom prst="rect">
+            <a:avLst/>
+          </a:prstGeom>
+          <a:noFill/>
+        </p:spPr>
+        <p:txBody>
+          <a:bodyPr wrap="square" rtlCol="0">
+            <a:spAutoFit/>
+          </a:bodyPr>
+          <a:lstStyle/>
+          <a:p>
+            <a:r>
+              <a:rPr lang="en-US" dirty="0"/>
+              <a:t>Gráfica del </a:t>
+            </a:r>
+            <a:r>
+              <a:rPr lang="en-US" dirty="0" err="1"/>
+              <a:t>codo</a:t>
+            </a:r>
+            <a:endParaRPr lang="en-US" dirty="0"/>
+          </a:p>
+        </p:txBody>
+      </p:sp>
+    </p:spTree>
+    <p:extLst>
+      <p:ext uri="{BB962C8B-B14F-4D97-AF65-F5344CB8AC3E}">
+        <p14:creationId xmlns:p14="http://schemas.microsoft.com/office/powerpoint/2010/main" val="870060085"/>
+      </p:ext>
+    </p:extLst>
+  </p:cSld>
+  <p:clrMapOvr>
+    <a:masterClrMapping/>
+  </p:clrMapOvr>
+</p:sld>
+</file>
+
+<file path=ppt/slides/slide9.xml><?xml version="1.0" encoding="utf-8"?>
+<p:sld xmlns:a="http://schemas.openxmlformats.org/drawingml/2006/main" xmlns:r="http://schemas.openxmlformats.org/officeDocument/2006/relationships" xmlns:p="http://schemas.openxmlformats.org/presentationml/2006/main" showMasterPhAnim="0">
+  <p:cSld>
+    <p:spTree>
+      <p:nvGrpSpPr>
+        <p:cNvPr id="1" name="">
+          <a:extLst>
+            <a:ext uri="{FF2B5EF4-FFF2-40B4-BE49-F238E27FC236}">
+              <a16:creationId xmlns:a16="http://schemas.microsoft.com/office/drawing/2014/main" id="{310CE676-B0F2-A3BE-C128-F3419A2A8361}"/>
+            </a:ext>
+          </a:extLst>
+        </p:cNvPr>
+        <p:cNvGrpSpPr/>
+        <p:nvPr/>
+      </p:nvGrpSpPr>
+      <p:grpSpPr bwMode="auto">
+        <a:xfrm>
+          <a:off x="0" y="0"/>
+          <a:ext cx="0" cy="0"/>
+          <a:chOff x="0" y="0"/>
+          <a:chExt cx="0" cy="0"/>
+        </a:xfrm>
+      </p:grpSpPr>
+      <p:sp>
+        <p:nvSpPr>
+          <p:cNvPr id="418679249" name="Google Shape;68;p3">
+            <a:extLst>
+              <a:ext uri="{FF2B5EF4-FFF2-40B4-BE49-F238E27FC236}">
+                <a16:creationId xmlns:a16="http://schemas.microsoft.com/office/drawing/2014/main" id="{D4E09CE4-707C-9D43-2CED-FD43E18308D1}"/>
+              </a:ext>
+            </a:extLst>
+          </p:cNvPr>
+          <p:cNvSpPr/>
+          <p:nvPr/>
+        </p:nvSpPr>
+        <p:spPr bwMode="auto">
+          <a:xfrm>
+            <a:off x="528795" y="372007"/>
+            <a:ext cx="4655039" cy="427078"/>
+          </a:xfrm>
+          <a:prstGeom prst="rect">
+            <a:avLst/>
+          </a:prstGeom>
+          <a:noFill/>
+          <a:ln>
+            <a:noFill/>
+          </a:ln>
+        </p:spPr>
+        <p:txBody>
+          <a:bodyPr spcFirstLastPara="1" wrap="square" lIns="0" tIns="0" rIns="0" bIns="0" anchor="t" anchorCtr="0">
+            <a:spAutoFit/>
+          </a:bodyPr>
+          <a:lstStyle/>
+          <a:p>
+            <a:pPr marL="0" marR="0" lvl="0" indent="0" algn="l">
+              <a:spcBef>
+                <a:spcPts val="0"/>
+              </a:spcBef>
+              <a:spcAft>
+                <a:spcPts val="0"/>
+              </a:spcAft>
+              <a:buNone/>
+              <a:defRPr/>
+            </a:pPr>
+            <a:r>
+              <a:rPr lang="en-US" sz="2800" dirty="0" err="1">
+                <a:solidFill>
+                  <a:schemeClr val="bg1"/>
+                </a:solidFill>
+              </a:rPr>
+              <a:t>Demostración</a:t>
+            </a:r>
+            <a:endParaRPr lang="en-US" dirty="0">
+              <a:solidFill>
+                <a:schemeClr val="bg1"/>
+              </a:solidFill>
+            </a:endParaRPr>
+          </a:p>
+        </p:txBody>
+      </p:sp>
+      <p:grpSp>
+        <p:nvGrpSpPr>
+          <p:cNvPr id="2102747445" name="Google Shape;69;p3">
+            <a:extLst>
+              <a:ext uri="{FF2B5EF4-FFF2-40B4-BE49-F238E27FC236}">
+                <a16:creationId xmlns:a16="http://schemas.microsoft.com/office/drawing/2014/main" id="{41A17E1D-16ED-7969-5365-76A610968238}"/>
+              </a:ext>
+            </a:extLst>
+          </p:cNvPr>
+          <p:cNvGrpSpPr/>
+          <p:nvPr/>
+        </p:nvGrpSpPr>
+        <p:grpSpPr bwMode="auto">
+          <a:xfrm>
+            <a:off x="528795" y="1365337"/>
+            <a:ext cx="7244979" cy="738665"/>
+            <a:chOff x="0" y="-76894"/>
+            <a:chExt cx="5181414" cy="701783"/>
+          </a:xfrm>
+        </p:grpSpPr>
+        <p:sp>
+          <p:nvSpPr>
+            <p:cNvPr id="502921814" name="Google Shape;70;p3">
+              <a:extLst>
+                <a:ext uri="{FF2B5EF4-FFF2-40B4-BE49-F238E27FC236}">
+                  <a16:creationId xmlns:a16="http://schemas.microsoft.com/office/drawing/2014/main" id="{2A93F0C6-2B02-E990-9F68-48690D4114F6}"/>
+                </a:ext>
+              </a:extLst>
+            </p:cNvPr>
+            <p:cNvSpPr/>
+            <p:nvPr/>
+          </p:nvSpPr>
+          <p:spPr bwMode="auto">
+            <a:xfrm>
+              <a:off x="198839" y="-76894"/>
+              <a:ext cx="4982575" cy="701783"/>
+            </a:xfrm>
+            <a:prstGeom prst="rect">
+              <a:avLst/>
+            </a:prstGeom>
+            <a:noFill/>
+            <a:ln>
+              <a:noFill/>
+            </a:ln>
+          </p:spPr>
+          <p:txBody>
+            <a:bodyPr spcFirstLastPara="1" wrap="square" lIns="0" tIns="0" rIns="0" bIns="0" anchor="ctr" anchorCtr="0">
+              <a:spAutoFit/>
+            </a:bodyPr>
+            <a:lstStyle/>
+            <a:p>
+              <a:pPr marL="0" marR="0" lvl="0" indent="0" algn="just">
+                <a:spcBef>
+                  <a:spcPts val="0"/>
+                </a:spcBef>
+                <a:spcAft>
+                  <a:spcPts val="0"/>
+                </a:spcAft>
+                <a:buNone/>
+                <a:defRPr/>
+              </a:pPr>
+              <a:r>
+                <a:rPr lang="es-ES" sz="2400" dirty="0"/>
+                <a:t>Procesamiento de </a:t>
+              </a:r>
+              <a:r>
+                <a:rPr lang="es-ES" sz="2400" dirty="0" err="1"/>
+                <a:t>datasets</a:t>
+              </a:r>
+              <a:r>
+                <a:rPr lang="es-ES" sz="2400" dirty="0"/>
+                <a:t>:</a:t>
+              </a:r>
+            </a:p>
+            <a:p>
+              <a:pPr marL="0" marR="0" lvl="0" indent="0" algn="just">
+                <a:spcBef>
+                  <a:spcPts val="0"/>
+                </a:spcBef>
+                <a:spcAft>
+                  <a:spcPts val="0"/>
+                </a:spcAft>
+                <a:buNone/>
+                <a:defRPr/>
+              </a:pPr>
+              <a:endParaRPr lang="es-ES" sz="2400" dirty="0"/>
+            </a:p>
+          </p:txBody>
+        </p:sp>
+        <p:sp>
+          <p:nvSpPr>
+            <p:cNvPr id="254073267" name="Google Shape;71;p3">
+              <a:extLst>
+                <a:ext uri="{FF2B5EF4-FFF2-40B4-BE49-F238E27FC236}">
+                  <a16:creationId xmlns:a16="http://schemas.microsoft.com/office/drawing/2014/main" id="{483611BA-DDEF-157F-D892-A9DAE3993735}"/>
+                </a:ext>
+              </a:extLst>
+            </p:cNvPr>
+            <p:cNvSpPr/>
+            <p:nvPr/>
+          </p:nvSpPr>
+          <p:spPr bwMode="auto">
+            <a:xfrm>
+              <a:off x="0" y="0"/>
+              <a:ext cx="32697" cy="273998"/>
+            </a:xfrm>
+            <a:prstGeom prst="rect">
+              <a:avLst/>
+            </a:prstGeom>
+            <a:solidFill>
+              <a:srgbClr val="193EB0"/>
+            </a:solidFill>
+            <a:ln>
+              <a:noFill/>
+            </a:ln>
+          </p:spPr>
+          <p:txBody>
+            <a:bodyPr spcFirstLastPara="1" wrap="square" lIns="91422" tIns="45698" rIns="91422" bIns="45698" anchor="ctr" anchorCtr="0">
+              <a:noAutofit/>
+            </a:bodyPr>
+            <a:lstStyle/>
+            <a:p>
+              <a:pPr marL="0" marR="0" lvl="0" indent="0" algn="ctr">
+                <a:spcBef>
+                  <a:spcPts val="0"/>
+                </a:spcBef>
+                <a:spcAft>
+                  <a:spcPts val="0"/>
+                </a:spcAft>
+                <a:buNone/>
+                <a:defRPr/>
+              </a:pPr>
+              <a:endParaRPr sz="2800">
+                <a:solidFill>
+                  <a:schemeClr val="lt1"/>
+                </a:solidFill>
+                <a:latin typeface="Calibri"/>
+                <a:ea typeface="Calibri"/>
+                <a:cs typeface="Calibri"/>
+              </a:endParaRPr>
+            </a:p>
+          </p:txBody>
+        </p:sp>
+      </p:grpSp>
+      <p:sp>
+        <p:nvSpPr>
+          <p:cNvPr id="11" name="TextBox 10">
+            <a:extLst>
+              <a:ext uri="{FF2B5EF4-FFF2-40B4-BE49-F238E27FC236}">
+                <a16:creationId xmlns:a16="http://schemas.microsoft.com/office/drawing/2014/main" id="{4838F6CA-8B6E-5072-5EC5-BD6E6A7AB17E}"/>
+              </a:ext>
+            </a:extLst>
+          </p:cNvPr>
+          <p:cNvSpPr txBox="1"/>
+          <p:nvPr/>
+        </p:nvSpPr>
+        <p:spPr>
+          <a:xfrm>
+            <a:off x="6607357" y="1842796"/>
+            <a:ext cx="2810435" cy="307777"/>
+          </a:xfrm>
+          <a:prstGeom prst="rect">
+            <a:avLst/>
+          </a:prstGeom>
+          <a:noFill/>
+        </p:spPr>
+        <p:txBody>
+          <a:bodyPr wrap="square" rtlCol="0">
+            <a:spAutoFit/>
+          </a:bodyPr>
+          <a:lstStyle/>
+          <a:p>
+            <a:r>
+              <a:rPr lang="en-US" dirty="0"/>
+              <a:t>Gráfica del </a:t>
+            </a:r>
+            <a:r>
+              <a:rPr lang="en-US" dirty="0" err="1"/>
+              <a:t>codo</a:t>
+            </a:r>
+            <a:endParaRPr lang="en-US" dirty="0"/>
+          </a:p>
+        </p:txBody>
+      </p:sp>
+      <p:pic>
+        <p:nvPicPr>
+          <p:cNvPr id="3" name="Imagen 2" descr="Interfaz de usuario gráfica, Aplicación&#10;&#10;El contenido generado por IA puede ser incorrecto.">
+            <a:extLst>
+              <a:ext uri="{FF2B5EF4-FFF2-40B4-BE49-F238E27FC236}">
+                <a16:creationId xmlns:a16="http://schemas.microsoft.com/office/drawing/2014/main" id="{39499A2D-4E3A-0F64-718D-8DA95E8B853A}"/>
+              </a:ext>
+            </a:extLst>
+          </p:cNvPr>
+          <p:cNvPicPr>
+            <a:picLocks noChangeAspect="1"/>
+          </p:cNvPicPr>
+          <p:nvPr/>
+        </p:nvPicPr>
+        <p:blipFill>
+          <a:blip r:embed="rId3"/>
+          <a:stretch>
+            <a:fillRect/>
+          </a:stretch>
+        </p:blipFill>
+        <p:spPr>
+          <a:xfrm>
+            <a:off x="2078684" y="2104002"/>
+            <a:ext cx="6210300" cy="3162300"/>
+          </a:xfrm>
+          <a:prstGeom prst="rect">
+            <a:avLst/>
+          </a:prstGeom>
+        </p:spPr>
+      </p:pic>
+    </p:spTree>
+    <p:extLst>
+      <p:ext uri="{BB962C8B-B14F-4D97-AF65-F5344CB8AC3E}">
+        <p14:creationId xmlns:p14="http://schemas.microsoft.com/office/powerpoint/2010/main" val="1400231134"/>
+      </p:ext>
+    </p:extLst>
   </p:cSld>
   <p:clrMapOvr>
     <a:masterClrMapping/>
